--- a/Mid-Term Presenation.pptx
+++ b/Mid-Term Presenation.pptx
@@ -4,6 +4,9 @@
   <p:sldMasterIdLst>
     <p:sldMasterId id="2147484149" r:id="rId1"/>
   </p:sldMasterIdLst>
+  <p:notesMasterIdLst>
+    <p:notesMasterId r:id="rId10"/>
+  </p:notesMasterIdLst>
   <p:sldIdLst>
     <p:sldId id="256" r:id="rId2"/>
     <p:sldId id="257" r:id="rId3"/>
@@ -111,10 +114,2523 @@
       </a:defRPr>
     </a:lvl9pPr>
   </p:defaultTextStyle>
+  <p:extLst>
+    <p:ext uri="{EFAFB233-063F-42B5-8137-9DF3F51BA10A}">
+      <p15:sldGuideLst xmlns:p15="http://schemas.microsoft.com/office/powerpoint/2012/main"/>
+    </p:ext>
+  </p:extLst>
 </p:presentation>
 </file>
 
+<file path=ppt/charts/chart1.xml><?xml version="1.0" encoding="utf-8"?>
+<c:chartSpace xmlns:c="http://schemas.openxmlformats.org/drawingml/2006/chart" xmlns:a="http://schemas.openxmlformats.org/drawingml/2006/main" xmlns:r="http://schemas.openxmlformats.org/officeDocument/2006/relationships" xmlns:c16r2="http://schemas.microsoft.com/office/drawing/2015/06/chart">
+  <c:date1904 val="0"/>
+  <c:lang val="en-US"/>
+  <c:roundedCorners val="0"/>
+  <mc:AlternateContent xmlns:mc="http://schemas.openxmlformats.org/markup-compatibility/2006">
+    <mc:Choice xmlns:c14="http://schemas.microsoft.com/office/drawing/2007/8/2/chart" Requires="c14">
+      <c14:style val="102"/>
+    </mc:Choice>
+    <mc:Fallback>
+      <c:style val="2"/>
+    </mc:Fallback>
+  </mc:AlternateContent>
+  <c:chart>
+    <c:title>
+      <c:tx>
+        <c:rich>
+          <a:bodyPr rot="0" spcFirstLastPara="1" vertOverflow="ellipsis" vert="horz" wrap="square" anchor="ctr" anchorCtr="1"/>
+          <a:lstStyle/>
+          <a:p>
+            <a:pPr>
+              <a:defRPr sz="1862" b="0" i="0" u="none" strike="noStrike" kern="1200" spc="0" baseline="0">
+                <a:solidFill>
+                  <a:schemeClr val="tx1">
+                    <a:lumMod val="65000"/>
+                    <a:lumOff val="35000"/>
+                  </a:schemeClr>
+                </a:solidFill>
+                <a:latin typeface="+mn-lt"/>
+                <a:ea typeface="+mn-ea"/>
+                <a:cs typeface="+mn-cs"/>
+              </a:defRPr>
+            </a:pPr>
+            <a:r>
+              <a:rPr lang="en-US" dirty="0"/>
+              <a:t>Overall Sentiment</a:t>
+            </a:r>
+          </a:p>
+        </c:rich>
+      </c:tx>
+      <c:overlay val="0"/>
+      <c:spPr>
+        <a:noFill/>
+        <a:ln>
+          <a:noFill/>
+        </a:ln>
+        <a:effectLst/>
+      </c:spPr>
+      <c:txPr>
+        <a:bodyPr rot="0" spcFirstLastPara="1" vertOverflow="ellipsis" vert="horz" wrap="square" anchor="ctr" anchorCtr="1"/>
+        <a:lstStyle/>
+        <a:p>
+          <a:pPr>
+            <a:defRPr sz="1862" b="0" i="0" u="none" strike="noStrike" kern="1200" spc="0" baseline="0">
+              <a:solidFill>
+                <a:schemeClr val="tx1">
+                  <a:lumMod val="65000"/>
+                  <a:lumOff val="35000"/>
+                </a:schemeClr>
+              </a:solidFill>
+              <a:latin typeface="+mn-lt"/>
+              <a:ea typeface="+mn-ea"/>
+              <a:cs typeface="+mn-cs"/>
+            </a:defRPr>
+          </a:pPr>
+          <a:endParaRPr lang="en-US"/>
+        </a:p>
+      </c:txPr>
+    </c:title>
+    <c:autoTitleDeleted val="0"/>
+    <c:plotArea>
+      <c:layout/>
+      <c:pieChart>
+        <c:varyColors val="1"/>
+        <c:ser>
+          <c:idx val="0"/>
+          <c:order val="0"/>
+          <c:tx>
+            <c:strRef>
+              <c:f>Sheet1!$B$1</c:f>
+              <c:strCache>
+                <c:ptCount val="1"/>
+                <c:pt idx="0">
+                  <c:v>Sentiment</c:v>
+                </c:pt>
+              </c:strCache>
+            </c:strRef>
+          </c:tx>
+          <c:dPt>
+            <c:idx val="0"/>
+            <c:bubble3D val="0"/>
+            <c:spPr>
+              <a:solidFill>
+                <a:srgbClr val="0070C0"/>
+              </a:solidFill>
+              <a:ln w="19050">
+                <a:solidFill>
+                  <a:schemeClr val="lt1"/>
+                </a:solidFill>
+              </a:ln>
+              <a:effectLst/>
+            </c:spPr>
+            <c:extLst>
+              <c:ext xmlns:c16="http://schemas.microsoft.com/office/drawing/2014/chart" uri="{C3380CC4-5D6E-409C-BE32-E72D297353CC}">
+                <c16:uniqueId val="{00000001-76BD-0A47-B2DF-0E27CE022F49}"/>
+              </c:ext>
+            </c:extLst>
+          </c:dPt>
+          <c:dPt>
+            <c:idx val="1"/>
+            <c:bubble3D val="0"/>
+            <c:spPr>
+              <a:solidFill>
+                <a:srgbClr val="FF0000"/>
+              </a:solidFill>
+              <a:ln w="19050">
+                <a:solidFill>
+                  <a:schemeClr val="lt1"/>
+                </a:solidFill>
+              </a:ln>
+              <a:effectLst/>
+            </c:spPr>
+            <c:extLst>
+              <c:ext xmlns:c16="http://schemas.microsoft.com/office/drawing/2014/chart" uri="{C3380CC4-5D6E-409C-BE32-E72D297353CC}">
+                <c16:uniqueId val="{00000003-76BD-0A47-B2DF-0E27CE022F49}"/>
+              </c:ext>
+            </c:extLst>
+          </c:dPt>
+          <c:dLbls>
+            <c:dLbl>
+              <c:idx val="0"/>
+              <c:dLblPos val="ctr"/>
+              <c:showLegendKey val="0"/>
+              <c:showVal val="1"/>
+              <c:showCatName val="0"/>
+              <c:showSerName val="0"/>
+              <c:showPercent val="0"/>
+              <c:showBubbleSize val="0"/>
+              <c:extLst>
+                <c:ext xmlns:c15="http://schemas.microsoft.com/office/drawing/2012/chart" uri="{CE6537A1-D6FC-4f65-9D91-7224C49458BB}"/>
+                <c:ext xmlns:c16="http://schemas.microsoft.com/office/drawing/2014/chart" uri="{C3380CC4-5D6E-409C-BE32-E72D297353CC}">
+                  <c16:uniqueId val="{00000001-76BD-0A47-B2DF-0E27CE022F49}"/>
+                </c:ext>
+              </c:extLst>
+            </c:dLbl>
+            <c:dLbl>
+              <c:idx val="1"/>
+              <c:dLblPos val="ctr"/>
+              <c:showLegendKey val="0"/>
+              <c:showVal val="1"/>
+              <c:showCatName val="0"/>
+              <c:showSerName val="0"/>
+              <c:showPercent val="0"/>
+              <c:showBubbleSize val="0"/>
+              <c:extLst>
+                <c:ext xmlns:c15="http://schemas.microsoft.com/office/drawing/2012/chart" uri="{CE6537A1-D6FC-4f65-9D91-7224C49458BB}"/>
+                <c:ext xmlns:c16="http://schemas.microsoft.com/office/drawing/2014/chart" uri="{C3380CC4-5D6E-409C-BE32-E72D297353CC}">
+                  <c16:uniqueId val="{00000003-76BD-0A47-B2DF-0E27CE022F49}"/>
+                </c:ext>
+              </c:extLst>
+            </c:dLbl>
+            <c:spPr>
+              <a:noFill/>
+              <a:ln>
+                <a:noFill/>
+              </a:ln>
+              <a:effectLst/>
+            </c:spPr>
+            <c:txPr>
+              <a:bodyPr rot="0" spcFirstLastPara="1" vertOverflow="ellipsis" vert="horz" wrap="square" lIns="38100" tIns="19050" rIns="38100" bIns="19050" anchor="ctr" anchorCtr="1">
+                <a:spAutoFit/>
+              </a:bodyPr>
+              <a:lstStyle/>
+              <a:p>
+                <a:pPr>
+                  <a:defRPr sz="2000" b="0" i="0" u="none" strike="noStrike" kern="1200" baseline="0">
+                    <a:solidFill>
+                      <a:schemeClr val="tx1">
+                        <a:lumMod val="75000"/>
+                        <a:lumOff val="25000"/>
+                      </a:schemeClr>
+                    </a:solidFill>
+                    <a:latin typeface="+mn-lt"/>
+                    <a:ea typeface="+mn-ea"/>
+                    <a:cs typeface="+mn-cs"/>
+                  </a:defRPr>
+                </a:pPr>
+                <a:endParaRPr lang="en-US"/>
+              </a:p>
+            </c:txPr>
+            <c:showLegendKey val="0"/>
+            <c:showVal val="0"/>
+            <c:showCatName val="0"/>
+            <c:showSerName val="0"/>
+            <c:showPercent val="0"/>
+            <c:showBubbleSize val="0"/>
+            <c:extLst>
+              <c:ext xmlns:c15="http://schemas.microsoft.com/office/drawing/2012/chart" uri="{CE6537A1-D6FC-4f65-9D91-7224C49458BB}"/>
+            </c:extLst>
+          </c:dLbls>
+          <c:cat>
+            <c:strRef>
+              <c:f>Sheet1!$A$2:$A$3</c:f>
+              <c:strCache>
+                <c:ptCount val="2"/>
+                <c:pt idx="0">
+                  <c:v>Positive</c:v>
+                </c:pt>
+                <c:pt idx="1">
+                  <c:v>Negative</c:v>
+                </c:pt>
+              </c:strCache>
+            </c:strRef>
+          </c:cat>
+          <c:val>
+            <c:numRef>
+              <c:f>Sheet1!$B$2:$B$3</c:f>
+              <c:numCache>
+                <c:formatCode>General</c:formatCode>
+                <c:ptCount val="2"/>
+                <c:pt idx="0">
+                  <c:v>27</c:v>
+                </c:pt>
+                <c:pt idx="1">
+                  <c:v>73</c:v>
+                </c:pt>
+              </c:numCache>
+            </c:numRef>
+          </c:val>
+          <c:extLst>
+            <c:ext xmlns:c16="http://schemas.microsoft.com/office/drawing/2014/chart" uri="{C3380CC4-5D6E-409C-BE32-E72D297353CC}">
+              <c16:uniqueId val="{00000004-76BD-0A47-B2DF-0E27CE022F49}"/>
+            </c:ext>
+          </c:extLst>
+        </c:ser>
+        <c:dLbls>
+          <c:showLegendKey val="0"/>
+          <c:showVal val="0"/>
+          <c:showCatName val="0"/>
+          <c:showSerName val="0"/>
+          <c:showPercent val="0"/>
+          <c:showBubbleSize val="0"/>
+          <c:showLeaderLines val="1"/>
+        </c:dLbls>
+        <c:firstSliceAng val="0"/>
+      </c:pieChart>
+      <c:spPr>
+        <a:noFill/>
+        <a:ln>
+          <a:noFill/>
+        </a:ln>
+        <a:effectLst/>
+      </c:spPr>
+    </c:plotArea>
+    <c:legend>
+      <c:legendPos val="b"/>
+      <c:overlay val="0"/>
+      <c:spPr>
+        <a:noFill/>
+        <a:ln>
+          <a:noFill/>
+        </a:ln>
+        <a:effectLst/>
+      </c:spPr>
+      <c:txPr>
+        <a:bodyPr rot="0" spcFirstLastPara="1" vertOverflow="ellipsis" vert="horz" wrap="square" anchor="ctr" anchorCtr="1"/>
+        <a:lstStyle/>
+        <a:p>
+          <a:pPr>
+            <a:defRPr sz="1197" b="0" i="0" u="none" strike="noStrike" kern="1200" baseline="0">
+              <a:solidFill>
+                <a:schemeClr val="tx1">
+                  <a:lumMod val="65000"/>
+                  <a:lumOff val="35000"/>
+                </a:schemeClr>
+              </a:solidFill>
+              <a:latin typeface="+mn-lt"/>
+              <a:ea typeface="+mn-ea"/>
+              <a:cs typeface="+mn-cs"/>
+            </a:defRPr>
+          </a:pPr>
+          <a:endParaRPr lang="en-US"/>
+        </a:p>
+      </c:txPr>
+    </c:legend>
+    <c:plotVisOnly val="1"/>
+    <c:dispBlanksAs val="gap"/>
+    <c:extLst>
+      <c:ext xmlns:c16r3="http://schemas.microsoft.com/office/drawing/2017/03/chart" uri="{56B9EC1D-385E-4148-901F-78D8002777C0}">
+        <c16r3:dataDisplayOptions16>
+          <c16r3:dispNaAsBlank val="1"/>
+        </c16r3:dataDisplayOptions16>
+      </c:ext>
+    </c:extLst>
+    <c:showDLblsOverMax val="0"/>
+  </c:chart>
+  <c:spPr>
+    <a:noFill/>
+    <a:ln>
+      <a:noFill/>
+    </a:ln>
+    <a:effectLst/>
+  </c:spPr>
+  <c:txPr>
+    <a:bodyPr/>
+    <a:lstStyle/>
+    <a:p>
+      <a:pPr>
+        <a:defRPr/>
+      </a:pPr>
+      <a:endParaRPr lang="en-US"/>
+    </a:p>
+  </c:txPr>
+  <c:externalData r:id="rId3">
+    <c:autoUpdate val="0"/>
+  </c:externalData>
+</c:chartSpace>
+</file>
+
+<file path=ppt/charts/chart2.xml><?xml version="1.0" encoding="utf-8"?>
+<c:chartSpace xmlns:c="http://schemas.openxmlformats.org/drawingml/2006/chart" xmlns:a="http://schemas.openxmlformats.org/drawingml/2006/main" xmlns:r="http://schemas.openxmlformats.org/officeDocument/2006/relationships" xmlns:c16r2="http://schemas.microsoft.com/office/drawing/2015/06/chart">
+  <c:date1904 val="0"/>
+  <c:lang val="en-US"/>
+  <c:roundedCorners val="0"/>
+  <mc:AlternateContent xmlns:mc="http://schemas.openxmlformats.org/markup-compatibility/2006">
+    <mc:Choice xmlns:c14="http://schemas.microsoft.com/office/drawing/2007/8/2/chart" Requires="c14">
+      <c14:style val="102"/>
+    </mc:Choice>
+    <mc:Fallback>
+      <c:style val="2"/>
+    </mc:Fallback>
+  </mc:AlternateContent>
+  <c:chart>
+    <c:title>
+      <c:tx>
+        <c:rich>
+          <a:bodyPr rot="0" spcFirstLastPara="1" vertOverflow="ellipsis" vert="horz" wrap="square" anchor="ctr" anchorCtr="1"/>
+          <a:lstStyle/>
+          <a:p>
+            <a:pPr>
+              <a:defRPr sz="1862" b="0" i="0" u="none" strike="noStrike" kern="1200" spc="0" baseline="0">
+                <a:solidFill>
+                  <a:schemeClr val="tx1">
+                    <a:lumMod val="65000"/>
+                    <a:lumOff val="35000"/>
+                  </a:schemeClr>
+                </a:solidFill>
+                <a:latin typeface="+mn-lt"/>
+                <a:ea typeface="+mn-ea"/>
+                <a:cs typeface="+mn-cs"/>
+              </a:defRPr>
+            </a:pPr>
+            <a:r>
+              <a:rPr lang="en-US" dirty="0"/>
+              <a:t>Sentiment</a:t>
+            </a:r>
+            <a:r>
+              <a:rPr lang="en-US" baseline="0" dirty="0"/>
+              <a:t> Per User</a:t>
+            </a:r>
+            <a:endParaRPr lang="en-US" dirty="0"/>
+          </a:p>
+        </c:rich>
+      </c:tx>
+      <c:overlay val="0"/>
+      <c:spPr>
+        <a:noFill/>
+        <a:ln>
+          <a:noFill/>
+        </a:ln>
+        <a:effectLst/>
+      </c:spPr>
+      <c:txPr>
+        <a:bodyPr rot="0" spcFirstLastPara="1" vertOverflow="ellipsis" vert="horz" wrap="square" anchor="ctr" anchorCtr="1"/>
+        <a:lstStyle/>
+        <a:p>
+          <a:pPr>
+            <a:defRPr sz="1862" b="0" i="0" u="none" strike="noStrike" kern="1200" spc="0" baseline="0">
+              <a:solidFill>
+                <a:schemeClr val="tx1">
+                  <a:lumMod val="65000"/>
+                  <a:lumOff val="35000"/>
+                </a:schemeClr>
+              </a:solidFill>
+              <a:latin typeface="+mn-lt"/>
+              <a:ea typeface="+mn-ea"/>
+              <a:cs typeface="+mn-cs"/>
+            </a:defRPr>
+          </a:pPr>
+          <a:endParaRPr lang="en-US"/>
+        </a:p>
+      </c:txPr>
+    </c:title>
+    <c:autoTitleDeleted val="0"/>
+    <c:plotArea>
+      <c:layout/>
+      <c:pieChart>
+        <c:varyColors val="1"/>
+        <c:ser>
+          <c:idx val="0"/>
+          <c:order val="0"/>
+          <c:tx>
+            <c:strRef>
+              <c:f>Sheet1!$B$1</c:f>
+              <c:strCache>
+                <c:ptCount val="1"/>
+                <c:pt idx="0">
+                  <c:v>Sentiment</c:v>
+                </c:pt>
+              </c:strCache>
+            </c:strRef>
+          </c:tx>
+          <c:dPt>
+            <c:idx val="0"/>
+            <c:bubble3D val="0"/>
+            <c:spPr>
+              <a:solidFill>
+                <a:srgbClr val="0070C0"/>
+              </a:solidFill>
+              <a:ln w="19050">
+                <a:solidFill>
+                  <a:schemeClr val="lt1"/>
+                </a:solidFill>
+              </a:ln>
+              <a:effectLst/>
+            </c:spPr>
+            <c:extLst>
+              <c:ext xmlns:c16="http://schemas.microsoft.com/office/drawing/2014/chart" uri="{C3380CC4-5D6E-409C-BE32-E72D297353CC}">
+                <c16:uniqueId val="{00000001-CD5C-524C-B15C-982B4180FD86}"/>
+              </c:ext>
+            </c:extLst>
+          </c:dPt>
+          <c:dPt>
+            <c:idx val="1"/>
+            <c:bubble3D val="0"/>
+            <c:spPr>
+              <a:solidFill>
+                <a:srgbClr val="FF0000"/>
+              </a:solidFill>
+              <a:ln w="19050">
+                <a:solidFill>
+                  <a:schemeClr val="lt1"/>
+                </a:solidFill>
+              </a:ln>
+              <a:effectLst/>
+            </c:spPr>
+            <c:extLst>
+              <c:ext xmlns:c16="http://schemas.microsoft.com/office/drawing/2014/chart" uri="{C3380CC4-5D6E-409C-BE32-E72D297353CC}">
+                <c16:uniqueId val="{00000003-CD5C-524C-B15C-982B4180FD86}"/>
+              </c:ext>
+            </c:extLst>
+          </c:dPt>
+          <c:dLbls>
+            <c:dLbl>
+              <c:idx val="0"/>
+              <c:dLblPos val="ctr"/>
+              <c:showLegendKey val="0"/>
+              <c:showVal val="1"/>
+              <c:showCatName val="0"/>
+              <c:showSerName val="0"/>
+              <c:showPercent val="0"/>
+              <c:showBubbleSize val="0"/>
+              <c:extLst>
+                <c:ext xmlns:c15="http://schemas.microsoft.com/office/drawing/2012/chart" uri="{CE6537A1-D6FC-4f65-9D91-7224C49458BB}"/>
+                <c:ext xmlns:c16="http://schemas.microsoft.com/office/drawing/2014/chart" uri="{C3380CC4-5D6E-409C-BE32-E72D297353CC}">
+                  <c16:uniqueId val="{00000001-CD5C-524C-B15C-982B4180FD86}"/>
+                </c:ext>
+              </c:extLst>
+            </c:dLbl>
+            <c:dLbl>
+              <c:idx val="1"/>
+              <c:dLblPos val="ctr"/>
+              <c:showLegendKey val="0"/>
+              <c:showVal val="1"/>
+              <c:showCatName val="0"/>
+              <c:showSerName val="0"/>
+              <c:showPercent val="0"/>
+              <c:showBubbleSize val="0"/>
+              <c:extLst>
+                <c:ext xmlns:c15="http://schemas.microsoft.com/office/drawing/2012/chart" uri="{CE6537A1-D6FC-4f65-9D91-7224C49458BB}"/>
+                <c:ext xmlns:c16="http://schemas.microsoft.com/office/drawing/2014/chart" uri="{C3380CC4-5D6E-409C-BE32-E72D297353CC}">
+                  <c16:uniqueId val="{00000003-CD5C-524C-B15C-982B4180FD86}"/>
+                </c:ext>
+              </c:extLst>
+            </c:dLbl>
+            <c:spPr>
+              <a:noFill/>
+              <a:ln>
+                <a:noFill/>
+              </a:ln>
+              <a:effectLst/>
+            </c:spPr>
+            <c:txPr>
+              <a:bodyPr rot="0" spcFirstLastPara="1" vertOverflow="ellipsis" vert="horz" wrap="square" lIns="38100" tIns="19050" rIns="38100" bIns="19050" anchor="ctr" anchorCtr="1">
+                <a:spAutoFit/>
+              </a:bodyPr>
+              <a:lstStyle/>
+              <a:p>
+                <a:pPr>
+                  <a:defRPr sz="2000" b="0" i="0" u="none" strike="noStrike" kern="1200" baseline="0">
+                    <a:solidFill>
+                      <a:schemeClr val="tx1">
+                        <a:lumMod val="75000"/>
+                        <a:lumOff val="25000"/>
+                      </a:schemeClr>
+                    </a:solidFill>
+                    <a:latin typeface="+mn-lt"/>
+                    <a:ea typeface="+mn-ea"/>
+                    <a:cs typeface="+mn-cs"/>
+                  </a:defRPr>
+                </a:pPr>
+                <a:endParaRPr lang="en-US"/>
+              </a:p>
+            </c:txPr>
+            <c:showLegendKey val="0"/>
+            <c:showVal val="0"/>
+            <c:showCatName val="0"/>
+            <c:showSerName val="0"/>
+            <c:showPercent val="0"/>
+            <c:showBubbleSize val="0"/>
+            <c:extLst>
+              <c:ext xmlns:c15="http://schemas.microsoft.com/office/drawing/2012/chart" uri="{CE6537A1-D6FC-4f65-9D91-7224C49458BB}"/>
+            </c:extLst>
+          </c:dLbls>
+          <c:cat>
+            <c:strRef>
+              <c:f>Sheet1!$A$2:$A$3</c:f>
+              <c:strCache>
+                <c:ptCount val="2"/>
+                <c:pt idx="0">
+                  <c:v>Positive</c:v>
+                </c:pt>
+                <c:pt idx="1">
+                  <c:v>Negative</c:v>
+                </c:pt>
+              </c:strCache>
+            </c:strRef>
+          </c:cat>
+          <c:val>
+            <c:numRef>
+              <c:f>Sheet1!$B$2:$B$3</c:f>
+              <c:numCache>
+                <c:formatCode>General</c:formatCode>
+                <c:ptCount val="2"/>
+                <c:pt idx="0">
+                  <c:v>24</c:v>
+                </c:pt>
+                <c:pt idx="1">
+                  <c:v>76</c:v>
+                </c:pt>
+              </c:numCache>
+            </c:numRef>
+          </c:val>
+          <c:extLst>
+            <c:ext xmlns:c16="http://schemas.microsoft.com/office/drawing/2014/chart" uri="{C3380CC4-5D6E-409C-BE32-E72D297353CC}">
+              <c16:uniqueId val="{00000004-CD5C-524C-B15C-982B4180FD86}"/>
+            </c:ext>
+          </c:extLst>
+        </c:ser>
+        <c:dLbls>
+          <c:showLegendKey val="0"/>
+          <c:showVal val="0"/>
+          <c:showCatName val="0"/>
+          <c:showSerName val="0"/>
+          <c:showPercent val="0"/>
+          <c:showBubbleSize val="0"/>
+          <c:showLeaderLines val="0"/>
+        </c:dLbls>
+        <c:firstSliceAng val="0"/>
+      </c:pieChart>
+      <c:spPr>
+        <a:noFill/>
+        <a:ln>
+          <a:noFill/>
+        </a:ln>
+        <a:effectLst/>
+      </c:spPr>
+    </c:plotArea>
+    <c:legend>
+      <c:legendPos val="b"/>
+      <c:overlay val="0"/>
+      <c:spPr>
+        <a:noFill/>
+        <a:ln>
+          <a:noFill/>
+        </a:ln>
+        <a:effectLst/>
+      </c:spPr>
+      <c:txPr>
+        <a:bodyPr rot="0" spcFirstLastPara="1" vertOverflow="ellipsis" vert="horz" wrap="square" anchor="ctr" anchorCtr="1"/>
+        <a:lstStyle/>
+        <a:p>
+          <a:pPr>
+            <a:defRPr sz="1197" b="0" i="0" u="none" strike="noStrike" kern="1200" baseline="0">
+              <a:solidFill>
+                <a:schemeClr val="tx1">
+                  <a:lumMod val="65000"/>
+                  <a:lumOff val="35000"/>
+                </a:schemeClr>
+              </a:solidFill>
+              <a:latin typeface="+mn-lt"/>
+              <a:ea typeface="+mn-ea"/>
+              <a:cs typeface="+mn-cs"/>
+            </a:defRPr>
+          </a:pPr>
+          <a:endParaRPr lang="en-US"/>
+        </a:p>
+      </c:txPr>
+    </c:legend>
+    <c:plotVisOnly val="1"/>
+    <c:dispBlanksAs val="gap"/>
+    <c:extLst>
+      <c:ext xmlns:c16r3="http://schemas.microsoft.com/office/drawing/2017/03/chart" uri="{56B9EC1D-385E-4148-901F-78D8002777C0}">
+        <c16r3:dataDisplayOptions16>
+          <c16r3:dispNaAsBlank val="1"/>
+        </c16r3:dataDisplayOptions16>
+      </c:ext>
+    </c:extLst>
+    <c:showDLblsOverMax val="0"/>
+  </c:chart>
+  <c:spPr>
+    <a:noFill/>
+    <a:ln>
+      <a:noFill/>
+    </a:ln>
+    <a:effectLst/>
+  </c:spPr>
+  <c:txPr>
+    <a:bodyPr/>
+    <a:lstStyle/>
+    <a:p>
+      <a:pPr>
+        <a:defRPr/>
+      </a:pPr>
+      <a:endParaRPr lang="en-US"/>
+    </a:p>
+  </c:txPr>
+  <c:externalData r:id="rId3">
+    <c:autoUpdate val="0"/>
+  </c:externalData>
+</c:chartSpace>
+</file>
+
+<file path=ppt/charts/colors1.xml><?xml version="1.0" encoding="utf-8"?>
+<cs:colorStyle xmlns:cs="http://schemas.microsoft.com/office/drawing/2012/chartStyle" xmlns:a="http://schemas.openxmlformats.org/drawingml/2006/main" meth="cycle" id="10">
+  <a:schemeClr val="accent1"/>
+  <a:schemeClr val="accent2"/>
+  <a:schemeClr val="accent3"/>
+  <a:schemeClr val="accent4"/>
+  <a:schemeClr val="accent5"/>
+  <a:schemeClr val="accent6"/>
+  <cs:variation/>
+  <cs:variation>
+    <a:lumMod val="60000"/>
+  </cs:variation>
+  <cs:variation>
+    <a:lumMod val="80000"/>
+    <a:lumOff val="20000"/>
+  </cs:variation>
+  <cs:variation>
+    <a:lumMod val="80000"/>
+  </cs:variation>
+  <cs:variation>
+    <a:lumMod val="60000"/>
+    <a:lumOff val="40000"/>
+  </cs:variation>
+  <cs:variation>
+    <a:lumMod val="50000"/>
+  </cs:variation>
+  <cs:variation>
+    <a:lumMod val="70000"/>
+    <a:lumOff val="30000"/>
+  </cs:variation>
+  <cs:variation>
+    <a:lumMod val="70000"/>
+  </cs:variation>
+  <cs:variation>
+    <a:lumMod val="50000"/>
+    <a:lumOff val="50000"/>
+  </cs:variation>
+</cs:colorStyle>
+</file>
+
+<file path=ppt/charts/colors2.xml><?xml version="1.0" encoding="utf-8"?>
+<cs:colorStyle xmlns:cs="http://schemas.microsoft.com/office/drawing/2012/chartStyle" xmlns:a="http://schemas.openxmlformats.org/drawingml/2006/main" meth="cycle" id="10">
+  <a:schemeClr val="accent1"/>
+  <a:schemeClr val="accent2"/>
+  <a:schemeClr val="accent3"/>
+  <a:schemeClr val="accent4"/>
+  <a:schemeClr val="accent5"/>
+  <a:schemeClr val="accent6"/>
+  <cs:variation/>
+  <cs:variation>
+    <a:lumMod val="60000"/>
+  </cs:variation>
+  <cs:variation>
+    <a:lumMod val="80000"/>
+    <a:lumOff val="20000"/>
+  </cs:variation>
+  <cs:variation>
+    <a:lumMod val="80000"/>
+  </cs:variation>
+  <cs:variation>
+    <a:lumMod val="60000"/>
+    <a:lumOff val="40000"/>
+  </cs:variation>
+  <cs:variation>
+    <a:lumMod val="50000"/>
+  </cs:variation>
+  <cs:variation>
+    <a:lumMod val="70000"/>
+    <a:lumOff val="30000"/>
+  </cs:variation>
+  <cs:variation>
+    <a:lumMod val="70000"/>
+  </cs:variation>
+  <cs:variation>
+    <a:lumMod val="50000"/>
+    <a:lumOff val="50000"/>
+  </cs:variation>
+</cs:colorStyle>
+</file>
+
+<file path=ppt/charts/style1.xml><?xml version="1.0" encoding="utf-8"?>
+<cs:chartStyle xmlns:cs="http://schemas.microsoft.com/office/drawing/2012/chartStyle" xmlns:a="http://schemas.openxmlformats.org/drawingml/2006/main" id="251">
+  <cs:axisTitle>
+    <cs:lnRef idx="0"/>
+    <cs:fillRef idx="0"/>
+    <cs:effectRef idx="0"/>
+    <cs:fontRef idx="minor">
+      <a:schemeClr val="tx1">
+        <a:lumMod val="65000"/>
+        <a:lumOff val="35000"/>
+      </a:schemeClr>
+    </cs:fontRef>
+    <cs:defRPr sz="1330" kern="1200"/>
+  </cs:axisTitle>
+  <cs:categoryAxis>
+    <cs:lnRef idx="0"/>
+    <cs:fillRef idx="0"/>
+    <cs:effectRef idx="0"/>
+    <cs:fontRef idx="minor">
+      <a:schemeClr val="tx1">
+        <a:lumMod val="65000"/>
+        <a:lumOff val="35000"/>
+      </a:schemeClr>
+    </cs:fontRef>
+    <cs:spPr>
+      <a:ln w="9525" cap="flat" cmpd="sng" algn="ctr">
+        <a:solidFill>
+          <a:schemeClr val="tx1">
+            <a:lumMod val="15000"/>
+            <a:lumOff val="85000"/>
+          </a:schemeClr>
+        </a:solidFill>
+        <a:round/>
+      </a:ln>
+    </cs:spPr>
+    <cs:defRPr sz="1197" kern="1200"/>
+  </cs:categoryAxis>
+  <cs:chartArea mods="allowNoFillOverride allowNoLineOverride">
+    <cs:lnRef idx="0"/>
+    <cs:fillRef idx="0"/>
+    <cs:effectRef idx="0"/>
+    <cs:fontRef idx="minor">
+      <a:schemeClr val="tx1"/>
+    </cs:fontRef>
+    <cs:spPr>
+      <a:solidFill>
+        <a:schemeClr val="bg1"/>
+      </a:solidFill>
+      <a:ln w="9525" cap="flat" cmpd="sng" algn="ctr">
+        <a:solidFill>
+          <a:schemeClr val="tx1">
+            <a:lumMod val="15000"/>
+            <a:lumOff val="85000"/>
+          </a:schemeClr>
+        </a:solidFill>
+        <a:round/>
+      </a:ln>
+    </cs:spPr>
+    <cs:defRPr sz="1197" kern="1200"/>
+  </cs:chartArea>
+  <cs:dataLabel>
+    <cs:lnRef idx="0"/>
+    <cs:fillRef idx="0"/>
+    <cs:effectRef idx="0"/>
+    <cs:fontRef idx="minor">
+      <a:schemeClr val="tx1">
+        <a:lumMod val="75000"/>
+        <a:lumOff val="25000"/>
+      </a:schemeClr>
+    </cs:fontRef>
+    <cs:defRPr sz="1197" kern="1200"/>
+  </cs:dataLabel>
+  <cs:dataLabelCallout>
+    <cs:lnRef idx="0"/>
+    <cs:fillRef idx="0"/>
+    <cs:effectRef idx="0"/>
+    <cs:fontRef idx="minor">
+      <a:schemeClr val="dk1">
+        <a:lumMod val="65000"/>
+        <a:lumOff val="35000"/>
+      </a:schemeClr>
+    </cs:fontRef>
+    <cs:spPr>
+      <a:solidFill>
+        <a:schemeClr val="lt1"/>
+      </a:solidFill>
+      <a:ln>
+        <a:solidFill>
+          <a:schemeClr val="dk1">
+            <a:lumMod val="25000"/>
+            <a:lumOff val="75000"/>
+          </a:schemeClr>
+        </a:solidFill>
+      </a:ln>
+    </cs:spPr>
+    <cs:defRPr sz="1197" kern="1200"/>
+    <cs:bodyPr rot="0" spcFirstLastPara="1" vertOverflow="clip" horzOverflow="clip" vert="horz" wrap="square" lIns="36576" tIns="18288" rIns="36576" bIns="18288" anchor="ctr" anchorCtr="1">
+      <a:spAutoFit/>
+    </cs:bodyPr>
+  </cs:dataLabelCallout>
+  <cs:dataPoint>
+    <cs:lnRef idx="0"/>
+    <cs:fillRef idx="1">
+      <cs:styleClr val="auto"/>
+    </cs:fillRef>
+    <cs:effectRef idx="0"/>
+    <cs:fontRef idx="minor">
+      <a:schemeClr val="tx1"/>
+    </cs:fontRef>
+    <cs:spPr>
+      <a:ln w="19050">
+        <a:solidFill>
+          <a:schemeClr val="lt1"/>
+        </a:solidFill>
+      </a:ln>
+    </cs:spPr>
+  </cs:dataPoint>
+  <cs:dataPoint3D>
+    <cs:lnRef idx="0"/>
+    <cs:fillRef idx="1">
+      <cs:styleClr val="auto"/>
+    </cs:fillRef>
+    <cs:effectRef idx="0"/>
+    <cs:fontRef idx="minor">
+      <a:schemeClr val="tx1"/>
+    </cs:fontRef>
+    <cs:spPr>
+      <a:ln w="25400">
+        <a:solidFill>
+          <a:schemeClr val="lt1"/>
+        </a:solidFill>
+      </a:ln>
+    </cs:spPr>
+  </cs:dataPoint3D>
+  <cs:dataPointLine>
+    <cs:lnRef idx="0">
+      <cs:styleClr val="auto"/>
+    </cs:lnRef>
+    <cs:fillRef idx="0"/>
+    <cs:effectRef idx="0"/>
+    <cs:fontRef idx="minor">
+      <a:schemeClr val="tx1"/>
+    </cs:fontRef>
+    <cs:spPr>
+      <a:ln w="28575" cap="rnd">
+        <a:solidFill>
+          <a:schemeClr val="phClr"/>
+        </a:solidFill>
+        <a:round/>
+      </a:ln>
+    </cs:spPr>
+  </cs:dataPointLine>
+  <cs:dataPointMarker>
+    <cs:lnRef idx="0">
+      <cs:styleClr val="auto"/>
+    </cs:lnRef>
+    <cs:fillRef idx="1">
+      <cs:styleClr val="auto"/>
+    </cs:fillRef>
+    <cs:effectRef idx="0"/>
+    <cs:fontRef idx="minor">
+      <a:schemeClr val="tx1"/>
+    </cs:fontRef>
+    <cs:spPr>
+      <a:ln w="9525">
+        <a:solidFill>
+          <a:schemeClr val="phClr"/>
+        </a:solidFill>
+      </a:ln>
+    </cs:spPr>
+  </cs:dataPointMarker>
+  <cs:dataPointMarkerLayout symbol="circle" size="5"/>
+  <cs:dataPointWireframe>
+    <cs:lnRef idx="0">
+      <cs:styleClr val="auto"/>
+    </cs:lnRef>
+    <cs:fillRef idx="0"/>
+    <cs:effectRef idx="0"/>
+    <cs:fontRef idx="minor">
+      <a:schemeClr val="tx1"/>
+    </cs:fontRef>
+    <cs:spPr>
+      <a:ln w="9525" cap="rnd">
+        <a:solidFill>
+          <a:schemeClr val="phClr"/>
+        </a:solidFill>
+        <a:round/>
+      </a:ln>
+    </cs:spPr>
+  </cs:dataPointWireframe>
+  <cs:dataTable>
+    <cs:lnRef idx="0"/>
+    <cs:fillRef idx="0"/>
+    <cs:effectRef idx="0"/>
+    <cs:fontRef idx="minor">
+      <a:schemeClr val="tx1">
+        <a:lumMod val="65000"/>
+        <a:lumOff val="35000"/>
+      </a:schemeClr>
+    </cs:fontRef>
+    <cs:spPr>
+      <a:noFill/>
+      <a:ln w="9525" cap="flat" cmpd="sng" algn="ctr">
+        <a:solidFill>
+          <a:schemeClr val="tx1">
+            <a:lumMod val="15000"/>
+            <a:lumOff val="85000"/>
+          </a:schemeClr>
+        </a:solidFill>
+        <a:round/>
+      </a:ln>
+    </cs:spPr>
+    <cs:defRPr sz="1197" kern="1200"/>
+  </cs:dataTable>
+  <cs:downBar>
+    <cs:lnRef idx="0"/>
+    <cs:fillRef idx="0"/>
+    <cs:effectRef idx="0"/>
+    <cs:fontRef idx="minor">
+      <a:schemeClr val="tx1"/>
+    </cs:fontRef>
+    <cs:spPr>
+      <a:solidFill>
+        <a:schemeClr val="dk1">
+          <a:lumMod val="75000"/>
+          <a:lumOff val="25000"/>
+        </a:schemeClr>
+      </a:solidFill>
+      <a:ln w="9525" cap="flat" cmpd="sng" algn="ctr">
+        <a:solidFill>
+          <a:schemeClr val="tx1">
+            <a:lumMod val="65000"/>
+            <a:lumOff val="35000"/>
+          </a:schemeClr>
+        </a:solidFill>
+        <a:round/>
+      </a:ln>
+    </cs:spPr>
+  </cs:downBar>
+  <cs:dropLine>
+    <cs:lnRef idx="0"/>
+    <cs:fillRef idx="0"/>
+    <cs:effectRef idx="0"/>
+    <cs:fontRef idx="minor">
+      <a:schemeClr val="tx1"/>
+    </cs:fontRef>
+    <cs:spPr>
+      <a:ln w="9525" cap="flat" cmpd="sng" algn="ctr">
+        <a:solidFill>
+          <a:schemeClr val="tx1">
+            <a:lumMod val="35000"/>
+            <a:lumOff val="65000"/>
+          </a:schemeClr>
+        </a:solidFill>
+        <a:round/>
+      </a:ln>
+    </cs:spPr>
+  </cs:dropLine>
+  <cs:errorBar>
+    <cs:lnRef idx="0"/>
+    <cs:fillRef idx="0"/>
+    <cs:effectRef idx="0"/>
+    <cs:fontRef idx="minor">
+      <a:schemeClr val="tx1"/>
+    </cs:fontRef>
+    <cs:spPr>
+      <a:ln w="9525" cap="flat" cmpd="sng" algn="ctr">
+        <a:solidFill>
+          <a:schemeClr val="tx1">
+            <a:lumMod val="65000"/>
+            <a:lumOff val="35000"/>
+          </a:schemeClr>
+        </a:solidFill>
+        <a:round/>
+      </a:ln>
+    </cs:spPr>
+  </cs:errorBar>
+  <cs:floor>
+    <cs:lnRef idx="0"/>
+    <cs:fillRef idx="0"/>
+    <cs:effectRef idx="0"/>
+    <cs:fontRef idx="minor">
+      <a:schemeClr val="tx1"/>
+    </cs:fontRef>
+    <cs:spPr>
+      <a:noFill/>
+      <a:ln>
+        <a:noFill/>
+      </a:ln>
+    </cs:spPr>
+  </cs:floor>
+  <cs:gridlineMajor>
+    <cs:lnRef idx="0"/>
+    <cs:fillRef idx="0"/>
+    <cs:effectRef idx="0"/>
+    <cs:fontRef idx="minor">
+      <a:schemeClr val="tx1"/>
+    </cs:fontRef>
+    <cs:spPr>
+      <a:ln w="9525" cap="flat" cmpd="sng" algn="ctr">
+        <a:solidFill>
+          <a:schemeClr val="tx1">
+            <a:lumMod val="15000"/>
+            <a:lumOff val="85000"/>
+          </a:schemeClr>
+        </a:solidFill>
+        <a:round/>
+      </a:ln>
+    </cs:spPr>
+  </cs:gridlineMajor>
+  <cs:gridlineMinor>
+    <cs:lnRef idx="0"/>
+    <cs:fillRef idx="0"/>
+    <cs:effectRef idx="0"/>
+    <cs:fontRef idx="minor">
+      <a:schemeClr val="tx1"/>
+    </cs:fontRef>
+    <cs:spPr>
+      <a:ln w="9525" cap="flat" cmpd="sng" algn="ctr">
+        <a:solidFill>
+          <a:schemeClr val="tx1">
+            <a:lumMod val="5000"/>
+            <a:lumOff val="95000"/>
+          </a:schemeClr>
+        </a:solidFill>
+        <a:round/>
+      </a:ln>
+    </cs:spPr>
+  </cs:gridlineMinor>
+  <cs:hiLoLine>
+    <cs:lnRef idx="0"/>
+    <cs:fillRef idx="0"/>
+    <cs:effectRef idx="0"/>
+    <cs:fontRef idx="minor">
+      <a:schemeClr val="tx1"/>
+    </cs:fontRef>
+    <cs:spPr>
+      <a:ln w="9525" cap="flat" cmpd="sng" algn="ctr">
+        <a:solidFill>
+          <a:schemeClr val="tx1">
+            <a:lumMod val="50000"/>
+            <a:lumOff val="50000"/>
+          </a:schemeClr>
+        </a:solidFill>
+        <a:round/>
+      </a:ln>
+    </cs:spPr>
+  </cs:hiLoLine>
+  <cs:leaderLine>
+    <cs:lnRef idx="0"/>
+    <cs:fillRef idx="0"/>
+    <cs:effectRef idx="0"/>
+    <cs:fontRef idx="minor">
+      <a:schemeClr val="tx1"/>
+    </cs:fontRef>
+    <cs:spPr>
+      <a:ln w="9525" cap="flat" cmpd="sng" algn="ctr">
+        <a:solidFill>
+          <a:schemeClr val="tx1">
+            <a:lumMod val="35000"/>
+            <a:lumOff val="65000"/>
+          </a:schemeClr>
+        </a:solidFill>
+        <a:round/>
+      </a:ln>
+    </cs:spPr>
+  </cs:leaderLine>
+  <cs:legend>
+    <cs:lnRef idx="0"/>
+    <cs:fillRef idx="0"/>
+    <cs:effectRef idx="0"/>
+    <cs:fontRef idx="minor">
+      <a:schemeClr val="tx1">
+        <a:lumMod val="65000"/>
+        <a:lumOff val="35000"/>
+      </a:schemeClr>
+    </cs:fontRef>
+    <cs:defRPr sz="1197" kern="1200"/>
+  </cs:legend>
+  <cs:plotArea mods="allowNoFillOverride allowNoLineOverride">
+    <cs:lnRef idx="0"/>
+    <cs:fillRef idx="0"/>
+    <cs:effectRef idx="0"/>
+    <cs:fontRef idx="minor">
+      <a:schemeClr val="tx1"/>
+    </cs:fontRef>
+  </cs:plotArea>
+  <cs:plotArea3D mods="allowNoFillOverride allowNoLineOverride">
+    <cs:lnRef idx="0"/>
+    <cs:fillRef idx="0"/>
+    <cs:effectRef idx="0"/>
+    <cs:fontRef idx="minor">
+      <a:schemeClr val="tx1"/>
+    </cs:fontRef>
+  </cs:plotArea3D>
+  <cs:seriesAxis>
+    <cs:lnRef idx="0"/>
+    <cs:fillRef idx="0"/>
+    <cs:effectRef idx="0"/>
+    <cs:fontRef idx="minor">
+      <a:schemeClr val="tx1">
+        <a:lumMod val="65000"/>
+        <a:lumOff val="35000"/>
+      </a:schemeClr>
+    </cs:fontRef>
+    <cs:defRPr sz="1197" kern="1200"/>
+  </cs:seriesAxis>
+  <cs:seriesLine>
+    <cs:lnRef idx="0"/>
+    <cs:fillRef idx="0"/>
+    <cs:effectRef idx="0"/>
+    <cs:fontRef idx="minor">
+      <a:schemeClr val="tx1"/>
+    </cs:fontRef>
+    <cs:spPr>
+      <a:ln w="9525" cap="flat" cmpd="sng" algn="ctr">
+        <a:solidFill>
+          <a:schemeClr val="tx1">
+            <a:lumMod val="35000"/>
+            <a:lumOff val="65000"/>
+          </a:schemeClr>
+        </a:solidFill>
+        <a:round/>
+      </a:ln>
+    </cs:spPr>
+  </cs:seriesLine>
+  <cs:title>
+    <cs:lnRef idx="0"/>
+    <cs:fillRef idx="0"/>
+    <cs:effectRef idx="0"/>
+    <cs:fontRef idx="minor">
+      <a:schemeClr val="tx1">
+        <a:lumMod val="65000"/>
+        <a:lumOff val="35000"/>
+      </a:schemeClr>
+    </cs:fontRef>
+    <cs:defRPr sz="1862" b="0" kern="1200" spc="0" baseline="0"/>
+  </cs:title>
+  <cs:trendline>
+    <cs:lnRef idx="0">
+      <cs:styleClr val="auto"/>
+    </cs:lnRef>
+    <cs:fillRef idx="0"/>
+    <cs:effectRef idx="0"/>
+    <cs:fontRef idx="minor">
+      <a:schemeClr val="tx1"/>
+    </cs:fontRef>
+    <cs:spPr>
+      <a:ln w="19050" cap="rnd">
+        <a:solidFill>
+          <a:schemeClr val="phClr"/>
+        </a:solidFill>
+        <a:prstDash val="sysDot"/>
+      </a:ln>
+    </cs:spPr>
+  </cs:trendline>
+  <cs:trendlineLabel>
+    <cs:lnRef idx="0"/>
+    <cs:fillRef idx="0"/>
+    <cs:effectRef idx="0"/>
+    <cs:fontRef idx="minor">
+      <a:schemeClr val="tx1">
+        <a:lumMod val="65000"/>
+        <a:lumOff val="35000"/>
+      </a:schemeClr>
+    </cs:fontRef>
+    <cs:defRPr sz="1197" kern="1200"/>
+  </cs:trendlineLabel>
+  <cs:upBar>
+    <cs:lnRef idx="0"/>
+    <cs:fillRef idx="0"/>
+    <cs:effectRef idx="0"/>
+    <cs:fontRef idx="minor">
+      <a:schemeClr val="tx1"/>
+    </cs:fontRef>
+    <cs:spPr>
+      <a:solidFill>
+        <a:schemeClr val="lt1"/>
+      </a:solidFill>
+      <a:ln w="9525" cap="flat" cmpd="sng" algn="ctr">
+        <a:solidFill>
+          <a:schemeClr val="tx1">
+            <a:lumMod val="65000"/>
+            <a:lumOff val="35000"/>
+          </a:schemeClr>
+        </a:solidFill>
+        <a:round/>
+      </a:ln>
+    </cs:spPr>
+  </cs:upBar>
+  <cs:valueAxis>
+    <cs:lnRef idx="0"/>
+    <cs:fillRef idx="0"/>
+    <cs:effectRef idx="0"/>
+    <cs:fontRef idx="minor">
+      <a:schemeClr val="tx1">
+        <a:lumMod val="65000"/>
+        <a:lumOff val="35000"/>
+      </a:schemeClr>
+    </cs:fontRef>
+    <cs:defRPr sz="1197" kern="1200"/>
+  </cs:valueAxis>
+  <cs:wall>
+    <cs:lnRef idx="0"/>
+    <cs:fillRef idx="0"/>
+    <cs:effectRef idx="0"/>
+    <cs:fontRef idx="minor">
+      <a:schemeClr val="tx1"/>
+    </cs:fontRef>
+    <cs:spPr>
+      <a:noFill/>
+      <a:ln>
+        <a:noFill/>
+      </a:ln>
+    </cs:spPr>
+  </cs:wall>
+</cs:chartStyle>
+</file>
+
+<file path=ppt/charts/style2.xml><?xml version="1.0" encoding="utf-8"?>
+<cs:chartStyle xmlns:cs="http://schemas.microsoft.com/office/drawing/2012/chartStyle" xmlns:a="http://schemas.openxmlformats.org/drawingml/2006/main" id="251">
+  <cs:axisTitle>
+    <cs:lnRef idx="0"/>
+    <cs:fillRef idx="0"/>
+    <cs:effectRef idx="0"/>
+    <cs:fontRef idx="minor">
+      <a:schemeClr val="tx1">
+        <a:lumMod val="65000"/>
+        <a:lumOff val="35000"/>
+      </a:schemeClr>
+    </cs:fontRef>
+    <cs:defRPr sz="1330" kern="1200"/>
+  </cs:axisTitle>
+  <cs:categoryAxis>
+    <cs:lnRef idx="0"/>
+    <cs:fillRef idx="0"/>
+    <cs:effectRef idx="0"/>
+    <cs:fontRef idx="minor">
+      <a:schemeClr val="tx1">
+        <a:lumMod val="65000"/>
+        <a:lumOff val="35000"/>
+      </a:schemeClr>
+    </cs:fontRef>
+    <cs:spPr>
+      <a:ln w="9525" cap="flat" cmpd="sng" algn="ctr">
+        <a:solidFill>
+          <a:schemeClr val="tx1">
+            <a:lumMod val="15000"/>
+            <a:lumOff val="85000"/>
+          </a:schemeClr>
+        </a:solidFill>
+        <a:round/>
+      </a:ln>
+    </cs:spPr>
+    <cs:defRPr sz="1197" kern="1200"/>
+  </cs:categoryAxis>
+  <cs:chartArea mods="allowNoFillOverride allowNoLineOverride">
+    <cs:lnRef idx="0"/>
+    <cs:fillRef idx="0"/>
+    <cs:effectRef idx="0"/>
+    <cs:fontRef idx="minor">
+      <a:schemeClr val="tx1"/>
+    </cs:fontRef>
+    <cs:spPr>
+      <a:solidFill>
+        <a:schemeClr val="bg1"/>
+      </a:solidFill>
+      <a:ln w="9525" cap="flat" cmpd="sng" algn="ctr">
+        <a:solidFill>
+          <a:schemeClr val="tx1">
+            <a:lumMod val="15000"/>
+            <a:lumOff val="85000"/>
+          </a:schemeClr>
+        </a:solidFill>
+        <a:round/>
+      </a:ln>
+    </cs:spPr>
+    <cs:defRPr sz="1197" kern="1200"/>
+  </cs:chartArea>
+  <cs:dataLabel>
+    <cs:lnRef idx="0"/>
+    <cs:fillRef idx="0"/>
+    <cs:effectRef idx="0"/>
+    <cs:fontRef idx="minor">
+      <a:schemeClr val="tx1">
+        <a:lumMod val="75000"/>
+        <a:lumOff val="25000"/>
+      </a:schemeClr>
+    </cs:fontRef>
+    <cs:defRPr sz="1197" kern="1200"/>
+  </cs:dataLabel>
+  <cs:dataLabelCallout>
+    <cs:lnRef idx="0"/>
+    <cs:fillRef idx="0"/>
+    <cs:effectRef idx="0"/>
+    <cs:fontRef idx="minor">
+      <a:schemeClr val="dk1">
+        <a:lumMod val="65000"/>
+        <a:lumOff val="35000"/>
+      </a:schemeClr>
+    </cs:fontRef>
+    <cs:spPr>
+      <a:solidFill>
+        <a:schemeClr val="lt1"/>
+      </a:solidFill>
+      <a:ln>
+        <a:solidFill>
+          <a:schemeClr val="dk1">
+            <a:lumMod val="25000"/>
+            <a:lumOff val="75000"/>
+          </a:schemeClr>
+        </a:solidFill>
+      </a:ln>
+    </cs:spPr>
+    <cs:defRPr sz="1197" kern="1200"/>
+    <cs:bodyPr rot="0" spcFirstLastPara="1" vertOverflow="clip" horzOverflow="clip" vert="horz" wrap="square" lIns="36576" tIns="18288" rIns="36576" bIns="18288" anchor="ctr" anchorCtr="1">
+      <a:spAutoFit/>
+    </cs:bodyPr>
+  </cs:dataLabelCallout>
+  <cs:dataPoint>
+    <cs:lnRef idx="0"/>
+    <cs:fillRef idx="1">
+      <cs:styleClr val="auto"/>
+    </cs:fillRef>
+    <cs:effectRef idx="0"/>
+    <cs:fontRef idx="minor">
+      <a:schemeClr val="tx1"/>
+    </cs:fontRef>
+    <cs:spPr>
+      <a:ln w="19050">
+        <a:solidFill>
+          <a:schemeClr val="lt1"/>
+        </a:solidFill>
+      </a:ln>
+    </cs:spPr>
+  </cs:dataPoint>
+  <cs:dataPoint3D>
+    <cs:lnRef idx="0"/>
+    <cs:fillRef idx="1">
+      <cs:styleClr val="auto"/>
+    </cs:fillRef>
+    <cs:effectRef idx="0"/>
+    <cs:fontRef idx="minor">
+      <a:schemeClr val="tx1"/>
+    </cs:fontRef>
+    <cs:spPr>
+      <a:ln w="25400">
+        <a:solidFill>
+          <a:schemeClr val="lt1"/>
+        </a:solidFill>
+      </a:ln>
+    </cs:spPr>
+  </cs:dataPoint3D>
+  <cs:dataPointLine>
+    <cs:lnRef idx="0">
+      <cs:styleClr val="auto"/>
+    </cs:lnRef>
+    <cs:fillRef idx="0"/>
+    <cs:effectRef idx="0"/>
+    <cs:fontRef idx="minor">
+      <a:schemeClr val="tx1"/>
+    </cs:fontRef>
+    <cs:spPr>
+      <a:ln w="28575" cap="rnd">
+        <a:solidFill>
+          <a:schemeClr val="phClr"/>
+        </a:solidFill>
+        <a:round/>
+      </a:ln>
+    </cs:spPr>
+  </cs:dataPointLine>
+  <cs:dataPointMarker>
+    <cs:lnRef idx="0">
+      <cs:styleClr val="auto"/>
+    </cs:lnRef>
+    <cs:fillRef idx="1">
+      <cs:styleClr val="auto"/>
+    </cs:fillRef>
+    <cs:effectRef idx="0"/>
+    <cs:fontRef idx="minor">
+      <a:schemeClr val="tx1"/>
+    </cs:fontRef>
+    <cs:spPr>
+      <a:ln w="9525">
+        <a:solidFill>
+          <a:schemeClr val="phClr"/>
+        </a:solidFill>
+      </a:ln>
+    </cs:spPr>
+  </cs:dataPointMarker>
+  <cs:dataPointMarkerLayout symbol="circle" size="5"/>
+  <cs:dataPointWireframe>
+    <cs:lnRef idx="0">
+      <cs:styleClr val="auto"/>
+    </cs:lnRef>
+    <cs:fillRef idx="0"/>
+    <cs:effectRef idx="0"/>
+    <cs:fontRef idx="minor">
+      <a:schemeClr val="tx1"/>
+    </cs:fontRef>
+    <cs:spPr>
+      <a:ln w="9525" cap="rnd">
+        <a:solidFill>
+          <a:schemeClr val="phClr"/>
+        </a:solidFill>
+        <a:round/>
+      </a:ln>
+    </cs:spPr>
+  </cs:dataPointWireframe>
+  <cs:dataTable>
+    <cs:lnRef idx="0"/>
+    <cs:fillRef idx="0"/>
+    <cs:effectRef idx="0"/>
+    <cs:fontRef idx="minor">
+      <a:schemeClr val="tx1">
+        <a:lumMod val="65000"/>
+        <a:lumOff val="35000"/>
+      </a:schemeClr>
+    </cs:fontRef>
+    <cs:spPr>
+      <a:noFill/>
+      <a:ln w="9525" cap="flat" cmpd="sng" algn="ctr">
+        <a:solidFill>
+          <a:schemeClr val="tx1">
+            <a:lumMod val="15000"/>
+            <a:lumOff val="85000"/>
+          </a:schemeClr>
+        </a:solidFill>
+        <a:round/>
+      </a:ln>
+    </cs:spPr>
+    <cs:defRPr sz="1197" kern="1200"/>
+  </cs:dataTable>
+  <cs:downBar>
+    <cs:lnRef idx="0"/>
+    <cs:fillRef idx="0"/>
+    <cs:effectRef idx="0"/>
+    <cs:fontRef idx="minor">
+      <a:schemeClr val="tx1"/>
+    </cs:fontRef>
+    <cs:spPr>
+      <a:solidFill>
+        <a:schemeClr val="dk1">
+          <a:lumMod val="75000"/>
+          <a:lumOff val="25000"/>
+        </a:schemeClr>
+      </a:solidFill>
+      <a:ln w="9525" cap="flat" cmpd="sng" algn="ctr">
+        <a:solidFill>
+          <a:schemeClr val="tx1">
+            <a:lumMod val="65000"/>
+            <a:lumOff val="35000"/>
+          </a:schemeClr>
+        </a:solidFill>
+        <a:round/>
+      </a:ln>
+    </cs:spPr>
+  </cs:downBar>
+  <cs:dropLine>
+    <cs:lnRef idx="0"/>
+    <cs:fillRef idx="0"/>
+    <cs:effectRef idx="0"/>
+    <cs:fontRef idx="minor">
+      <a:schemeClr val="tx1"/>
+    </cs:fontRef>
+    <cs:spPr>
+      <a:ln w="9525" cap="flat" cmpd="sng" algn="ctr">
+        <a:solidFill>
+          <a:schemeClr val="tx1">
+            <a:lumMod val="35000"/>
+            <a:lumOff val="65000"/>
+          </a:schemeClr>
+        </a:solidFill>
+        <a:round/>
+      </a:ln>
+    </cs:spPr>
+  </cs:dropLine>
+  <cs:errorBar>
+    <cs:lnRef idx="0"/>
+    <cs:fillRef idx="0"/>
+    <cs:effectRef idx="0"/>
+    <cs:fontRef idx="minor">
+      <a:schemeClr val="tx1"/>
+    </cs:fontRef>
+    <cs:spPr>
+      <a:ln w="9525" cap="flat" cmpd="sng" algn="ctr">
+        <a:solidFill>
+          <a:schemeClr val="tx1">
+            <a:lumMod val="65000"/>
+            <a:lumOff val="35000"/>
+          </a:schemeClr>
+        </a:solidFill>
+        <a:round/>
+      </a:ln>
+    </cs:spPr>
+  </cs:errorBar>
+  <cs:floor>
+    <cs:lnRef idx="0"/>
+    <cs:fillRef idx="0"/>
+    <cs:effectRef idx="0"/>
+    <cs:fontRef idx="minor">
+      <a:schemeClr val="tx1"/>
+    </cs:fontRef>
+    <cs:spPr>
+      <a:noFill/>
+      <a:ln>
+        <a:noFill/>
+      </a:ln>
+    </cs:spPr>
+  </cs:floor>
+  <cs:gridlineMajor>
+    <cs:lnRef idx="0"/>
+    <cs:fillRef idx="0"/>
+    <cs:effectRef idx="0"/>
+    <cs:fontRef idx="minor">
+      <a:schemeClr val="tx1"/>
+    </cs:fontRef>
+    <cs:spPr>
+      <a:ln w="9525" cap="flat" cmpd="sng" algn="ctr">
+        <a:solidFill>
+          <a:schemeClr val="tx1">
+            <a:lumMod val="15000"/>
+            <a:lumOff val="85000"/>
+          </a:schemeClr>
+        </a:solidFill>
+        <a:round/>
+      </a:ln>
+    </cs:spPr>
+  </cs:gridlineMajor>
+  <cs:gridlineMinor>
+    <cs:lnRef idx="0"/>
+    <cs:fillRef idx="0"/>
+    <cs:effectRef idx="0"/>
+    <cs:fontRef idx="minor">
+      <a:schemeClr val="tx1"/>
+    </cs:fontRef>
+    <cs:spPr>
+      <a:ln w="9525" cap="flat" cmpd="sng" algn="ctr">
+        <a:solidFill>
+          <a:schemeClr val="tx1">
+            <a:lumMod val="5000"/>
+            <a:lumOff val="95000"/>
+          </a:schemeClr>
+        </a:solidFill>
+        <a:round/>
+      </a:ln>
+    </cs:spPr>
+  </cs:gridlineMinor>
+  <cs:hiLoLine>
+    <cs:lnRef idx="0"/>
+    <cs:fillRef idx="0"/>
+    <cs:effectRef idx="0"/>
+    <cs:fontRef idx="minor">
+      <a:schemeClr val="tx1"/>
+    </cs:fontRef>
+    <cs:spPr>
+      <a:ln w="9525" cap="flat" cmpd="sng" algn="ctr">
+        <a:solidFill>
+          <a:schemeClr val="tx1">
+            <a:lumMod val="50000"/>
+            <a:lumOff val="50000"/>
+          </a:schemeClr>
+        </a:solidFill>
+        <a:round/>
+      </a:ln>
+    </cs:spPr>
+  </cs:hiLoLine>
+  <cs:leaderLine>
+    <cs:lnRef idx="0"/>
+    <cs:fillRef idx="0"/>
+    <cs:effectRef idx="0"/>
+    <cs:fontRef idx="minor">
+      <a:schemeClr val="tx1"/>
+    </cs:fontRef>
+    <cs:spPr>
+      <a:ln w="9525" cap="flat" cmpd="sng" algn="ctr">
+        <a:solidFill>
+          <a:schemeClr val="tx1">
+            <a:lumMod val="35000"/>
+            <a:lumOff val="65000"/>
+          </a:schemeClr>
+        </a:solidFill>
+        <a:round/>
+      </a:ln>
+    </cs:spPr>
+  </cs:leaderLine>
+  <cs:legend>
+    <cs:lnRef idx="0"/>
+    <cs:fillRef idx="0"/>
+    <cs:effectRef idx="0"/>
+    <cs:fontRef idx="minor">
+      <a:schemeClr val="tx1">
+        <a:lumMod val="65000"/>
+        <a:lumOff val="35000"/>
+      </a:schemeClr>
+    </cs:fontRef>
+    <cs:defRPr sz="1197" kern="1200"/>
+  </cs:legend>
+  <cs:plotArea mods="allowNoFillOverride allowNoLineOverride">
+    <cs:lnRef idx="0"/>
+    <cs:fillRef idx="0"/>
+    <cs:effectRef idx="0"/>
+    <cs:fontRef idx="minor">
+      <a:schemeClr val="tx1"/>
+    </cs:fontRef>
+  </cs:plotArea>
+  <cs:plotArea3D mods="allowNoFillOverride allowNoLineOverride">
+    <cs:lnRef idx="0"/>
+    <cs:fillRef idx="0"/>
+    <cs:effectRef idx="0"/>
+    <cs:fontRef idx="minor">
+      <a:schemeClr val="tx1"/>
+    </cs:fontRef>
+  </cs:plotArea3D>
+  <cs:seriesAxis>
+    <cs:lnRef idx="0"/>
+    <cs:fillRef idx="0"/>
+    <cs:effectRef idx="0"/>
+    <cs:fontRef idx="minor">
+      <a:schemeClr val="tx1">
+        <a:lumMod val="65000"/>
+        <a:lumOff val="35000"/>
+      </a:schemeClr>
+    </cs:fontRef>
+    <cs:defRPr sz="1197" kern="1200"/>
+  </cs:seriesAxis>
+  <cs:seriesLine>
+    <cs:lnRef idx="0"/>
+    <cs:fillRef idx="0"/>
+    <cs:effectRef idx="0"/>
+    <cs:fontRef idx="minor">
+      <a:schemeClr val="tx1"/>
+    </cs:fontRef>
+    <cs:spPr>
+      <a:ln w="9525" cap="flat" cmpd="sng" algn="ctr">
+        <a:solidFill>
+          <a:schemeClr val="tx1">
+            <a:lumMod val="35000"/>
+            <a:lumOff val="65000"/>
+          </a:schemeClr>
+        </a:solidFill>
+        <a:round/>
+      </a:ln>
+    </cs:spPr>
+  </cs:seriesLine>
+  <cs:title>
+    <cs:lnRef idx="0"/>
+    <cs:fillRef idx="0"/>
+    <cs:effectRef idx="0"/>
+    <cs:fontRef idx="minor">
+      <a:schemeClr val="tx1">
+        <a:lumMod val="65000"/>
+        <a:lumOff val="35000"/>
+      </a:schemeClr>
+    </cs:fontRef>
+    <cs:defRPr sz="1862" b="0" kern="1200" spc="0" baseline="0"/>
+  </cs:title>
+  <cs:trendline>
+    <cs:lnRef idx="0">
+      <cs:styleClr val="auto"/>
+    </cs:lnRef>
+    <cs:fillRef idx="0"/>
+    <cs:effectRef idx="0"/>
+    <cs:fontRef idx="minor">
+      <a:schemeClr val="tx1"/>
+    </cs:fontRef>
+    <cs:spPr>
+      <a:ln w="19050" cap="rnd">
+        <a:solidFill>
+          <a:schemeClr val="phClr"/>
+        </a:solidFill>
+        <a:prstDash val="sysDot"/>
+      </a:ln>
+    </cs:spPr>
+  </cs:trendline>
+  <cs:trendlineLabel>
+    <cs:lnRef idx="0"/>
+    <cs:fillRef idx="0"/>
+    <cs:effectRef idx="0"/>
+    <cs:fontRef idx="minor">
+      <a:schemeClr val="tx1">
+        <a:lumMod val="65000"/>
+        <a:lumOff val="35000"/>
+      </a:schemeClr>
+    </cs:fontRef>
+    <cs:defRPr sz="1197" kern="1200"/>
+  </cs:trendlineLabel>
+  <cs:upBar>
+    <cs:lnRef idx="0"/>
+    <cs:fillRef idx="0"/>
+    <cs:effectRef idx="0"/>
+    <cs:fontRef idx="minor">
+      <a:schemeClr val="tx1"/>
+    </cs:fontRef>
+    <cs:spPr>
+      <a:solidFill>
+        <a:schemeClr val="lt1"/>
+      </a:solidFill>
+      <a:ln w="9525" cap="flat" cmpd="sng" algn="ctr">
+        <a:solidFill>
+          <a:schemeClr val="tx1">
+            <a:lumMod val="65000"/>
+            <a:lumOff val="35000"/>
+          </a:schemeClr>
+        </a:solidFill>
+        <a:round/>
+      </a:ln>
+    </cs:spPr>
+  </cs:upBar>
+  <cs:valueAxis>
+    <cs:lnRef idx="0"/>
+    <cs:fillRef idx="0"/>
+    <cs:effectRef idx="0"/>
+    <cs:fontRef idx="minor">
+      <a:schemeClr val="tx1">
+        <a:lumMod val="65000"/>
+        <a:lumOff val="35000"/>
+      </a:schemeClr>
+    </cs:fontRef>
+    <cs:defRPr sz="1197" kern="1200"/>
+  </cs:valueAxis>
+  <cs:wall>
+    <cs:lnRef idx="0"/>
+    <cs:fillRef idx="0"/>
+    <cs:effectRef idx="0"/>
+    <cs:fontRef idx="minor">
+      <a:schemeClr val="tx1"/>
+    </cs:fontRef>
+    <cs:spPr>
+      <a:noFill/>
+      <a:ln>
+        <a:noFill/>
+      </a:ln>
+    </cs:spPr>
+  </cs:wall>
+</cs:chartStyle>
+</file>
+
 <file path=ppt/diagrams/colors1.xml><?xml version="1.0" encoding="utf-8"?>
+<dgm:colorsDef xmlns:dgm="http://schemas.openxmlformats.org/drawingml/2006/diagram" xmlns:a="http://schemas.openxmlformats.org/drawingml/2006/main" uniqueId="urn:microsoft.com/office/officeart/2005/8/colors/accent1_2">
+  <dgm:title val=""/>
+  <dgm:desc val=""/>
+  <dgm:catLst>
+    <dgm:cat type="accent1" pri="11200"/>
+  </dgm:catLst>
+  <dgm:styleLbl name="node0">
+    <dgm:fillClrLst meth="repeat">
+      <a:schemeClr val="accent1"/>
+    </dgm:fillClrLst>
+    <dgm:linClrLst meth="repeat">
+      <a:schemeClr val="lt1"/>
+    </dgm:linClrLst>
+    <dgm:effectClrLst/>
+    <dgm:txLinClrLst/>
+    <dgm:txFillClrLst/>
+    <dgm:txEffectClrLst/>
+  </dgm:styleLbl>
+  <dgm:styleLbl name="alignNode1">
+    <dgm:fillClrLst meth="repeat">
+      <a:schemeClr val="accent1"/>
+    </dgm:fillClrLst>
+    <dgm:linClrLst meth="repeat">
+      <a:schemeClr val="accent1"/>
+    </dgm:linClrLst>
+    <dgm:effectClrLst/>
+    <dgm:txLinClrLst/>
+    <dgm:txFillClrLst/>
+    <dgm:txEffectClrLst/>
+  </dgm:styleLbl>
+  <dgm:styleLbl name="node1">
+    <dgm:fillClrLst meth="repeat">
+      <a:schemeClr val="accent1"/>
+    </dgm:fillClrLst>
+    <dgm:linClrLst meth="repeat">
+      <a:schemeClr val="lt1"/>
+    </dgm:linClrLst>
+    <dgm:effectClrLst/>
+    <dgm:txLinClrLst/>
+    <dgm:txFillClrLst/>
+    <dgm:txEffectClrLst/>
+  </dgm:styleLbl>
+  <dgm:styleLbl name="lnNode1">
+    <dgm:fillClrLst meth="repeat">
+      <a:schemeClr val="accent1"/>
+    </dgm:fillClrLst>
+    <dgm:linClrLst meth="repeat">
+      <a:schemeClr val="lt1"/>
+    </dgm:linClrLst>
+    <dgm:effectClrLst/>
+    <dgm:txLinClrLst/>
+    <dgm:txFillClrLst/>
+    <dgm:txEffectClrLst/>
+  </dgm:styleLbl>
+  <dgm:styleLbl name="vennNode1">
+    <dgm:fillClrLst meth="repeat">
+      <a:schemeClr val="accent1">
+        <a:alpha val="50000"/>
+      </a:schemeClr>
+    </dgm:fillClrLst>
+    <dgm:linClrLst meth="repeat">
+      <a:schemeClr val="lt1"/>
+    </dgm:linClrLst>
+    <dgm:effectClrLst/>
+    <dgm:txLinClrLst/>
+    <dgm:txFillClrLst/>
+    <dgm:txEffectClrLst/>
+  </dgm:styleLbl>
+  <dgm:styleLbl name="node2">
+    <dgm:fillClrLst meth="repeat">
+      <a:schemeClr val="accent1"/>
+    </dgm:fillClrLst>
+    <dgm:linClrLst meth="repeat">
+      <a:schemeClr val="lt1"/>
+    </dgm:linClrLst>
+    <dgm:effectClrLst/>
+    <dgm:txLinClrLst/>
+    <dgm:txFillClrLst/>
+    <dgm:txEffectClrLst/>
+  </dgm:styleLbl>
+  <dgm:styleLbl name="node3">
+    <dgm:fillClrLst meth="repeat">
+      <a:schemeClr val="accent1"/>
+    </dgm:fillClrLst>
+    <dgm:linClrLst meth="repeat">
+      <a:schemeClr val="lt1"/>
+    </dgm:linClrLst>
+    <dgm:effectClrLst/>
+    <dgm:txLinClrLst/>
+    <dgm:txFillClrLst/>
+    <dgm:txEffectClrLst/>
+  </dgm:styleLbl>
+  <dgm:styleLbl name="node4">
+    <dgm:fillClrLst meth="repeat">
+      <a:schemeClr val="accent1"/>
+    </dgm:fillClrLst>
+    <dgm:linClrLst meth="repeat">
+      <a:schemeClr val="lt1"/>
+    </dgm:linClrLst>
+    <dgm:effectClrLst/>
+    <dgm:txLinClrLst/>
+    <dgm:txFillClrLst/>
+    <dgm:txEffectClrLst/>
+  </dgm:styleLbl>
+  <dgm:styleLbl name="fgImgPlace1">
+    <dgm:fillClrLst meth="repeat">
+      <a:schemeClr val="accent1">
+        <a:tint val="50000"/>
+      </a:schemeClr>
+    </dgm:fillClrLst>
+    <dgm:linClrLst meth="repeat">
+      <a:schemeClr val="lt1"/>
+    </dgm:linClrLst>
+    <dgm:effectClrLst/>
+    <dgm:txLinClrLst/>
+    <dgm:txFillClrLst meth="repeat">
+      <a:schemeClr val="lt1"/>
+    </dgm:txFillClrLst>
+    <dgm:txEffectClrLst/>
+  </dgm:styleLbl>
+  <dgm:styleLbl name="alignImgPlace1">
+    <dgm:fillClrLst meth="repeat">
+      <a:schemeClr val="accent1">
+        <a:tint val="50000"/>
+      </a:schemeClr>
+    </dgm:fillClrLst>
+    <dgm:linClrLst meth="repeat">
+      <a:schemeClr val="lt1"/>
+    </dgm:linClrLst>
+    <dgm:effectClrLst/>
+    <dgm:txLinClrLst/>
+    <dgm:txFillClrLst meth="repeat">
+      <a:schemeClr val="lt1"/>
+    </dgm:txFillClrLst>
+    <dgm:txEffectClrLst/>
+  </dgm:styleLbl>
+  <dgm:styleLbl name="bgImgPlace1">
+    <dgm:fillClrLst meth="repeat">
+      <a:schemeClr val="accent1">
+        <a:tint val="50000"/>
+      </a:schemeClr>
+    </dgm:fillClrLst>
+    <dgm:linClrLst meth="repeat">
+      <a:schemeClr val="lt1"/>
+    </dgm:linClrLst>
+    <dgm:effectClrLst/>
+    <dgm:txLinClrLst/>
+    <dgm:txFillClrLst meth="repeat">
+      <a:schemeClr val="lt1"/>
+    </dgm:txFillClrLst>
+    <dgm:txEffectClrLst/>
+  </dgm:styleLbl>
+  <dgm:styleLbl name="sibTrans2D1">
+    <dgm:fillClrLst meth="repeat">
+      <a:schemeClr val="accent1">
+        <a:tint val="60000"/>
+      </a:schemeClr>
+    </dgm:fillClrLst>
+    <dgm:linClrLst meth="repeat">
+      <a:schemeClr val="accent1">
+        <a:tint val="60000"/>
+      </a:schemeClr>
+    </dgm:linClrLst>
+    <dgm:effectClrLst/>
+    <dgm:txLinClrLst/>
+    <dgm:txFillClrLst/>
+    <dgm:txEffectClrLst/>
+  </dgm:styleLbl>
+  <dgm:styleLbl name="fgSibTrans2D1">
+    <dgm:fillClrLst meth="repeat">
+      <a:schemeClr val="accent1">
+        <a:tint val="60000"/>
+      </a:schemeClr>
+    </dgm:fillClrLst>
+    <dgm:linClrLst meth="repeat">
+      <a:schemeClr val="accent1">
+        <a:tint val="60000"/>
+      </a:schemeClr>
+    </dgm:linClrLst>
+    <dgm:effectClrLst/>
+    <dgm:txLinClrLst/>
+    <dgm:txFillClrLst/>
+    <dgm:txEffectClrLst/>
+  </dgm:styleLbl>
+  <dgm:styleLbl name="bgSibTrans2D1">
+    <dgm:fillClrLst meth="repeat">
+      <a:schemeClr val="accent1">
+        <a:tint val="60000"/>
+      </a:schemeClr>
+    </dgm:fillClrLst>
+    <dgm:linClrLst meth="repeat">
+      <a:schemeClr val="accent1">
+        <a:tint val="60000"/>
+      </a:schemeClr>
+    </dgm:linClrLst>
+    <dgm:effectClrLst/>
+    <dgm:txLinClrLst/>
+    <dgm:txFillClrLst/>
+    <dgm:txEffectClrLst/>
+  </dgm:styleLbl>
+  <dgm:styleLbl name="sibTrans1D1">
+    <dgm:fillClrLst meth="repeat">
+      <a:schemeClr val="accent1"/>
+    </dgm:fillClrLst>
+    <dgm:linClrLst meth="repeat">
+      <a:schemeClr val="accent1"/>
+    </dgm:linClrLst>
+    <dgm:effectClrLst/>
+    <dgm:txLinClrLst/>
+    <dgm:txFillClrLst meth="repeat">
+      <a:schemeClr val="tx1"/>
+    </dgm:txFillClrLst>
+    <dgm:txEffectClrLst/>
+  </dgm:styleLbl>
+  <dgm:styleLbl name="callout">
+    <dgm:fillClrLst meth="repeat">
+      <a:schemeClr val="accent1"/>
+    </dgm:fillClrLst>
+    <dgm:linClrLst meth="repeat">
+      <a:schemeClr val="accent1">
+        <a:tint val="50000"/>
+      </a:schemeClr>
+    </dgm:linClrLst>
+    <dgm:effectClrLst/>
+    <dgm:txLinClrLst/>
+    <dgm:txFillClrLst meth="repeat">
+      <a:schemeClr val="tx1"/>
+    </dgm:txFillClrLst>
+    <dgm:txEffectClrLst/>
+  </dgm:styleLbl>
+  <dgm:styleLbl name="asst0">
+    <dgm:fillClrLst meth="repeat">
+      <a:schemeClr val="accent1"/>
+    </dgm:fillClrLst>
+    <dgm:linClrLst meth="repeat">
+      <a:schemeClr val="lt1"/>
+    </dgm:linClrLst>
+    <dgm:effectClrLst/>
+    <dgm:txLinClrLst/>
+    <dgm:txFillClrLst/>
+    <dgm:txEffectClrLst/>
+  </dgm:styleLbl>
+  <dgm:styleLbl name="asst1">
+    <dgm:fillClrLst meth="repeat">
+      <a:schemeClr val="accent1"/>
+    </dgm:fillClrLst>
+    <dgm:linClrLst meth="repeat">
+      <a:schemeClr val="lt1"/>
+    </dgm:linClrLst>
+    <dgm:effectClrLst/>
+    <dgm:txLinClrLst/>
+    <dgm:txFillClrLst/>
+    <dgm:txEffectClrLst/>
+  </dgm:styleLbl>
+  <dgm:styleLbl name="asst2">
+    <dgm:fillClrLst meth="repeat">
+      <a:schemeClr val="accent1"/>
+    </dgm:fillClrLst>
+    <dgm:linClrLst meth="repeat">
+      <a:schemeClr val="lt1"/>
+    </dgm:linClrLst>
+    <dgm:effectClrLst/>
+    <dgm:txLinClrLst/>
+    <dgm:txFillClrLst/>
+    <dgm:txEffectClrLst/>
+  </dgm:styleLbl>
+  <dgm:styleLbl name="asst3">
+    <dgm:fillClrLst meth="repeat">
+      <a:schemeClr val="accent1"/>
+    </dgm:fillClrLst>
+    <dgm:linClrLst meth="repeat">
+      <a:schemeClr val="lt1"/>
+    </dgm:linClrLst>
+    <dgm:effectClrLst/>
+    <dgm:txLinClrLst/>
+    <dgm:txFillClrLst/>
+    <dgm:txEffectClrLst/>
+  </dgm:styleLbl>
+  <dgm:styleLbl name="asst4">
+    <dgm:fillClrLst meth="repeat">
+      <a:schemeClr val="accent1"/>
+    </dgm:fillClrLst>
+    <dgm:linClrLst meth="repeat">
+      <a:schemeClr val="lt1"/>
+    </dgm:linClrLst>
+    <dgm:effectClrLst/>
+    <dgm:txLinClrLst/>
+    <dgm:txFillClrLst/>
+    <dgm:txEffectClrLst/>
+  </dgm:styleLbl>
+  <dgm:styleLbl name="parChTrans2D1">
+    <dgm:fillClrLst meth="repeat">
+      <a:schemeClr val="accent1">
+        <a:tint val="60000"/>
+      </a:schemeClr>
+    </dgm:fillClrLst>
+    <dgm:linClrLst meth="repeat">
+      <a:schemeClr val="accent1">
+        <a:tint val="60000"/>
+      </a:schemeClr>
+    </dgm:linClrLst>
+    <dgm:effectClrLst/>
+    <dgm:txLinClrLst/>
+    <dgm:txFillClrLst meth="repeat">
+      <a:schemeClr val="lt1"/>
+    </dgm:txFillClrLst>
+    <dgm:txEffectClrLst/>
+  </dgm:styleLbl>
+  <dgm:styleLbl name="parChTrans2D2">
+    <dgm:fillClrLst meth="repeat">
+      <a:schemeClr val="accent1"/>
+    </dgm:fillClrLst>
+    <dgm:linClrLst meth="repeat">
+      <a:schemeClr val="accent1"/>
+    </dgm:linClrLst>
+    <dgm:effectClrLst/>
+    <dgm:txLinClrLst/>
+    <dgm:txFillClrLst meth="repeat">
+      <a:schemeClr val="lt1"/>
+    </dgm:txFillClrLst>
+    <dgm:txEffectClrLst/>
+  </dgm:styleLbl>
+  <dgm:styleLbl name="parChTrans2D3">
+    <dgm:fillClrLst meth="repeat">
+      <a:schemeClr val="accent1"/>
+    </dgm:fillClrLst>
+    <dgm:linClrLst meth="repeat">
+      <a:schemeClr val="accent1"/>
+    </dgm:linClrLst>
+    <dgm:effectClrLst/>
+    <dgm:txLinClrLst/>
+    <dgm:txFillClrLst meth="repeat">
+      <a:schemeClr val="lt1"/>
+    </dgm:txFillClrLst>
+    <dgm:txEffectClrLst/>
+  </dgm:styleLbl>
+  <dgm:styleLbl name="parChTrans2D4">
+    <dgm:fillClrLst meth="repeat">
+      <a:schemeClr val="accent1"/>
+    </dgm:fillClrLst>
+    <dgm:linClrLst meth="repeat">
+      <a:schemeClr val="accent1"/>
+    </dgm:linClrLst>
+    <dgm:effectClrLst/>
+    <dgm:txLinClrLst/>
+    <dgm:txFillClrLst meth="repeat">
+      <a:schemeClr val="lt1"/>
+    </dgm:txFillClrLst>
+    <dgm:txEffectClrLst/>
+  </dgm:styleLbl>
+  <dgm:styleLbl name="parChTrans1D1">
+    <dgm:fillClrLst meth="repeat">
+      <a:schemeClr val="accent1"/>
+    </dgm:fillClrLst>
+    <dgm:linClrLst meth="repeat">
+      <a:schemeClr val="accent1">
+        <a:shade val="60000"/>
+      </a:schemeClr>
+    </dgm:linClrLst>
+    <dgm:effectClrLst/>
+    <dgm:txLinClrLst/>
+    <dgm:txFillClrLst meth="repeat">
+      <a:schemeClr val="tx1"/>
+    </dgm:txFillClrLst>
+    <dgm:txEffectClrLst/>
+  </dgm:styleLbl>
+  <dgm:styleLbl name="parChTrans1D2">
+    <dgm:fillClrLst meth="repeat">
+      <a:schemeClr val="accent1"/>
+    </dgm:fillClrLst>
+    <dgm:linClrLst meth="repeat">
+      <a:schemeClr val="accent1">
+        <a:shade val="60000"/>
+      </a:schemeClr>
+    </dgm:linClrLst>
+    <dgm:effectClrLst/>
+    <dgm:txLinClrLst/>
+    <dgm:txFillClrLst meth="repeat">
+      <a:schemeClr val="tx1"/>
+    </dgm:txFillClrLst>
+    <dgm:txEffectClrLst/>
+  </dgm:styleLbl>
+  <dgm:styleLbl name="parChTrans1D3">
+    <dgm:fillClrLst meth="repeat">
+      <a:schemeClr val="accent1"/>
+    </dgm:fillClrLst>
+    <dgm:linClrLst meth="repeat">
+      <a:schemeClr val="accent1">
+        <a:shade val="80000"/>
+      </a:schemeClr>
+    </dgm:linClrLst>
+    <dgm:effectClrLst/>
+    <dgm:txLinClrLst/>
+    <dgm:txFillClrLst meth="repeat">
+      <a:schemeClr val="tx1"/>
+    </dgm:txFillClrLst>
+    <dgm:txEffectClrLst/>
+  </dgm:styleLbl>
+  <dgm:styleLbl name="parChTrans1D4">
+    <dgm:fillClrLst meth="repeat">
+      <a:schemeClr val="accent1"/>
+    </dgm:fillClrLst>
+    <dgm:linClrLst meth="repeat">
+      <a:schemeClr val="accent1">
+        <a:shade val="80000"/>
+      </a:schemeClr>
+    </dgm:linClrLst>
+    <dgm:effectClrLst/>
+    <dgm:txLinClrLst/>
+    <dgm:txFillClrLst meth="repeat">
+      <a:schemeClr val="tx1"/>
+    </dgm:txFillClrLst>
+    <dgm:txEffectClrLst/>
+  </dgm:styleLbl>
+  <dgm:styleLbl name="fgAcc1">
+    <dgm:fillClrLst meth="repeat">
+      <a:schemeClr val="lt1">
+        <a:alpha val="90000"/>
+      </a:schemeClr>
+    </dgm:fillClrLst>
+    <dgm:linClrLst meth="repeat">
+      <a:schemeClr val="accent1"/>
+    </dgm:linClrLst>
+    <dgm:effectClrLst/>
+    <dgm:txLinClrLst/>
+    <dgm:txFillClrLst meth="repeat">
+      <a:schemeClr val="dk1"/>
+    </dgm:txFillClrLst>
+    <dgm:txEffectClrLst/>
+  </dgm:styleLbl>
+  <dgm:styleLbl name="conFgAcc1">
+    <dgm:fillClrLst meth="repeat">
+      <a:schemeClr val="lt1">
+        <a:alpha val="90000"/>
+      </a:schemeClr>
+    </dgm:fillClrLst>
+    <dgm:linClrLst meth="repeat">
+      <a:schemeClr val="accent1"/>
+    </dgm:linClrLst>
+    <dgm:effectClrLst/>
+    <dgm:txLinClrLst/>
+    <dgm:txFillClrLst meth="repeat">
+      <a:schemeClr val="dk1"/>
+    </dgm:txFillClrLst>
+    <dgm:txEffectClrLst/>
+  </dgm:styleLbl>
+  <dgm:styleLbl name="alignAcc1">
+    <dgm:fillClrLst meth="repeat">
+      <a:schemeClr val="lt1">
+        <a:alpha val="90000"/>
+      </a:schemeClr>
+    </dgm:fillClrLst>
+    <dgm:linClrLst meth="repeat">
+      <a:schemeClr val="accent1"/>
+    </dgm:linClrLst>
+    <dgm:effectClrLst/>
+    <dgm:txLinClrLst/>
+    <dgm:txFillClrLst meth="repeat">
+      <a:schemeClr val="dk1"/>
+    </dgm:txFillClrLst>
+    <dgm:txEffectClrLst/>
+  </dgm:styleLbl>
+  <dgm:styleLbl name="trAlignAcc1">
+    <dgm:fillClrLst meth="repeat">
+      <a:schemeClr val="lt1">
+        <a:alpha val="40000"/>
+      </a:schemeClr>
+    </dgm:fillClrLst>
+    <dgm:linClrLst meth="repeat">
+      <a:schemeClr val="accent1"/>
+    </dgm:linClrLst>
+    <dgm:effectClrLst/>
+    <dgm:txLinClrLst/>
+    <dgm:txFillClrLst meth="repeat">
+      <a:schemeClr val="dk1"/>
+    </dgm:txFillClrLst>
+    <dgm:txEffectClrLst/>
+  </dgm:styleLbl>
+  <dgm:styleLbl name="bgAcc1">
+    <dgm:fillClrLst meth="repeat">
+      <a:schemeClr val="lt1">
+        <a:alpha val="90000"/>
+      </a:schemeClr>
+    </dgm:fillClrLst>
+    <dgm:linClrLst meth="repeat">
+      <a:schemeClr val="accent1"/>
+    </dgm:linClrLst>
+    <dgm:effectClrLst/>
+    <dgm:txLinClrLst/>
+    <dgm:txFillClrLst meth="repeat">
+      <a:schemeClr val="dk1"/>
+    </dgm:txFillClrLst>
+    <dgm:txEffectClrLst/>
+  </dgm:styleLbl>
+  <dgm:styleLbl name="solidFgAcc1">
+    <dgm:fillClrLst meth="repeat">
+      <a:schemeClr val="lt1"/>
+    </dgm:fillClrLst>
+    <dgm:linClrLst meth="repeat">
+      <a:schemeClr val="accent1"/>
+    </dgm:linClrLst>
+    <dgm:effectClrLst/>
+    <dgm:txLinClrLst/>
+    <dgm:txFillClrLst meth="repeat">
+      <a:schemeClr val="dk1"/>
+    </dgm:txFillClrLst>
+    <dgm:txEffectClrLst/>
+  </dgm:styleLbl>
+  <dgm:styleLbl name="solidAlignAcc1">
+    <dgm:fillClrLst meth="repeat">
+      <a:schemeClr val="lt1"/>
+    </dgm:fillClrLst>
+    <dgm:linClrLst meth="repeat">
+      <a:schemeClr val="accent1"/>
+    </dgm:linClrLst>
+    <dgm:effectClrLst/>
+    <dgm:txLinClrLst/>
+    <dgm:txFillClrLst meth="repeat">
+      <a:schemeClr val="dk1"/>
+    </dgm:txFillClrLst>
+    <dgm:txEffectClrLst/>
+  </dgm:styleLbl>
+  <dgm:styleLbl name="solidBgAcc1">
+    <dgm:fillClrLst meth="repeat">
+      <a:schemeClr val="lt1"/>
+    </dgm:fillClrLst>
+    <dgm:linClrLst meth="repeat">
+      <a:schemeClr val="accent1"/>
+    </dgm:linClrLst>
+    <dgm:effectClrLst/>
+    <dgm:txLinClrLst/>
+    <dgm:txFillClrLst meth="repeat">
+      <a:schemeClr val="dk1"/>
+    </dgm:txFillClrLst>
+    <dgm:txEffectClrLst/>
+  </dgm:styleLbl>
+  <dgm:styleLbl name="fgAccFollowNode1">
+    <dgm:fillClrLst meth="repeat">
+      <a:schemeClr val="accent1">
+        <a:alpha val="90000"/>
+        <a:tint val="40000"/>
+      </a:schemeClr>
+    </dgm:fillClrLst>
+    <dgm:linClrLst meth="repeat">
+      <a:schemeClr val="accent1">
+        <a:alpha val="90000"/>
+        <a:tint val="40000"/>
+      </a:schemeClr>
+    </dgm:linClrLst>
+    <dgm:effectClrLst/>
+    <dgm:txLinClrLst/>
+    <dgm:txFillClrLst meth="repeat">
+      <a:schemeClr val="dk1"/>
+    </dgm:txFillClrLst>
+    <dgm:txEffectClrLst/>
+  </dgm:styleLbl>
+  <dgm:styleLbl name="alignAccFollowNode1">
+    <dgm:fillClrLst meth="repeat">
+      <a:schemeClr val="accent1">
+        <a:alpha val="90000"/>
+        <a:tint val="40000"/>
+      </a:schemeClr>
+    </dgm:fillClrLst>
+    <dgm:linClrLst meth="repeat">
+      <a:schemeClr val="accent1">
+        <a:alpha val="90000"/>
+        <a:tint val="40000"/>
+      </a:schemeClr>
+    </dgm:linClrLst>
+    <dgm:effectClrLst/>
+    <dgm:txLinClrLst/>
+    <dgm:txFillClrLst meth="repeat">
+      <a:schemeClr val="dk1"/>
+    </dgm:txFillClrLst>
+    <dgm:txEffectClrLst/>
+  </dgm:styleLbl>
+  <dgm:styleLbl name="bgAccFollowNode1">
+    <dgm:fillClrLst meth="repeat">
+      <a:schemeClr val="accent1">
+        <a:alpha val="90000"/>
+        <a:tint val="40000"/>
+      </a:schemeClr>
+    </dgm:fillClrLst>
+    <dgm:linClrLst meth="repeat">
+      <a:schemeClr val="accent1">
+        <a:alpha val="90000"/>
+        <a:tint val="40000"/>
+      </a:schemeClr>
+    </dgm:linClrLst>
+    <dgm:effectClrLst/>
+    <dgm:txLinClrLst/>
+    <dgm:txFillClrLst meth="repeat">
+      <a:schemeClr val="dk1"/>
+    </dgm:txFillClrLst>
+    <dgm:txEffectClrLst/>
+  </dgm:styleLbl>
+  <dgm:styleLbl name="fgAcc0">
+    <dgm:fillClrLst meth="repeat">
+      <a:schemeClr val="lt1">
+        <a:alpha val="90000"/>
+      </a:schemeClr>
+    </dgm:fillClrLst>
+    <dgm:linClrLst meth="repeat">
+      <a:schemeClr val="accent1"/>
+    </dgm:linClrLst>
+    <dgm:effectClrLst/>
+    <dgm:txLinClrLst/>
+    <dgm:txFillClrLst meth="repeat">
+      <a:schemeClr val="dk1"/>
+    </dgm:txFillClrLst>
+    <dgm:txEffectClrLst/>
+  </dgm:styleLbl>
+  <dgm:styleLbl name="fgAcc2">
+    <dgm:fillClrLst meth="repeat">
+      <a:schemeClr val="lt1">
+        <a:alpha val="90000"/>
+      </a:schemeClr>
+    </dgm:fillClrLst>
+    <dgm:linClrLst meth="repeat">
+      <a:schemeClr val="accent1"/>
+    </dgm:linClrLst>
+    <dgm:effectClrLst/>
+    <dgm:txLinClrLst/>
+    <dgm:txFillClrLst meth="repeat">
+      <a:schemeClr val="dk1"/>
+    </dgm:txFillClrLst>
+    <dgm:txEffectClrLst/>
+  </dgm:styleLbl>
+  <dgm:styleLbl name="fgAcc3">
+    <dgm:fillClrLst meth="repeat">
+      <a:schemeClr val="lt1">
+        <a:alpha val="90000"/>
+      </a:schemeClr>
+    </dgm:fillClrLst>
+    <dgm:linClrLst meth="repeat">
+      <a:schemeClr val="accent1"/>
+    </dgm:linClrLst>
+    <dgm:effectClrLst/>
+    <dgm:txLinClrLst/>
+    <dgm:txFillClrLst meth="repeat">
+      <a:schemeClr val="dk1"/>
+    </dgm:txFillClrLst>
+    <dgm:txEffectClrLst/>
+  </dgm:styleLbl>
+  <dgm:styleLbl name="fgAcc4">
+    <dgm:fillClrLst meth="repeat">
+      <a:schemeClr val="lt1">
+        <a:alpha val="90000"/>
+      </a:schemeClr>
+    </dgm:fillClrLst>
+    <dgm:linClrLst meth="repeat">
+      <a:schemeClr val="accent1"/>
+    </dgm:linClrLst>
+    <dgm:effectClrLst/>
+    <dgm:txLinClrLst/>
+    <dgm:txFillClrLst meth="repeat">
+      <a:schemeClr val="dk1"/>
+    </dgm:txFillClrLst>
+    <dgm:txEffectClrLst/>
+  </dgm:styleLbl>
+  <dgm:styleLbl name="bgShp">
+    <dgm:fillClrLst meth="repeat">
+      <a:schemeClr val="accent1">
+        <a:tint val="40000"/>
+      </a:schemeClr>
+    </dgm:fillClrLst>
+    <dgm:linClrLst meth="repeat">
+      <a:schemeClr val="accent1"/>
+    </dgm:linClrLst>
+    <dgm:effectClrLst/>
+    <dgm:txLinClrLst/>
+    <dgm:txFillClrLst meth="repeat">
+      <a:schemeClr val="dk1"/>
+    </dgm:txFillClrLst>
+    <dgm:txEffectClrLst/>
+  </dgm:styleLbl>
+  <dgm:styleLbl name="dkBgShp">
+    <dgm:fillClrLst meth="repeat">
+      <a:schemeClr val="accent1">
+        <a:shade val="80000"/>
+      </a:schemeClr>
+    </dgm:fillClrLst>
+    <dgm:linClrLst meth="repeat">
+      <a:schemeClr val="accent1"/>
+    </dgm:linClrLst>
+    <dgm:effectClrLst/>
+    <dgm:txLinClrLst/>
+    <dgm:txFillClrLst meth="repeat">
+      <a:schemeClr val="lt1"/>
+    </dgm:txFillClrLst>
+    <dgm:txEffectClrLst/>
+  </dgm:styleLbl>
+  <dgm:styleLbl name="trBgShp">
+    <dgm:fillClrLst meth="repeat">
+      <a:schemeClr val="accent1">
+        <a:tint val="50000"/>
+        <a:alpha val="40000"/>
+      </a:schemeClr>
+    </dgm:fillClrLst>
+    <dgm:linClrLst meth="repeat">
+      <a:schemeClr val="accent1"/>
+    </dgm:linClrLst>
+    <dgm:effectClrLst/>
+    <dgm:txLinClrLst/>
+    <dgm:txFillClrLst meth="repeat">
+      <a:schemeClr val="lt1"/>
+    </dgm:txFillClrLst>
+    <dgm:txEffectClrLst/>
+  </dgm:styleLbl>
+  <dgm:styleLbl name="fgShp">
+    <dgm:fillClrLst meth="repeat">
+      <a:schemeClr val="accent1">
+        <a:tint val="60000"/>
+      </a:schemeClr>
+    </dgm:fillClrLst>
+    <dgm:linClrLst meth="repeat">
+      <a:schemeClr val="lt1"/>
+    </dgm:linClrLst>
+    <dgm:effectClrLst/>
+    <dgm:txLinClrLst/>
+    <dgm:txFillClrLst meth="repeat">
+      <a:schemeClr val="dk1"/>
+    </dgm:txFillClrLst>
+    <dgm:txEffectClrLst/>
+  </dgm:styleLbl>
+  <dgm:styleLbl name="revTx">
+    <dgm:fillClrLst meth="repeat">
+      <a:schemeClr val="lt1">
+        <a:alpha val="0"/>
+      </a:schemeClr>
+    </dgm:fillClrLst>
+    <dgm:linClrLst meth="repeat">
+      <a:schemeClr val="dk1">
+        <a:alpha val="0"/>
+      </a:schemeClr>
+    </dgm:linClrLst>
+    <dgm:effectClrLst/>
+    <dgm:txLinClrLst/>
+    <dgm:txFillClrLst meth="repeat">
+      <a:schemeClr val="tx1"/>
+    </dgm:txFillClrLst>
+    <dgm:txEffectClrLst/>
+  </dgm:styleLbl>
+</dgm:colorsDef>
+</file>
+
+<file path=ppt/diagrams/colors2.xml><?xml version="1.0" encoding="utf-8"?>
 <dgm:colorsDef xmlns:dgm="http://schemas.openxmlformats.org/drawingml/2006/diagram" xmlns:a="http://schemas.openxmlformats.org/drawingml/2006/main" uniqueId="urn:microsoft.com/office/officeart/2018/5/colors/Iconchunking_neutralbg_colorful1">
   <dgm:title val=""/>
   <dgm:desc val=""/>
@@ -1035,7 +3551,7 @@
 </dgm:colorsDef>
 </file>
 
-<file path=ppt/diagrams/colors2.xml><?xml version="1.0" encoding="utf-8"?>
+<file path=ppt/diagrams/colors3.xml><?xml version="1.0" encoding="utf-8"?>
 <dgm:colorsDef xmlns:dgm="http://schemas.openxmlformats.org/drawingml/2006/diagram" xmlns:a="http://schemas.openxmlformats.org/drawingml/2006/main" uniqueId="urn:microsoft.com/office/officeart/2005/8/colors/colorful2">
   <dgm:title val=""/>
   <dgm:desc val=""/>
@@ -1818,6 +4334,437 @@
 </file>
 
 <file path=ppt/diagrams/data1.xml><?xml version="1.0" encoding="utf-8"?>
+<dgm:dataModel xmlns:dgm="http://schemas.openxmlformats.org/drawingml/2006/diagram" xmlns:a="http://schemas.openxmlformats.org/drawingml/2006/main">
+  <dgm:ptLst>
+    <dgm:pt modelId="{B84946AC-7571-6649-8E03-C4D25CE2C995}" type="doc">
+      <dgm:prSet loTypeId="urn:microsoft.com/office/officeart/2005/8/layout/hList1" loCatId="list" qsTypeId="urn:microsoft.com/office/officeart/2005/8/quickstyle/simple1" qsCatId="simple" csTypeId="urn:microsoft.com/office/officeart/2005/8/colors/accent1_2" csCatId="accent1" phldr="1"/>
+      <dgm:spPr/>
+      <dgm:t>
+        <a:bodyPr/>
+        <a:lstStyle/>
+        <a:p>
+          <a:endParaRPr lang="en-US"/>
+        </a:p>
+      </dgm:t>
+    </dgm:pt>
+    <dgm:pt modelId="{BEBBAE9C-EF85-A243-8797-9A970BBDD180}">
+      <dgm:prSet/>
+      <dgm:spPr/>
+      <dgm:t>
+        <a:bodyPr/>
+        <a:lstStyle/>
+        <a:p>
+          <a:r>
+            <a:rPr lang="en-US" dirty="0"/>
+            <a:t>Lack of geo-location</a:t>
+          </a:r>
+        </a:p>
+      </dgm:t>
+    </dgm:pt>
+    <dgm:pt modelId="{7A6D9657-AAAA-A24D-8F44-FB7AF75C4353}" type="parTrans" cxnId="{71CFD440-B649-1346-A30A-B49D79A47F32}">
+      <dgm:prSet/>
+      <dgm:spPr/>
+      <dgm:t>
+        <a:bodyPr/>
+        <a:lstStyle/>
+        <a:p>
+          <a:endParaRPr lang="en-US"/>
+        </a:p>
+      </dgm:t>
+    </dgm:pt>
+    <dgm:pt modelId="{FFE99C76-675F-8F4E-A078-7645943CCC7D}" type="sibTrans" cxnId="{71CFD440-B649-1346-A30A-B49D79A47F32}">
+      <dgm:prSet/>
+      <dgm:spPr/>
+      <dgm:t>
+        <a:bodyPr/>
+        <a:lstStyle/>
+        <a:p>
+          <a:endParaRPr lang="en-US"/>
+        </a:p>
+      </dgm:t>
+    </dgm:pt>
+    <dgm:pt modelId="{9DED8200-BF2D-B74A-872D-13C331B39A01}">
+      <dgm:prSet/>
+      <dgm:spPr/>
+      <dgm:t>
+        <a:bodyPr/>
+        <a:lstStyle/>
+        <a:p>
+          <a:r>
+            <a:rPr lang="en-US" dirty="0"/>
+            <a:t>Voting on party lines</a:t>
+          </a:r>
+        </a:p>
+      </dgm:t>
+    </dgm:pt>
+    <dgm:pt modelId="{2DA981E9-76F7-184C-AFD1-004CC3FFBB1E}" type="parTrans" cxnId="{E80E1E5A-5C68-554A-876C-B49AC0FE2D67}">
+      <dgm:prSet/>
+      <dgm:spPr/>
+      <dgm:t>
+        <a:bodyPr/>
+        <a:lstStyle/>
+        <a:p>
+          <a:endParaRPr lang="en-US"/>
+        </a:p>
+      </dgm:t>
+    </dgm:pt>
+    <dgm:pt modelId="{D6115442-99CC-A64B-A9F1-3CE226CBCC89}" type="sibTrans" cxnId="{E80E1E5A-5C68-554A-876C-B49AC0FE2D67}">
+      <dgm:prSet/>
+      <dgm:spPr/>
+      <dgm:t>
+        <a:bodyPr/>
+        <a:lstStyle/>
+        <a:p>
+          <a:endParaRPr lang="en-US"/>
+        </a:p>
+      </dgm:t>
+    </dgm:pt>
+    <dgm:pt modelId="{68D445DE-062D-9340-97F3-0DD02DC3AE92}">
+      <dgm:prSet/>
+      <dgm:spPr/>
+      <dgm:t>
+        <a:bodyPr/>
+        <a:lstStyle/>
+        <a:p>
+          <a:r>
+            <a:rPr lang="en-US" dirty="0" err="1"/>
+            <a:t>Amdt</a:t>
+          </a:r>
+          <a:r>
+            <a:rPr lang="en-US" dirty="0"/>
+            <a:t>. 270 – Vote to repeal Obamacare  </a:t>
+          </a:r>
+        </a:p>
+      </dgm:t>
+    </dgm:pt>
+    <dgm:pt modelId="{6758FDDF-B8BE-A848-BE7C-CCA88D5AB3DA}" type="parTrans" cxnId="{C01CC112-EE6F-6740-B802-A5CD8405451D}">
+      <dgm:prSet/>
+      <dgm:spPr/>
+      <dgm:t>
+        <a:bodyPr/>
+        <a:lstStyle/>
+        <a:p>
+          <a:endParaRPr lang="en-US"/>
+        </a:p>
+      </dgm:t>
+    </dgm:pt>
+    <dgm:pt modelId="{4B5DB6DA-C68D-9F41-A1E0-624CAD08967C}" type="sibTrans" cxnId="{C01CC112-EE6F-6740-B802-A5CD8405451D}">
+      <dgm:prSet/>
+      <dgm:spPr/>
+      <dgm:t>
+        <a:bodyPr/>
+        <a:lstStyle/>
+        <a:p>
+          <a:endParaRPr lang="en-US"/>
+        </a:p>
+      </dgm:t>
+    </dgm:pt>
+    <dgm:pt modelId="{A248D470-B415-3041-8D4E-38AFF0490841}">
+      <dgm:prSet/>
+      <dgm:spPr/>
+      <dgm:t>
+        <a:bodyPr/>
+        <a:lstStyle/>
+        <a:p>
+          <a:r>
+            <a:rPr lang="en-US" dirty="0"/>
+            <a:t>July 25, 2017</a:t>
+          </a:r>
+        </a:p>
+      </dgm:t>
+    </dgm:pt>
+    <dgm:pt modelId="{C033F716-64E5-E744-9B26-1F94DE5A9105}" type="parTrans" cxnId="{8750C96A-E964-444A-9AF1-D5E513009256}">
+      <dgm:prSet/>
+      <dgm:spPr/>
+      <dgm:t>
+        <a:bodyPr/>
+        <a:lstStyle/>
+        <a:p>
+          <a:endParaRPr lang="en-US"/>
+        </a:p>
+      </dgm:t>
+    </dgm:pt>
+    <dgm:pt modelId="{05A9E52F-3DE9-C347-AC7D-5217A8DBF14A}" type="sibTrans" cxnId="{8750C96A-E964-444A-9AF1-D5E513009256}">
+      <dgm:prSet/>
+      <dgm:spPr/>
+      <dgm:t>
+        <a:bodyPr/>
+        <a:lstStyle/>
+        <a:p>
+          <a:endParaRPr lang="en-US"/>
+        </a:p>
+      </dgm:t>
+    </dgm:pt>
+    <dgm:pt modelId="{D25A1A7A-4DCA-0144-A877-67770C4CC2A3}">
+      <dgm:prSet/>
+      <dgm:spPr/>
+      <dgm:t>
+        <a:bodyPr/>
+        <a:lstStyle/>
+        <a:p>
+          <a:r>
+            <a:rPr lang="en-US"/>
+            <a:t>Sentiment analysis</a:t>
+          </a:r>
+        </a:p>
+      </dgm:t>
+    </dgm:pt>
+    <dgm:pt modelId="{C768C231-02C7-8048-B0F2-DC618405C270}" type="parTrans" cxnId="{23C3C63E-0FEA-EB47-B9A4-185E43DEC40F}">
+      <dgm:prSet/>
+      <dgm:spPr/>
+      <dgm:t>
+        <a:bodyPr/>
+        <a:lstStyle/>
+        <a:p>
+          <a:endParaRPr lang="en-US"/>
+        </a:p>
+      </dgm:t>
+    </dgm:pt>
+    <dgm:pt modelId="{7E7D65A5-CF56-E04D-B4D0-15F6A361F942}" type="sibTrans" cxnId="{23C3C63E-0FEA-EB47-B9A4-185E43DEC40F}">
+      <dgm:prSet/>
+      <dgm:spPr/>
+      <dgm:t>
+        <a:bodyPr/>
+        <a:lstStyle/>
+        <a:p>
+          <a:endParaRPr lang="en-US"/>
+        </a:p>
+      </dgm:t>
+    </dgm:pt>
+    <dgm:pt modelId="{CBCF1947-3FD1-3D4D-9286-C336F80E26CD}">
+      <dgm:prSet/>
+      <dgm:spPr/>
+      <dgm:t>
+        <a:bodyPr/>
+        <a:lstStyle/>
+        <a:p>
+          <a:r>
+            <a:rPr lang="en-US"/>
+            <a:t>“Obamacare is death”</a:t>
+          </a:r>
+        </a:p>
+      </dgm:t>
+    </dgm:pt>
+    <dgm:pt modelId="{5C49159A-0B4F-3543-9F9B-40918589988F}" type="parTrans" cxnId="{54B70365-F2C7-2A4E-8F77-DE6DF32F9DA3}">
+      <dgm:prSet/>
+      <dgm:spPr/>
+      <dgm:t>
+        <a:bodyPr/>
+        <a:lstStyle/>
+        <a:p>
+          <a:endParaRPr lang="en-US"/>
+        </a:p>
+      </dgm:t>
+    </dgm:pt>
+    <dgm:pt modelId="{224967FC-6E30-BB47-81A8-9792DF026C15}" type="sibTrans" cxnId="{54B70365-F2C7-2A4E-8F77-DE6DF32F9DA3}">
+      <dgm:prSet/>
+      <dgm:spPr/>
+      <dgm:t>
+        <a:bodyPr/>
+        <a:lstStyle/>
+        <a:p>
+          <a:endParaRPr lang="en-US"/>
+        </a:p>
+      </dgm:t>
+    </dgm:pt>
+    <dgm:pt modelId="{0DE9EC1A-877A-D446-8F70-C02CAEBD4CBB}">
+      <dgm:prSet/>
+      <dgm:spPr/>
+      <dgm:t>
+        <a:bodyPr/>
+        <a:lstStyle/>
+        <a:p>
+          <a:r>
+            <a:rPr lang="en-US"/>
+            <a:t>"We can do better than Obamacare”</a:t>
+          </a:r>
+        </a:p>
+      </dgm:t>
+    </dgm:pt>
+    <dgm:pt modelId="{144351A2-DD2B-2446-9E8C-294CB376292A}" type="parTrans" cxnId="{581E1F9C-D2B2-1B4D-B4BC-3D9DC5F222C5}">
+      <dgm:prSet/>
+      <dgm:spPr/>
+      <dgm:t>
+        <a:bodyPr/>
+        <a:lstStyle/>
+        <a:p>
+          <a:endParaRPr lang="en-US"/>
+        </a:p>
+      </dgm:t>
+    </dgm:pt>
+    <dgm:pt modelId="{DE11D93D-E13B-0E44-B48E-78E2644ADF77}" type="sibTrans" cxnId="{581E1F9C-D2B2-1B4D-B4BC-3D9DC5F222C5}">
+      <dgm:prSet/>
+      <dgm:spPr/>
+      <dgm:t>
+        <a:bodyPr/>
+        <a:lstStyle/>
+        <a:p>
+          <a:endParaRPr lang="en-US"/>
+        </a:p>
+      </dgm:t>
+    </dgm:pt>
+    <dgm:pt modelId="{A0010986-11C9-8047-ABC4-D9CFA2F3719D}">
+      <dgm:prSet/>
+      <dgm:spPr/>
+      <dgm:t>
+        <a:bodyPr/>
+        <a:lstStyle/>
+        <a:p>
+          <a:r>
+            <a:rPr lang="en-US" dirty="0"/>
+            <a:t>Mapping Twitter user to corresponding Senator </a:t>
+          </a:r>
+        </a:p>
+      </dgm:t>
+    </dgm:pt>
+    <dgm:pt modelId="{8568B15F-EF86-F141-A651-BC56FF48AD33}" type="parTrans" cxnId="{148CB80F-E917-8F4B-8ADF-ED4C7BB90283}">
+      <dgm:prSet/>
+      <dgm:spPr/>
+      <dgm:t>
+        <a:bodyPr/>
+        <a:lstStyle/>
+        <a:p>
+          <a:endParaRPr lang="en-US"/>
+        </a:p>
+      </dgm:t>
+    </dgm:pt>
+    <dgm:pt modelId="{689915A1-9A92-2F49-87CF-9764A0B263FB}" type="sibTrans" cxnId="{148CB80F-E917-8F4B-8ADF-ED4C7BB90283}">
+      <dgm:prSet/>
+      <dgm:spPr/>
+      <dgm:t>
+        <a:bodyPr/>
+        <a:lstStyle/>
+        <a:p>
+          <a:endParaRPr lang="en-US"/>
+        </a:p>
+      </dgm:t>
+    </dgm:pt>
+    <dgm:pt modelId="{3BE25C23-0859-4A46-B35C-F75BF487149A}" type="pres">
+      <dgm:prSet presAssocID="{B84946AC-7571-6649-8E03-C4D25CE2C995}" presName="Name0" presStyleCnt="0">
+        <dgm:presLayoutVars>
+          <dgm:dir/>
+          <dgm:animLvl val="lvl"/>
+          <dgm:resizeHandles val="exact"/>
+        </dgm:presLayoutVars>
+      </dgm:prSet>
+      <dgm:spPr/>
+    </dgm:pt>
+    <dgm:pt modelId="{146E238E-8A56-DA47-91E2-31D91ECA579F}" type="pres">
+      <dgm:prSet presAssocID="{BEBBAE9C-EF85-A243-8797-9A970BBDD180}" presName="composite" presStyleCnt="0"/>
+      <dgm:spPr/>
+    </dgm:pt>
+    <dgm:pt modelId="{AFB41298-295A-8047-BFFF-6A81B37692A1}" type="pres">
+      <dgm:prSet presAssocID="{BEBBAE9C-EF85-A243-8797-9A970BBDD180}" presName="parTx" presStyleLbl="alignNode1" presStyleIdx="0" presStyleCnt="3">
+        <dgm:presLayoutVars>
+          <dgm:chMax val="0"/>
+          <dgm:chPref val="0"/>
+          <dgm:bulletEnabled val="1"/>
+        </dgm:presLayoutVars>
+      </dgm:prSet>
+      <dgm:spPr/>
+    </dgm:pt>
+    <dgm:pt modelId="{C87A1EED-A925-DE45-BCF3-E3EB439063DD}" type="pres">
+      <dgm:prSet presAssocID="{BEBBAE9C-EF85-A243-8797-9A970BBDD180}" presName="desTx" presStyleLbl="alignAccFollowNode1" presStyleIdx="0" presStyleCnt="3">
+        <dgm:presLayoutVars>
+          <dgm:bulletEnabled val="1"/>
+        </dgm:presLayoutVars>
+      </dgm:prSet>
+      <dgm:spPr/>
+    </dgm:pt>
+    <dgm:pt modelId="{A6D331B0-C644-6E46-8735-17E18F3391DB}" type="pres">
+      <dgm:prSet presAssocID="{FFE99C76-675F-8F4E-A078-7645943CCC7D}" presName="space" presStyleCnt="0"/>
+      <dgm:spPr/>
+    </dgm:pt>
+    <dgm:pt modelId="{11F17C42-B69B-7F46-BA62-50377F14CDCD}" type="pres">
+      <dgm:prSet presAssocID="{9DED8200-BF2D-B74A-872D-13C331B39A01}" presName="composite" presStyleCnt="0"/>
+      <dgm:spPr/>
+    </dgm:pt>
+    <dgm:pt modelId="{9DF4B634-54D4-3044-B111-A5B858EBB1BB}" type="pres">
+      <dgm:prSet presAssocID="{9DED8200-BF2D-B74A-872D-13C331B39A01}" presName="parTx" presStyleLbl="alignNode1" presStyleIdx="1" presStyleCnt="3">
+        <dgm:presLayoutVars>
+          <dgm:chMax val="0"/>
+          <dgm:chPref val="0"/>
+          <dgm:bulletEnabled val="1"/>
+        </dgm:presLayoutVars>
+      </dgm:prSet>
+      <dgm:spPr/>
+    </dgm:pt>
+    <dgm:pt modelId="{A2E83172-6276-7D4F-93D7-4F61596AD8E8}" type="pres">
+      <dgm:prSet presAssocID="{9DED8200-BF2D-B74A-872D-13C331B39A01}" presName="desTx" presStyleLbl="alignAccFollowNode1" presStyleIdx="1" presStyleCnt="3">
+        <dgm:presLayoutVars>
+          <dgm:bulletEnabled val="1"/>
+        </dgm:presLayoutVars>
+      </dgm:prSet>
+      <dgm:spPr/>
+    </dgm:pt>
+    <dgm:pt modelId="{462869F4-6581-E040-A71E-9C25C3B8EA57}" type="pres">
+      <dgm:prSet presAssocID="{D6115442-99CC-A64B-A9F1-3CE226CBCC89}" presName="space" presStyleCnt="0"/>
+      <dgm:spPr/>
+    </dgm:pt>
+    <dgm:pt modelId="{A90C135A-95C5-0C4B-B88C-D55D4A8C3C91}" type="pres">
+      <dgm:prSet presAssocID="{D25A1A7A-4DCA-0144-A877-67770C4CC2A3}" presName="composite" presStyleCnt="0"/>
+      <dgm:spPr/>
+    </dgm:pt>
+    <dgm:pt modelId="{5DB0B61A-785A-7E40-8702-B69FB2B89AB8}" type="pres">
+      <dgm:prSet presAssocID="{D25A1A7A-4DCA-0144-A877-67770C4CC2A3}" presName="parTx" presStyleLbl="alignNode1" presStyleIdx="2" presStyleCnt="3">
+        <dgm:presLayoutVars>
+          <dgm:chMax val="0"/>
+          <dgm:chPref val="0"/>
+          <dgm:bulletEnabled val="1"/>
+        </dgm:presLayoutVars>
+      </dgm:prSet>
+      <dgm:spPr/>
+    </dgm:pt>
+    <dgm:pt modelId="{2CDDB0F4-F47E-AE41-BC12-20AD8122FF33}" type="pres">
+      <dgm:prSet presAssocID="{D25A1A7A-4DCA-0144-A877-67770C4CC2A3}" presName="desTx" presStyleLbl="alignAccFollowNode1" presStyleIdx="2" presStyleCnt="3">
+        <dgm:presLayoutVars>
+          <dgm:bulletEnabled val="1"/>
+        </dgm:presLayoutVars>
+      </dgm:prSet>
+      <dgm:spPr/>
+    </dgm:pt>
+  </dgm:ptLst>
+  <dgm:cxnLst>
+    <dgm:cxn modelId="{148CB80F-E917-8F4B-8ADF-ED4C7BB90283}" srcId="{BEBBAE9C-EF85-A243-8797-9A970BBDD180}" destId="{A0010986-11C9-8047-ABC4-D9CFA2F3719D}" srcOrd="0" destOrd="0" parTransId="{8568B15F-EF86-F141-A651-BC56FF48AD33}" sibTransId="{689915A1-9A92-2F49-87CF-9764A0B263FB}"/>
+    <dgm:cxn modelId="{C01CC112-EE6F-6740-B802-A5CD8405451D}" srcId="{9DED8200-BF2D-B74A-872D-13C331B39A01}" destId="{68D445DE-062D-9340-97F3-0DD02DC3AE92}" srcOrd="0" destOrd="0" parTransId="{6758FDDF-B8BE-A848-BE7C-CCA88D5AB3DA}" sibTransId="{4B5DB6DA-C68D-9F41-A1E0-624CAD08967C}"/>
+    <dgm:cxn modelId="{526A7730-0B30-AF44-880D-3029885213E7}" type="presOf" srcId="{68D445DE-062D-9340-97F3-0DD02DC3AE92}" destId="{A2E83172-6276-7D4F-93D7-4F61596AD8E8}" srcOrd="0" destOrd="0" presId="urn:microsoft.com/office/officeart/2005/8/layout/hList1"/>
+    <dgm:cxn modelId="{22E06C35-3D05-744A-A614-7CAC3F5558B2}" type="presOf" srcId="{A0010986-11C9-8047-ABC4-D9CFA2F3719D}" destId="{C87A1EED-A925-DE45-BCF3-E3EB439063DD}" srcOrd="0" destOrd="0" presId="urn:microsoft.com/office/officeart/2005/8/layout/hList1"/>
+    <dgm:cxn modelId="{23C3C63E-0FEA-EB47-B9A4-185E43DEC40F}" srcId="{B84946AC-7571-6649-8E03-C4D25CE2C995}" destId="{D25A1A7A-4DCA-0144-A877-67770C4CC2A3}" srcOrd="2" destOrd="0" parTransId="{C768C231-02C7-8048-B0F2-DC618405C270}" sibTransId="{7E7D65A5-CF56-E04D-B4D0-15F6A361F942}"/>
+    <dgm:cxn modelId="{71CFD440-B649-1346-A30A-B49D79A47F32}" srcId="{B84946AC-7571-6649-8E03-C4D25CE2C995}" destId="{BEBBAE9C-EF85-A243-8797-9A970BBDD180}" srcOrd="0" destOrd="0" parTransId="{7A6D9657-AAAA-A24D-8F44-FB7AF75C4353}" sibTransId="{FFE99C76-675F-8F4E-A078-7645943CCC7D}"/>
+    <dgm:cxn modelId="{89521545-1C14-0B4D-B07D-D291D046F66A}" type="presOf" srcId="{B84946AC-7571-6649-8E03-C4D25CE2C995}" destId="{3BE25C23-0859-4A46-B35C-F75BF487149A}" srcOrd="0" destOrd="0" presId="urn:microsoft.com/office/officeart/2005/8/layout/hList1"/>
+    <dgm:cxn modelId="{0C236A4A-ED8C-1845-8D66-6A5A423F4DAC}" type="presOf" srcId="{CBCF1947-3FD1-3D4D-9286-C336F80E26CD}" destId="{2CDDB0F4-F47E-AE41-BC12-20AD8122FF33}" srcOrd="0" destOrd="0" presId="urn:microsoft.com/office/officeart/2005/8/layout/hList1"/>
+    <dgm:cxn modelId="{257A7C50-F998-CE4C-BBCA-33CC29C6451C}" type="presOf" srcId="{9DED8200-BF2D-B74A-872D-13C331B39A01}" destId="{9DF4B634-54D4-3044-B111-A5B858EBB1BB}" srcOrd="0" destOrd="0" presId="urn:microsoft.com/office/officeart/2005/8/layout/hList1"/>
+    <dgm:cxn modelId="{E80E1E5A-5C68-554A-876C-B49AC0FE2D67}" srcId="{B84946AC-7571-6649-8E03-C4D25CE2C995}" destId="{9DED8200-BF2D-B74A-872D-13C331B39A01}" srcOrd="1" destOrd="0" parTransId="{2DA981E9-76F7-184C-AFD1-004CC3FFBB1E}" sibTransId="{D6115442-99CC-A64B-A9F1-3CE226CBCC89}"/>
+    <dgm:cxn modelId="{54B70365-F2C7-2A4E-8F77-DE6DF32F9DA3}" srcId="{D25A1A7A-4DCA-0144-A877-67770C4CC2A3}" destId="{CBCF1947-3FD1-3D4D-9286-C336F80E26CD}" srcOrd="0" destOrd="0" parTransId="{5C49159A-0B4F-3543-9F9B-40918589988F}" sibTransId="{224967FC-6E30-BB47-81A8-9792DF026C15}"/>
+    <dgm:cxn modelId="{8750C96A-E964-444A-9AF1-D5E513009256}" srcId="{9DED8200-BF2D-B74A-872D-13C331B39A01}" destId="{A248D470-B415-3041-8D4E-38AFF0490841}" srcOrd="1" destOrd="0" parTransId="{C033F716-64E5-E744-9B26-1F94DE5A9105}" sibTransId="{05A9E52F-3DE9-C347-AC7D-5217A8DBF14A}"/>
+    <dgm:cxn modelId="{9F3BEF99-C5FD-C841-BA91-0BCCB7E91464}" type="presOf" srcId="{D25A1A7A-4DCA-0144-A877-67770C4CC2A3}" destId="{5DB0B61A-785A-7E40-8702-B69FB2B89AB8}" srcOrd="0" destOrd="0" presId="urn:microsoft.com/office/officeart/2005/8/layout/hList1"/>
+    <dgm:cxn modelId="{581E1F9C-D2B2-1B4D-B4BC-3D9DC5F222C5}" srcId="{D25A1A7A-4DCA-0144-A877-67770C4CC2A3}" destId="{0DE9EC1A-877A-D446-8F70-C02CAEBD4CBB}" srcOrd="1" destOrd="0" parTransId="{144351A2-DD2B-2446-9E8C-294CB376292A}" sibTransId="{DE11D93D-E13B-0E44-B48E-78E2644ADF77}"/>
+    <dgm:cxn modelId="{9B91D79C-30BF-8B41-BCD1-9ABBFF2FF937}" type="presOf" srcId="{0DE9EC1A-877A-D446-8F70-C02CAEBD4CBB}" destId="{2CDDB0F4-F47E-AE41-BC12-20AD8122FF33}" srcOrd="0" destOrd="1" presId="urn:microsoft.com/office/officeart/2005/8/layout/hList1"/>
+    <dgm:cxn modelId="{9B7907BE-3CA1-3E4A-A642-45D56B56C63B}" type="presOf" srcId="{BEBBAE9C-EF85-A243-8797-9A970BBDD180}" destId="{AFB41298-295A-8047-BFFF-6A81B37692A1}" srcOrd="0" destOrd="0" presId="urn:microsoft.com/office/officeart/2005/8/layout/hList1"/>
+    <dgm:cxn modelId="{269441DE-74F9-8E43-962D-EA568E85EF30}" type="presOf" srcId="{A248D470-B415-3041-8D4E-38AFF0490841}" destId="{A2E83172-6276-7D4F-93D7-4F61596AD8E8}" srcOrd="0" destOrd="1" presId="urn:microsoft.com/office/officeart/2005/8/layout/hList1"/>
+    <dgm:cxn modelId="{AF38E72E-A170-AC48-A5C2-5D11397674D9}" type="presParOf" srcId="{3BE25C23-0859-4A46-B35C-F75BF487149A}" destId="{146E238E-8A56-DA47-91E2-31D91ECA579F}" srcOrd="0" destOrd="0" presId="urn:microsoft.com/office/officeart/2005/8/layout/hList1"/>
+    <dgm:cxn modelId="{B2C5C7FC-1206-B647-B101-DD4C7AC93703}" type="presParOf" srcId="{146E238E-8A56-DA47-91E2-31D91ECA579F}" destId="{AFB41298-295A-8047-BFFF-6A81B37692A1}" srcOrd="0" destOrd="0" presId="urn:microsoft.com/office/officeart/2005/8/layout/hList1"/>
+    <dgm:cxn modelId="{E6B63A0A-FA85-3743-9C38-C0D7D3D8ECD1}" type="presParOf" srcId="{146E238E-8A56-DA47-91E2-31D91ECA579F}" destId="{C87A1EED-A925-DE45-BCF3-E3EB439063DD}" srcOrd="1" destOrd="0" presId="urn:microsoft.com/office/officeart/2005/8/layout/hList1"/>
+    <dgm:cxn modelId="{A2603C96-B9A9-0E44-B40A-DD88CEAF02B5}" type="presParOf" srcId="{3BE25C23-0859-4A46-B35C-F75BF487149A}" destId="{A6D331B0-C644-6E46-8735-17E18F3391DB}" srcOrd="1" destOrd="0" presId="urn:microsoft.com/office/officeart/2005/8/layout/hList1"/>
+    <dgm:cxn modelId="{1DE664EF-756E-5042-BA5D-E353679BB5CA}" type="presParOf" srcId="{3BE25C23-0859-4A46-B35C-F75BF487149A}" destId="{11F17C42-B69B-7F46-BA62-50377F14CDCD}" srcOrd="2" destOrd="0" presId="urn:microsoft.com/office/officeart/2005/8/layout/hList1"/>
+    <dgm:cxn modelId="{48CF55E9-CFF6-5A4A-B505-1D538EC4DE9B}" type="presParOf" srcId="{11F17C42-B69B-7F46-BA62-50377F14CDCD}" destId="{9DF4B634-54D4-3044-B111-A5B858EBB1BB}" srcOrd="0" destOrd="0" presId="urn:microsoft.com/office/officeart/2005/8/layout/hList1"/>
+    <dgm:cxn modelId="{4B93F345-128A-6A48-8963-9F3964B66042}" type="presParOf" srcId="{11F17C42-B69B-7F46-BA62-50377F14CDCD}" destId="{A2E83172-6276-7D4F-93D7-4F61596AD8E8}" srcOrd="1" destOrd="0" presId="urn:microsoft.com/office/officeart/2005/8/layout/hList1"/>
+    <dgm:cxn modelId="{0E483C41-BDD1-AD41-A2D0-B830F999E729}" type="presParOf" srcId="{3BE25C23-0859-4A46-B35C-F75BF487149A}" destId="{462869F4-6581-E040-A71E-9C25C3B8EA57}" srcOrd="3" destOrd="0" presId="urn:microsoft.com/office/officeart/2005/8/layout/hList1"/>
+    <dgm:cxn modelId="{03BF92EB-9A6F-A542-B750-216DE686C92B}" type="presParOf" srcId="{3BE25C23-0859-4A46-B35C-F75BF487149A}" destId="{A90C135A-95C5-0C4B-B88C-D55D4A8C3C91}" srcOrd="4" destOrd="0" presId="urn:microsoft.com/office/officeart/2005/8/layout/hList1"/>
+    <dgm:cxn modelId="{1A103CCE-0850-A747-8B64-7D9D3F3D5CE4}" type="presParOf" srcId="{A90C135A-95C5-0C4B-B88C-D55D4A8C3C91}" destId="{5DB0B61A-785A-7E40-8702-B69FB2B89AB8}" srcOrd="0" destOrd="0" presId="urn:microsoft.com/office/officeart/2005/8/layout/hList1"/>
+    <dgm:cxn modelId="{260854A4-4593-B940-9C37-6EE46D1E145A}" type="presParOf" srcId="{A90C135A-95C5-0C4B-B88C-D55D4A8C3C91}" destId="{2CDDB0F4-F47E-AE41-BC12-20AD8122FF33}" srcOrd="1" destOrd="0" presId="urn:microsoft.com/office/officeart/2005/8/layout/hList1"/>
+  </dgm:cxnLst>
+  <dgm:bg/>
+  <dgm:whole/>
+  <dgm:extLst>
+    <a:ext uri="http://schemas.microsoft.com/office/drawing/2008/diagram">
+      <dsp:dataModelExt xmlns:dsp="http://schemas.microsoft.com/office/drawing/2008/diagram" relId="rId6" minVer="http://schemas.openxmlformats.org/drawingml/2006/diagram"/>
+    </a:ext>
+  </dgm:extLst>
+</dgm:dataModel>
+</file>
+
+<file path=ppt/diagrams/data2.xml><?xml version="1.0" encoding="utf-8"?>
 <dgm:dataModel xmlns:dgm="http://schemas.openxmlformats.org/drawingml/2006/diagram" xmlns:a="http://schemas.openxmlformats.org/drawingml/2006/main">
   <dgm:ptLst>
     <dgm:pt modelId="{6438424D-7676-468E-B7F3-FC124CD68133}" type="doc">
@@ -1888,10 +4835,7 @@
               <a:spcPct val="100000"/>
             </a:lnSpc>
           </a:pPr>
-          <a:r>
-            <a:rPr lang="en-US" dirty="0"/>
-            <a:t>July 1–July 25</a:t>
-          </a:r>
+          <a:endParaRPr lang="en-US" dirty="0"/>
         </a:p>
       </dgm:t>
     </dgm:pt>
@@ -2056,10 +5000,7 @@
               <a:spcPct val="100000"/>
             </a:lnSpc>
           </a:pPr>
-          <a:r>
-            <a:rPr lang="en-US" dirty="0"/>
-            <a:t>JSON</a:t>
-          </a:r>
+          <a:endParaRPr lang="en-US" dirty="0"/>
         </a:p>
       </dgm:t>
     </dgm:pt>
@@ -2315,17 +5256,17 @@
   <dgm:whole/>
   <dgm:extLst>
     <a:ext uri="http://schemas.microsoft.com/office/drawing/2008/diagram">
-      <dsp:dataModelExt xmlns:dsp="http://schemas.microsoft.com/office/drawing/2008/diagram" relId="rId6" minVer="http://schemas.openxmlformats.org/drawingml/2006/diagram"/>
+      <dsp:dataModelExt xmlns:dsp="http://schemas.microsoft.com/office/drawing/2008/diagram" relId="rId7" minVer="http://schemas.openxmlformats.org/drawingml/2006/diagram"/>
     </a:ext>
   </dgm:extLst>
 </dgm:dataModel>
 </file>
 
-<file path=ppt/diagrams/data2.xml><?xml version="1.0" encoding="utf-8"?>
+<file path=ppt/diagrams/data3.xml><?xml version="1.0" encoding="utf-8"?>
 <dgm:dataModel xmlns:dgm="http://schemas.openxmlformats.org/drawingml/2006/diagram" xmlns:a="http://schemas.openxmlformats.org/drawingml/2006/main">
   <dgm:ptLst>
     <dgm:pt modelId="{8FA33EC4-07E3-415F-B641-0D29EA2A3737}" type="doc">
-      <dgm:prSet loTypeId="urn:microsoft.com/office/officeart/2005/8/layout/hierarchy1" loCatId="hierarchy" qsTypeId="urn:microsoft.com/office/officeart/2005/8/quickstyle/simple2" qsCatId="simple" csTypeId="urn:microsoft.com/office/officeart/2005/8/colors/colorful2" csCatId="colorful"/>
+      <dgm:prSet loTypeId="urn:microsoft.com/office/officeart/2005/8/layout/hierarchy1" loCatId="hierarchy" qsTypeId="urn:microsoft.com/office/officeart/2005/8/quickstyle/simple2" qsCatId="simple" csTypeId="urn:microsoft.com/office/officeart/2005/8/colors/colorful2" csCatId="colorful" phldr="1"/>
       <dgm:spPr/>
       <dgm:t>
         <a:bodyPr/>
@@ -2343,8 +5284,8 @@
         <a:lstStyle/>
         <a:p>
           <a:r>
-            <a:rPr lang="en-US"/>
-            <a:t>Improving sentiment analysis</a:t>
+            <a:rPr lang="en-US" dirty="0"/>
+            <a:t>Create classification sentiment analysis</a:t>
           </a:r>
         </a:p>
       </dgm:t>
@@ -2415,8 +5356,8 @@
         <a:lstStyle/>
         <a:p>
           <a:r>
-            <a:rPr lang="en-US"/>
-            <a:t>Determining if correlation is exist</a:t>
+            <a:rPr lang="en-US" dirty="0"/>
+            <a:t>Determining if correlation exists</a:t>
           </a:r>
         </a:p>
       </dgm:t>
@@ -2563,6 +5504,526 @@
 </file>
 
 <file path=ppt/diagrams/drawing1.xml><?xml version="1.0" encoding="utf-8"?>
+<dsp:drawing xmlns:dgm="http://schemas.openxmlformats.org/drawingml/2006/diagram" xmlns:dsp="http://schemas.microsoft.com/office/drawing/2008/diagram" xmlns:a="http://schemas.openxmlformats.org/drawingml/2006/main">
+  <dsp:spTree>
+    <dsp:nvGrpSpPr>
+      <dsp:cNvPr id="0" name=""/>
+      <dsp:cNvGrpSpPr/>
+    </dsp:nvGrpSpPr>
+    <dsp:grpSpPr/>
+    <dsp:sp modelId="{AFB41298-295A-8047-BFFF-6A81B37692A1}">
+      <dsp:nvSpPr>
+        <dsp:cNvPr id="0" name=""/>
+        <dsp:cNvSpPr/>
+      </dsp:nvSpPr>
+      <dsp:spPr>
+        <a:xfrm>
+          <a:off x="2415" y="149725"/>
+          <a:ext cx="2355151" cy="832309"/>
+        </a:xfrm>
+        <a:prstGeom prst="rect">
+          <a:avLst/>
+        </a:prstGeom>
+        <a:solidFill>
+          <a:schemeClr val="accent1">
+            <a:hueOff val="0"/>
+            <a:satOff val="0"/>
+            <a:lumOff val="0"/>
+            <a:alphaOff val="0"/>
+          </a:schemeClr>
+        </a:solidFill>
+        <a:ln w="12700" cap="flat" cmpd="sng" algn="ctr">
+          <a:solidFill>
+            <a:schemeClr val="accent1">
+              <a:hueOff val="0"/>
+              <a:satOff val="0"/>
+              <a:lumOff val="0"/>
+              <a:alphaOff val="0"/>
+            </a:schemeClr>
+          </a:solidFill>
+          <a:prstDash val="solid"/>
+        </a:ln>
+        <a:effectLst/>
+      </dsp:spPr>
+      <dsp:style>
+        <a:lnRef idx="2">
+          <a:scrgbClr r="0" g="0" b="0"/>
+        </a:lnRef>
+        <a:fillRef idx="1">
+          <a:scrgbClr r="0" g="0" b="0"/>
+        </a:fillRef>
+        <a:effectRef idx="0">
+          <a:scrgbClr r="0" g="0" b="0"/>
+        </a:effectRef>
+        <a:fontRef idx="minor">
+          <a:schemeClr val="lt1"/>
+        </a:fontRef>
+      </dsp:style>
+      <dsp:txBody>
+        <a:bodyPr spcFirstLastPara="0" vert="horz" wrap="square" lIns="170688" tIns="97536" rIns="170688" bIns="97536" numCol="1" spcCol="1270" anchor="ctr" anchorCtr="0">
+          <a:noAutofit/>
+        </a:bodyPr>
+        <a:lstStyle/>
+        <a:p>
+          <a:pPr marL="0" lvl="0" indent="0" algn="ctr" defTabSz="1066800">
+            <a:lnSpc>
+              <a:spcPct val="90000"/>
+            </a:lnSpc>
+            <a:spcBef>
+              <a:spcPct val="0"/>
+            </a:spcBef>
+            <a:spcAft>
+              <a:spcPct val="35000"/>
+            </a:spcAft>
+            <a:buNone/>
+          </a:pPr>
+          <a:r>
+            <a:rPr lang="en-US" sz="2400" kern="1200" dirty="0"/>
+            <a:t>Lack of geo-location</a:t>
+          </a:r>
+        </a:p>
+      </dsp:txBody>
+      <dsp:txXfrm>
+        <a:off x="2415" y="149725"/>
+        <a:ext cx="2355151" cy="832309"/>
+      </dsp:txXfrm>
+    </dsp:sp>
+    <dsp:sp modelId="{C87A1EED-A925-DE45-BCF3-E3EB439063DD}">
+      <dsp:nvSpPr>
+        <dsp:cNvPr id="0" name=""/>
+        <dsp:cNvSpPr/>
+      </dsp:nvSpPr>
+      <dsp:spPr>
+        <a:xfrm>
+          <a:off x="2415" y="982034"/>
+          <a:ext cx="2355151" cy="1970223"/>
+        </a:xfrm>
+        <a:prstGeom prst="rect">
+          <a:avLst/>
+        </a:prstGeom>
+        <a:solidFill>
+          <a:schemeClr val="accent1">
+            <a:alpha val="90000"/>
+            <a:tint val="40000"/>
+            <a:hueOff val="0"/>
+            <a:satOff val="0"/>
+            <a:lumOff val="0"/>
+            <a:alphaOff val="0"/>
+          </a:schemeClr>
+        </a:solidFill>
+        <a:ln w="12700" cap="flat" cmpd="sng" algn="ctr">
+          <a:solidFill>
+            <a:schemeClr val="accent1">
+              <a:alpha val="90000"/>
+              <a:tint val="40000"/>
+              <a:hueOff val="0"/>
+              <a:satOff val="0"/>
+              <a:lumOff val="0"/>
+              <a:alphaOff val="0"/>
+            </a:schemeClr>
+          </a:solidFill>
+          <a:prstDash val="solid"/>
+        </a:ln>
+        <a:effectLst/>
+      </dsp:spPr>
+      <dsp:style>
+        <a:lnRef idx="2">
+          <a:scrgbClr r="0" g="0" b="0"/>
+        </a:lnRef>
+        <a:fillRef idx="1">
+          <a:scrgbClr r="0" g="0" b="0"/>
+        </a:fillRef>
+        <a:effectRef idx="0">
+          <a:scrgbClr r="0" g="0" b="0"/>
+        </a:effectRef>
+        <a:fontRef idx="minor"/>
+      </dsp:style>
+      <dsp:txBody>
+        <a:bodyPr spcFirstLastPara="0" vert="horz" wrap="square" lIns="128016" tIns="128016" rIns="170688" bIns="192024" numCol="1" spcCol="1270" anchor="t" anchorCtr="0">
+          <a:noAutofit/>
+        </a:bodyPr>
+        <a:lstStyle/>
+        <a:p>
+          <a:pPr marL="228600" lvl="1" indent="-228600" algn="l" defTabSz="1066800">
+            <a:lnSpc>
+              <a:spcPct val="90000"/>
+            </a:lnSpc>
+            <a:spcBef>
+              <a:spcPct val="0"/>
+            </a:spcBef>
+            <a:spcAft>
+              <a:spcPct val="15000"/>
+            </a:spcAft>
+            <a:buChar char="•"/>
+          </a:pPr>
+          <a:r>
+            <a:rPr lang="en-US" sz="2400" kern="1200" dirty="0"/>
+            <a:t>Mapping Twitter user to corresponding Senator </a:t>
+          </a:r>
+        </a:p>
+      </dsp:txBody>
+      <dsp:txXfrm>
+        <a:off x="2415" y="982034"/>
+        <a:ext cx="2355151" cy="1970223"/>
+      </dsp:txXfrm>
+    </dsp:sp>
+    <dsp:sp modelId="{9DF4B634-54D4-3044-B111-A5B858EBB1BB}">
+      <dsp:nvSpPr>
+        <dsp:cNvPr id="0" name=""/>
+        <dsp:cNvSpPr/>
+      </dsp:nvSpPr>
+      <dsp:spPr>
+        <a:xfrm>
+          <a:off x="2687288" y="149725"/>
+          <a:ext cx="2355151" cy="832309"/>
+        </a:xfrm>
+        <a:prstGeom prst="rect">
+          <a:avLst/>
+        </a:prstGeom>
+        <a:solidFill>
+          <a:schemeClr val="accent1">
+            <a:hueOff val="0"/>
+            <a:satOff val="0"/>
+            <a:lumOff val="0"/>
+            <a:alphaOff val="0"/>
+          </a:schemeClr>
+        </a:solidFill>
+        <a:ln w="12700" cap="flat" cmpd="sng" algn="ctr">
+          <a:solidFill>
+            <a:schemeClr val="accent1">
+              <a:hueOff val="0"/>
+              <a:satOff val="0"/>
+              <a:lumOff val="0"/>
+              <a:alphaOff val="0"/>
+            </a:schemeClr>
+          </a:solidFill>
+          <a:prstDash val="solid"/>
+        </a:ln>
+        <a:effectLst/>
+      </dsp:spPr>
+      <dsp:style>
+        <a:lnRef idx="2">
+          <a:scrgbClr r="0" g="0" b="0"/>
+        </a:lnRef>
+        <a:fillRef idx="1">
+          <a:scrgbClr r="0" g="0" b="0"/>
+        </a:fillRef>
+        <a:effectRef idx="0">
+          <a:scrgbClr r="0" g="0" b="0"/>
+        </a:effectRef>
+        <a:fontRef idx="minor">
+          <a:schemeClr val="lt1"/>
+        </a:fontRef>
+      </dsp:style>
+      <dsp:txBody>
+        <a:bodyPr spcFirstLastPara="0" vert="horz" wrap="square" lIns="170688" tIns="97536" rIns="170688" bIns="97536" numCol="1" spcCol="1270" anchor="ctr" anchorCtr="0">
+          <a:noAutofit/>
+        </a:bodyPr>
+        <a:lstStyle/>
+        <a:p>
+          <a:pPr marL="0" lvl="0" indent="0" algn="ctr" defTabSz="1066800">
+            <a:lnSpc>
+              <a:spcPct val="90000"/>
+            </a:lnSpc>
+            <a:spcBef>
+              <a:spcPct val="0"/>
+            </a:spcBef>
+            <a:spcAft>
+              <a:spcPct val="35000"/>
+            </a:spcAft>
+            <a:buNone/>
+          </a:pPr>
+          <a:r>
+            <a:rPr lang="en-US" sz="2400" kern="1200" dirty="0"/>
+            <a:t>Voting on party lines</a:t>
+          </a:r>
+        </a:p>
+      </dsp:txBody>
+      <dsp:txXfrm>
+        <a:off x="2687288" y="149725"/>
+        <a:ext cx="2355151" cy="832309"/>
+      </dsp:txXfrm>
+    </dsp:sp>
+    <dsp:sp modelId="{A2E83172-6276-7D4F-93D7-4F61596AD8E8}">
+      <dsp:nvSpPr>
+        <dsp:cNvPr id="0" name=""/>
+        <dsp:cNvSpPr/>
+      </dsp:nvSpPr>
+      <dsp:spPr>
+        <a:xfrm>
+          <a:off x="2687288" y="982034"/>
+          <a:ext cx="2355151" cy="1970223"/>
+        </a:xfrm>
+        <a:prstGeom prst="rect">
+          <a:avLst/>
+        </a:prstGeom>
+        <a:solidFill>
+          <a:schemeClr val="accent1">
+            <a:alpha val="90000"/>
+            <a:tint val="40000"/>
+            <a:hueOff val="0"/>
+            <a:satOff val="0"/>
+            <a:lumOff val="0"/>
+            <a:alphaOff val="0"/>
+          </a:schemeClr>
+        </a:solidFill>
+        <a:ln w="12700" cap="flat" cmpd="sng" algn="ctr">
+          <a:solidFill>
+            <a:schemeClr val="accent1">
+              <a:alpha val="90000"/>
+              <a:tint val="40000"/>
+              <a:hueOff val="0"/>
+              <a:satOff val="0"/>
+              <a:lumOff val="0"/>
+              <a:alphaOff val="0"/>
+            </a:schemeClr>
+          </a:solidFill>
+          <a:prstDash val="solid"/>
+        </a:ln>
+        <a:effectLst/>
+      </dsp:spPr>
+      <dsp:style>
+        <a:lnRef idx="2">
+          <a:scrgbClr r="0" g="0" b="0"/>
+        </a:lnRef>
+        <a:fillRef idx="1">
+          <a:scrgbClr r="0" g="0" b="0"/>
+        </a:fillRef>
+        <a:effectRef idx="0">
+          <a:scrgbClr r="0" g="0" b="0"/>
+        </a:effectRef>
+        <a:fontRef idx="minor"/>
+      </dsp:style>
+      <dsp:txBody>
+        <a:bodyPr spcFirstLastPara="0" vert="horz" wrap="square" lIns="128016" tIns="128016" rIns="170688" bIns="192024" numCol="1" spcCol="1270" anchor="t" anchorCtr="0">
+          <a:noAutofit/>
+        </a:bodyPr>
+        <a:lstStyle/>
+        <a:p>
+          <a:pPr marL="228600" lvl="1" indent="-228600" algn="l" defTabSz="1066800">
+            <a:lnSpc>
+              <a:spcPct val="90000"/>
+            </a:lnSpc>
+            <a:spcBef>
+              <a:spcPct val="0"/>
+            </a:spcBef>
+            <a:spcAft>
+              <a:spcPct val="15000"/>
+            </a:spcAft>
+            <a:buChar char="•"/>
+          </a:pPr>
+          <a:r>
+            <a:rPr lang="en-US" sz="2400" kern="1200" dirty="0" err="1"/>
+            <a:t>Amdt</a:t>
+          </a:r>
+          <a:r>
+            <a:rPr lang="en-US" sz="2400" kern="1200" dirty="0"/>
+            <a:t>. 270 – Vote to repeal Obamacare  </a:t>
+          </a:r>
+        </a:p>
+        <a:p>
+          <a:pPr marL="228600" lvl="1" indent="-228600" algn="l" defTabSz="1066800">
+            <a:lnSpc>
+              <a:spcPct val="90000"/>
+            </a:lnSpc>
+            <a:spcBef>
+              <a:spcPct val="0"/>
+            </a:spcBef>
+            <a:spcAft>
+              <a:spcPct val="15000"/>
+            </a:spcAft>
+            <a:buChar char="•"/>
+          </a:pPr>
+          <a:r>
+            <a:rPr lang="en-US" sz="2400" kern="1200" dirty="0"/>
+            <a:t>July 25, 2017</a:t>
+          </a:r>
+        </a:p>
+      </dsp:txBody>
+      <dsp:txXfrm>
+        <a:off x="2687288" y="982034"/>
+        <a:ext cx="2355151" cy="1970223"/>
+      </dsp:txXfrm>
+    </dsp:sp>
+    <dsp:sp modelId="{5DB0B61A-785A-7E40-8702-B69FB2B89AB8}">
+      <dsp:nvSpPr>
+        <dsp:cNvPr id="0" name=""/>
+        <dsp:cNvSpPr/>
+      </dsp:nvSpPr>
+      <dsp:spPr>
+        <a:xfrm>
+          <a:off x="5372160" y="149725"/>
+          <a:ext cx="2355151" cy="832309"/>
+        </a:xfrm>
+        <a:prstGeom prst="rect">
+          <a:avLst/>
+        </a:prstGeom>
+        <a:solidFill>
+          <a:schemeClr val="accent1">
+            <a:hueOff val="0"/>
+            <a:satOff val="0"/>
+            <a:lumOff val="0"/>
+            <a:alphaOff val="0"/>
+          </a:schemeClr>
+        </a:solidFill>
+        <a:ln w="12700" cap="flat" cmpd="sng" algn="ctr">
+          <a:solidFill>
+            <a:schemeClr val="accent1">
+              <a:hueOff val="0"/>
+              <a:satOff val="0"/>
+              <a:lumOff val="0"/>
+              <a:alphaOff val="0"/>
+            </a:schemeClr>
+          </a:solidFill>
+          <a:prstDash val="solid"/>
+        </a:ln>
+        <a:effectLst/>
+      </dsp:spPr>
+      <dsp:style>
+        <a:lnRef idx="2">
+          <a:scrgbClr r="0" g="0" b="0"/>
+        </a:lnRef>
+        <a:fillRef idx="1">
+          <a:scrgbClr r="0" g="0" b="0"/>
+        </a:fillRef>
+        <a:effectRef idx="0">
+          <a:scrgbClr r="0" g="0" b="0"/>
+        </a:effectRef>
+        <a:fontRef idx="minor">
+          <a:schemeClr val="lt1"/>
+        </a:fontRef>
+      </dsp:style>
+      <dsp:txBody>
+        <a:bodyPr spcFirstLastPara="0" vert="horz" wrap="square" lIns="170688" tIns="97536" rIns="170688" bIns="97536" numCol="1" spcCol="1270" anchor="ctr" anchorCtr="0">
+          <a:noAutofit/>
+        </a:bodyPr>
+        <a:lstStyle/>
+        <a:p>
+          <a:pPr marL="0" lvl="0" indent="0" algn="ctr" defTabSz="1066800">
+            <a:lnSpc>
+              <a:spcPct val="90000"/>
+            </a:lnSpc>
+            <a:spcBef>
+              <a:spcPct val="0"/>
+            </a:spcBef>
+            <a:spcAft>
+              <a:spcPct val="35000"/>
+            </a:spcAft>
+            <a:buNone/>
+          </a:pPr>
+          <a:r>
+            <a:rPr lang="en-US" sz="2400" kern="1200"/>
+            <a:t>Sentiment analysis</a:t>
+          </a:r>
+        </a:p>
+      </dsp:txBody>
+      <dsp:txXfrm>
+        <a:off x="5372160" y="149725"/>
+        <a:ext cx="2355151" cy="832309"/>
+      </dsp:txXfrm>
+    </dsp:sp>
+    <dsp:sp modelId="{2CDDB0F4-F47E-AE41-BC12-20AD8122FF33}">
+      <dsp:nvSpPr>
+        <dsp:cNvPr id="0" name=""/>
+        <dsp:cNvSpPr/>
+      </dsp:nvSpPr>
+      <dsp:spPr>
+        <a:xfrm>
+          <a:off x="5372160" y="982034"/>
+          <a:ext cx="2355151" cy="1970223"/>
+        </a:xfrm>
+        <a:prstGeom prst="rect">
+          <a:avLst/>
+        </a:prstGeom>
+        <a:solidFill>
+          <a:schemeClr val="accent1">
+            <a:alpha val="90000"/>
+            <a:tint val="40000"/>
+            <a:hueOff val="0"/>
+            <a:satOff val="0"/>
+            <a:lumOff val="0"/>
+            <a:alphaOff val="0"/>
+          </a:schemeClr>
+        </a:solidFill>
+        <a:ln w="12700" cap="flat" cmpd="sng" algn="ctr">
+          <a:solidFill>
+            <a:schemeClr val="accent1">
+              <a:alpha val="90000"/>
+              <a:tint val="40000"/>
+              <a:hueOff val="0"/>
+              <a:satOff val="0"/>
+              <a:lumOff val="0"/>
+              <a:alphaOff val="0"/>
+            </a:schemeClr>
+          </a:solidFill>
+          <a:prstDash val="solid"/>
+        </a:ln>
+        <a:effectLst/>
+      </dsp:spPr>
+      <dsp:style>
+        <a:lnRef idx="2">
+          <a:scrgbClr r="0" g="0" b="0"/>
+        </a:lnRef>
+        <a:fillRef idx="1">
+          <a:scrgbClr r="0" g="0" b="0"/>
+        </a:fillRef>
+        <a:effectRef idx="0">
+          <a:scrgbClr r="0" g="0" b="0"/>
+        </a:effectRef>
+        <a:fontRef idx="minor"/>
+      </dsp:style>
+      <dsp:txBody>
+        <a:bodyPr spcFirstLastPara="0" vert="horz" wrap="square" lIns="128016" tIns="128016" rIns="170688" bIns="192024" numCol="1" spcCol="1270" anchor="t" anchorCtr="0">
+          <a:noAutofit/>
+        </a:bodyPr>
+        <a:lstStyle/>
+        <a:p>
+          <a:pPr marL="228600" lvl="1" indent="-228600" algn="l" defTabSz="1066800">
+            <a:lnSpc>
+              <a:spcPct val="90000"/>
+            </a:lnSpc>
+            <a:spcBef>
+              <a:spcPct val="0"/>
+            </a:spcBef>
+            <a:spcAft>
+              <a:spcPct val="15000"/>
+            </a:spcAft>
+            <a:buChar char="•"/>
+          </a:pPr>
+          <a:r>
+            <a:rPr lang="en-US" sz="2400" kern="1200"/>
+            <a:t>“Obamacare is death”</a:t>
+          </a:r>
+        </a:p>
+        <a:p>
+          <a:pPr marL="228600" lvl="1" indent="-228600" algn="l" defTabSz="1066800">
+            <a:lnSpc>
+              <a:spcPct val="90000"/>
+            </a:lnSpc>
+            <a:spcBef>
+              <a:spcPct val="0"/>
+            </a:spcBef>
+            <a:spcAft>
+              <a:spcPct val="15000"/>
+            </a:spcAft>
+            <a:buChar char="•"/>
+          </a:pPr>
+          <a:r>
+            <a:rPr lang="en-US" sz="2400" kern="1200"/>
+            <a:t>"We can do better than Obamacare”</a:t>
+          </a:r>
+        </a:p>
+      </dsp:txBody>
+      <dsp:txXfrm>
+        <a:off x="5372160" y="982034"/>
+        <a:ext cx="2355151" cy="1970223"/>
+      </dsp:txXfrm>
+    </dsp:sp>
+  </dsp:spTree>
+</dsp:drawing>
+</file>
+
+<file path=ppt/diagrams/drawing2.xml><?xml version="1.0" encoding="utf-8"?>
 <dsp:drawing xmlns:dgm="http://schemas.openxmlformats.org/drawingml/2006/diagram" xmlns:dsp="http://schemas.microsoft.com/office/drawing/2008/diagram" xmlns:a="http://schemas.openxmlformats.org/drawingml/2006/main">
   <dsp:spTree>
     <dsp:nvGrpSpPr>
@@ -2913,10 +6374,7 @@
             </a:spcAft>
             <a:buNone/>
           </a:pPr>
-          <a:r>
-            <a:rPr lang="en-US" sz="1800" kern="1200" dirty="0"/>
-            <a:t>July 1–July 25</a:t>
-          </a:r>
+          <a:endParaRPr lang="en-US" sz="1800" kern="1200" dirty="0"/>
         </a:p>
       </dsp:txBody>
       <dsp:txXfrm>
@@ -3267,10 +6725,7 @@
             </a:spcAft>
             <a:buNone/>
           </a:pPr>
-          <a:r>
-            <a:rPr lang="en-US" sz="1800" kern="1200" dirty="0"/>
-            <a:t>JSON</a:t>
-          </a:r>
+          <a:endParaRPr lang="en-US" sz="1800" kern="1200" dirty="0"/>
         </a:p>
       </dsp:txBody>
       <dsp:txXfrm>
@@ -3282,7 +6737,7 @@
 </dsp:drawing>
 </file>
 
-<file path=ppt/diagrams/drawing2.xml><?xml version="1.0" encoding="utf-8"?>
+<file path=ppt/diagrams/drawing3.xml><?xml version="1.0" encoding="utf-8"?>
 <dsp:drawing xmlns:dgm="http://schemas.openxmlformats.org/drawingml/2006/diagram" xmlns:dsp="http://schemas.microsoft.com/office/drawing/2008/diagram" xmlns:a="http://schemas.openxmlformats.org/drawingml/2006/main">
   <dsp:spTree>
     <dsp:nvGrpSpPr>
@@ -3391,12 +6846,12 @@
         <a:fontRef idx="minor"/>
       </dsp:style>
       <dsp:txBody>
-        <a:bodyPr spcFirstLastPara="0" vert="horz" wrap="square" lIns="137160" tIns="137160" rIns="137160" bIns="137160" numCol="1" spcCol="1270" anchor="ctr" anchorCtr="0">
+        <a:bodyPr spcFirstLastPara="0" vert="horz" wrap="square" lIns="106680" tIns="106680" rIns="106680" bIns="106680" numCol="1" spcCol="1270" anchor="ctr" anchorCtr="0">
           <a:noAutofit/>
         </a:bodyPr>
         <a:lstStyle/>
         <a:p>
-          <a:pPr marL="0" lvl="0" indent="0" algn="ctr" defTabSz="1600200">
+          <a:pPr marL="0" lvl="0" indent="0" algn="ctr" defTabSz="1244600">
             <a:lnSpc>
               <a:spcPct val="90000"/>
             </a:lnSpc>
@@ -3409,8 +6864,8 @@
             <a:buNone/>
           </a:pPr>
           <a:r>
-            <a:rPr lang="en-US" sz="3600" kern="1200"/>
-            <a:t>Improving sentiment analysis</a:t>
+            <a:rPr lang="en-US" sz="2800" kern="1200" dirty="0"/>
+            <a:t>Create classification sentiment analysis</a:t>
           </a:r>
         </a:p>
       </dsp:txBody>
@@ -3520,12 +6975,12 @@
         <a:fontRef idx="minor"/>
       </dsp:style>
       <dsp:txBody>
-        <a:bodyPr spcFirstLastPara="0" vert="horz" wrap="square" lIns="137160" tIns="137160" rIns="137160" bIns="137160" numCol="1" spcCol="1270" anchor="ctr" anchorCtr="0">
+        <a:bodyPr spcFirstLastPara="0" vert="horz" wrap="square" lIns="106680" tIns="106680" rIns="106680" bIns="106680" numCol="1" spcCol="1270" anchor="ctr" anchorCtr="0">
           <a:noAutofit/>
         </a:bodyPr>
         <a:lstStyle/>
         <a:p>
-          <a:pPr marL="0" lvl="0" indent="0" algn="ctr" defTabSz="1600200">
+          <a:pPr marL="0" lvl="0" indent="0" algn="ctr" defTabSz="1244600">
             <a:lnSpc>
               <a:spcPct val="90000"/>
             </a:lnSpc>
@@ -3538,7 +6993,7 @@
             <a:buNone/>
           </a:pPr>
           <a:r>
-            <a:rPr lang="en-US" sz="3600" kern="1200"/>
+            <a:rPr lang="en-US" sz="2800" kern="1200"/>
             <a:t>Justifying the twitter population</a:t>
           </a:r>
         </a:p>
@@ -3649,12 +7104,12 @@
         <a:fontRef idx="minor"/>
       </dsp:style>
       <dsp:txBody>
-        <a:bodyPr spcFirstLastPara="0" vert="horz" wrap="square" lIns="137160" tIns="137160" rIns="137160" bIns="137160" numCol="1" spcCol="1270" anchor="ctr" anchorCtr="0">
+        <a:bodyPr spcFirstLastPara="0" vert="horz" wrap="square" lIns="106680" tIns="106680" rIns="106680" bIns="106680" numCol="1" spcCol="1270" anchor="ctr" anchorCtr="0">
           <a:noAutofit/>
         </a:bodyPr>
         <a:lstStyle/>
         <a:p>
-          <a:pPr marL="0" lvl="0" indent="0" algn="ctr" defTabSz="1600200">
+          <a:pPr marL="0" lvl="0" indent="0" algn="ctr" defTabSz="1244600">
             <a:lnSpc>
               <a:spcPct val="90000"/>
             </a:lnSpc>
@@ -3667,8 +7122,8 @@
             <a:buNone/>
           </a:pPr>
           <a:r>
-            <a:rPr lang="en-US" sz="3600" kern="1200"/>
-            <a:t>Determining if correlation is exist</a:t>
+            <a:rPr lang="en-US" sz="2800" kern="1200" dirty="0"/>
+            <a:t>Determining if correlation exists</a:t>
           </a:r>
         </a:p>
       </dsp:txBody>
@@ -3682,6 +7137,223 @@
 </file>
 
 <file path=ppt/diagrams/layout1.xml><?xml version="1.0" encoding="utf-8"?>
+<dgm:layoutDef xmlns:dgm="http://schemas.openxmlformats.org/drawingml/2006/diagram" xmlns:a="http://schemas.openxmlformats.org/drawingml/2006/main" uniqueId="urn:microsoft.com/office/officeart/2005/8/layout/hList1">
+  <dgm:title val=""/>
+  <dgm:desc val=""/>
+  <dgm:catLst>
+    <dgm:cat type="list" pri="5000"/>
+    <dgm:cat type="convert" pri="5000"/>
+  </dgm:catLst>
+  <dgm:sampData>
+    <dgm:dataModel>
+      <dgm:ptLst>
+        <dgm:pt modelId="0" type="doc"/>
+        <dgm:pt modelId="1">
+          <dgm:prSet phldr="1"/>
+        </dgm:pt>
+        <dgm:pt modelId="11">
+          <dgm:prSet phldr="1"/>
+        </dgm:pt>
+        <dgm:pt modelId="12">
+          <dgm:prSet phldr="1"/>
+        </dgm:pt>
+        <dgm:pt modelId="2">
+          <dgm:prSet phldr="1"/>
+        </dgm:pt>
+        <dgm:pt modelId="21">
+          <dgm:prSet phldr="1"/>
+        </dgm:pt>
+        <dgm:pt modelId="22">
+          <dgm:prSet phldr="1"/>
+        </dgm:pt>
+        <dgm:pt modelId="3">
+          <dgm:prSet phldr="1"/>
+        </dgm:pt>
+        <dgm:pt modelId="31">
+          <dgm:prSet phldr="1"/>
+        </dgm:pt>
+        <dgm:pt modelId="32">
+          <dgm:prSet phldr="1"/>
+        </dgm:pt>
+      </dgm:ptLst>
+      <dgm:cxnLst>
+        <dgm:cxn modelId="4" srcId="0" destId="1" srcOrd="0" destOrd="0"/>
+        <dgm:cxn modelId="5" srcId="0" destId="2" srcOrd="1" destOrd="0"/>
+        <dgm:cxn modelId="6" srcId="0" destId="3" srcOrd="2" destOrd="0"/>
+        <dgm:cxn modelId="13" srcId="1" destId="11" srcOrd="0" destOrd="0"/>
+        <dgm:cxn modelId="14" srcId="1" destId="12" srcOrd="1" destOrd="0"/>
+        <dgm:cxn modelId="23" srcId="2" destId="21" srcOrd="0" destOrd="0"/>
+        <dgm:cxn modelId="24" srcId="2" destId="22" srcOrd="1" destOrd="0"/>
+        <dgm:cxn modelId="33" srcId="3" destId="31" srcOrd="0" destOrd="0"/>
+        <dgm:cxn modelId="34" srcId="3" destId="32" srcOrd="1" destOrd="0"/>
+      </dgm:cxnLst>
+      <dgm:bg/>
+      <dgm:whole/>
+    </dgm:dataModel>
+  </dgm:sampData>
+  <dgm:styleData>
+    <dgm:dataModel>
+      <dgm:ptLst>
+        <dgm:pt modelId="0" type="doc"/>
+        <dgm:pt modelId="1">
+          <dgm:prSet phldr="1"/>
+        </dgm:pt>
+        <dgm:pt modelId="2">
+          <dgm:prSet phldr="1"/>
+        </dgm:pt>
+      </dgm:ptLst>
+      <dgm:cxnLst>
+        <dgm:cxn modelId="3" srcId="0" destId="1" srcOrd="0" destOrd="0"/>
+        <dgm:cxn modelId="4" srcId="0" destId="2" srcOrd="1" destOrd="0"/>
+      </dgm:cxnLst>
+      <dgm:bg/>
+      <dgm:whole/>
+    </dgm:dataModel>
+  </dgm:styleData>
+  <dgm:clrData>
+    <dgm:dataModel>
+      <dgm:ptLst>
+        <dgm:pt modelId="0" type="doc"/>
+        <dgm:pt modelId="1">
+          <dgm:prSet phldr="1"/>
+        </dgm:pt>
+        <dgm:pt modelId="2">
+          <dgm:prSet phldr="1"/>
+        </dgm:pt>
+        <dgm:pt modelId="3">
+          <dgm:prSet phldr="1"/>
+        </dgm:pt>
+        <dgm:pt modelId="4">
+          <dgm:prSet phldr="1"/>
+        </dgm:pt>
+      </dgm:ptLst>
+      <dgm:cxnLst>
+        <dgm:cxn modelId="5" srcId="0" destId="1" srcOrd="0" destOrd="0"/>
+        <dgm:cxn modelId="6" srcId="0" destId="2" srcOrd="1" destOrd="0"/>
+        <dgm:cxn modelId="7" srcId="0" destId="3" srcOrd="2" destOrd="0"/>
+        <dgm:cxn modelId="8" srcId="0" destId="4" srcOrd="3" destOrd="0"/>
+      </dgm:cxnLst>
+      <dgm:bg/>
+      <dgm:whole/>
+    </dgm:dataModel>
+  </dgm:clrData>
+  <dgm:layoutNode name="Name0">
+    <dgm:varLst>
+      <dgm:dir/>
+      <dgm:animLvl val="lvl"/>
+      <dgm:resizeHandles val="exact"/>
+    </dgm:varLst>
+    <dgm:choose name="Name1">
+      <dgm:if name="Name2" func="var" arg="dir" op="equ" val="norm">
+        <dgm:alg type="lin"/>
+      </dgm:if>
+      <dgm:else name="Name3">
+        <dgm:alg type="lin">
+          <dgm:param type="linDir" val="fromR"/>
+        </dgm:alg>
+      </dgm:else>
+    </dgm:choose>
+    <dgm:shape xmlns:r="http://schemas.openxmlformats.org/officeDocument/2006/relationships" r:blip="">
+      <dgm:adjLst/>
+    </dgm:shape>
+    <dgm:presOf/>
+    <dgm:constrLst>
+      <dgm:constr type="h" for="ch" forName="composite" refType="h"/>
+      <dgm:constr type="w" for="ch" forName="composite" refType="w"/>
+      <dgm:constr type="w" for="des" forName="parTx"/>
+      <dgm:constr type="h" for="des" forName="parTx" op="equ"/>
+      <dgm:constr type="w" for="des" forName="desTx"/>
+      <dgm:constr type="h" for="des" forName="desTx" op="equ"/>
+      <dgm:constr type="primFontSz" for="des" forName="parTx" val="65"/>
+      <dgm:constr type="secFontSz" for="des" forName="desTx" refType="primFontSz" refFor="des" refForName="parTx" op="equ"/>
+      <dgm:constr type="h" for="des" forName="parTx" refType="primFontSz" refFor="des" refForName="parTx" fact="0.8"/>
+      <dgm:constr type="h" for="des" forName="desTx" refType="primFontSz" refFor="des" refForName="parTx" fact="1.22"/>
+      <dgm:constr type="w" for="ch" forName="space" refType="w" refFor="ch" refForName="composite" op="equ" fact="0.14"/>
+    </dgm:constrLst>
+    <dgm:ruleLst>
+      <dgm:rule type="w" for="ch" forName="composite" val="0" fact="NaN" max="NaN"/>
+      <dgm:rule type="primFontSz" for="des" forName="parTx" val="5" fact="NaN" max="NaN"/>
+    </dgm:ruleLst>
+    <dgm:forEach name="Name4" axis="ch" ptType="node">
+      <dgm:layoutNode name="composite">
+        <dgm:alg type="composite"/>
+        <dgm:shape xmlns:r="http://schemas.openxmlformats.org/officeDocument/2006/relationships" r:blip="">
+          <dgm:adjLst/>
+        </dgm:shape>
+        <dgm:presOf/>
+        <dgm:constrLst>
+          <dgm:constr type="l" for="ch" forName="parTx"/>
+          <dgm:constr type="w" for="ch" forName="parTx" refType="w"/>
+          <dgm:constr type="t" for="ch" forName="parTx"/>
+          <dgm:constr type="l" for="ch" forName="desTx"/>
+          <dgm:constr type="w" for="ch" forName="desTx" refType="w" refFor="ch" refForName="parTx"/>
+          <dgm:constr type="t" for="ch" forName="desTx" refType="h" refFor="ch" refForName="parTx"/>
+        </dgm:constrLst>
+        <dgm:ruleLst>
+          <dgm:rule type="h" val="INF" fact="NaN" max="NaN"/>
+        </dgm:ruleLst>
+        <dgm:layoutNode name="parTx" styleLbl="alignNode1">
+          <dgm:varLst>
+            <dgm:chMax val="0"/>
+            <dgm:chPref val="0"/>
+            <dgm:bulletEnabled val="1"/>
+          </dgm:varLst>
+          <dgm:alg type="tx"/>
+          <dgm:shape xmlns:r="http://schemas.openxmlformats.org/officeDocument/2006/relationships" type="rect" r:blip="">
+            <dgm:adjLst/>
+          </dgm:shape>
+          <dgm:presOf axis="self" ptType="node"/>
+          <dgm:constrLst>
+            <dgm:constr type="h" refType="w" op="lte" fact="0.4"/>
+            <dgm:constr type="h"/>
+            <dgm:constr type="tMarg" refType="primFontSz" fact="0.32"/>
+            <dgm:constr type="bMarg" refType="primFontSz" fact="0.32"/>
+          </dgm:constrLst>
+          <dgm:ruleLst>
+            <dgm:rule type="h" val="INF" fact="NaN" max="NaN"/>
+          </dgm:ruleLst>
+        </dgm:layoutNode>
+        <dgm:layoutNode name="desTx" styleLbl="alignAccFollowNode1">
+          <dgm:varLst>
+            <dgm:bulletEnabled val="1"/>
+          </dgm:varLst>
+          <dgm:alg type="tx">
+            <dgm:param type="stBulletLvl" val="1"/>
+          </dgm:alg>
+          <dgm:shape xmlns:r="http://schemas.openxmlformats.org/officeDocument/2006/relationships" type="rect" r:blip="">
+            <dgm:adjLst/>
+          </dgm:shape>
+          <dgm:presOf axis="des" ptType="node"/>
+          <dgm:constrLst>
+            <dgm:constr type="secFontSz" val="65"/>
+            <dgm:constr type="primFontSz" refType="secFontSz"/>
+            <dgm:constr type="h"/>
+            <dgm:constr type="lMarg" refType="primFontSz" fact="0.42"/>
+            <dgm:constr type="tMarg" refType="primFontSz" fact="0.42"/>
+            <dgm:constr type="bMarg" refType="primFontSz" fact="0.63"/>
+          </dgm:constrLst>
+          <dgm:ruleLst>
+            <dgm:rule type="h" val="INF" fact="NaN" max="NaN"/>
+          </dgm:ruleLst>
+        </dgm:layoutNode>
+      </dgm:layoutNode>
+      <dgm:forEach name="Name5" axis="followSib" ptType="sibTrans" cnt="1">
+        <dgm:layoutNode name="space">
+          <dgm:alg type="sp"/>
+          <dgm:shape xmlns:r="http://schemas.openxmlformats.org/officeDocument/2006/relationships" r:blip="">
+            <dgm:adjLst/>
+          </dgm:shape>
+          <dgm:presOf/>
+          <dgm:constrLst/>
+          <dgm:ruleLst/>
+        </dgm:layoutNode>
+      </dgm:forEach>
+    </dgm:forEach>
+  </dgm:layoutNode>
+</dgm:layoutDef>
+</file>
+
+<file path=ppt/diagrams/layout2.xml><?xml version="1.0" encoding="utf-8"?>
 <dgm:layoutDef xmlns:dgm="http://schemas.openxmlformats.org/drawingml/2006/diagram" xmlns:a="http://schemas.openxmlformats.org/drawingml/2006/main" uniqueId="urn:microsoft.com/office/officeart/2018/2/layout/IconVerticalSolidList">
   <dgm:title val="Icon Vertical Solid List"/>
   <dgm:desc val="Use to show a series of visuals from top to bottom with Level 1 or Level 1 and Level 2 text grouped in a shape. Works best with icons or small pictures with lengthier descriptions."/>
@@ -3975,7 +7647,7 @@
 </dgm:layoutDef>
 </file>
 
-<file path=ppt/diagrams/layout2.xml><?xml version="1.0" encoding="utf-8"?>
+<file path=ppt/diagrams/layout3.xml><?xml version="1.0" encoding="utf-8"?>
 <dgm:layoutDef xmlns:dgm="http://schemas.openxmlformats.org/drawingml/2006/diagram" xmlns:a="http://schemas.openxmlformats.org/drawingml/2006/main" uniqueId="urn:microsoft.com/office/officeart/2005/8/layout/hierarchy1">
   <dgm:title val=""/>
   <dgm:desc val=""/>
@@ -4539,6 +8211,1040 @@
 </file>
 
 <file path=ppt/diagrams/quickStyle1.xml><?xml version="1.0" encoding="utf-8"?>
+<dgm:styleDef xmlns:dgm="http://schemas.openxmlformats.org/drawingml/2006/diagram" xmlns:a="http://schemas.openxmlformats.org/drawingml/2006/main" uniqueId="urn:microsoft.com/office/officeart/2005/8/quickstyle/simple1">
+  <dgm:title val=""/>
+  <dgm:desc val=""/>
+  <dgm:catLst>
+    <dgm:cat type="simple" pri="10100"/>
+  </dgm:catLst>
+  <dgm:scene3d>
+    <a:camera prst="orthographicFront"/>
+    <a:lightRig rig="threePt" dir="t"/>
+  </dgm:scene3d>
+  <dgm:styleLbl name="node0">
+    <dgm:scene3d>
+      <a:camera prst="orthographicFront"/>
+      <a:lightRig rig="threePt" dir="t"/>
+    </dgm:scene3d>
+    <dgm:sp3d/>
+    <dgm:txPr/>
+    <dgm:style>
+      <a:lnRef idx="2">
+        <a:scrgbClr r="0" g="0" b="0"/>
+      </a:lnRef>
+      <a:fillRef idx="1">
+        <a:scrgbClr r="0" g="0" b="0"/>
+      </a:fillRef>
+      <a:effectRef idx="0">
+        <a:scrgbClr r="0" g="0" b="0"/>
+      </a:effectRef>
+      <a:fontRef idx="minor">
+        <a:schemeClr val="lt1"/>
+      </a:fontRef>
+    </dgm:style>
+  </dgm:styleLbl>
+  <dgm:styleLbl name="lnNode1">
+    <dgm:scene3d>
+      <a:camera prst="orthographicFront"/>
+      <a:lightRig rig="threePt" dir="t"/>
+    </dgm:scene3d>
+    <dgm:sp3d/>
+    <dgm:txPr/>
+    <dgm:style>
+      <a:lnRef idx="2">
+        <a:scrgbClr r="0" g="0" b="0"/>
+      </a:lnRef>
+      <a:fillRef idx="1">
+        <a:scrgbClr r="0" g="0" b="0"/>
+      </a:fillRef>
+      <a:effectRef idx="0">
+        <a:scrgbClr r="0" g="0" b="0"/>
+      </a:effectRef>
+      <a:fontRef idx="minor">
+        <a:schemeClr val="lt1"/>
+      </a:fontRef>
+    </dgm:style>
+  </dgm:styleLbl>
+  <dgm:styleLbl name="vennNode1">
+    <dgm:scene3d>
+      <a:camera prst="orthographicFront"/>
+      <a:lightRig rig="threePt" dir="t"/>
+    </dgm:scene3d>
+    <dgm:sp3d/>
+    <dgm:txPr/>
+    <dgm:style>
+      <a:lnRef idx="2">
+        <a:scrgbClr r="0" g="0" b="0"/>
+      </a:lnRef>
+      <a:fillRef idx="1">
+        <a:scrgbClr r="0" g="0" b="0"/>
+      </a:fillRef>
+      <a:effectRef idx="0">
+        <a:scrgbClr r="0" g="0" b="0"/>
+      </a:effectRef>
+      <a:fontRef idx="minor">
+        <a:schemeClr val="tx1"/>
+      </a:fontRef>
+    </dgm:style>
+  </dgm:styleLbl>
+  <dgm:styleLbl name="alignNode1">
+    <dgm:scene3d>
+      <a:camera prst="orthographicFront"/>
+      <a:lightRig rig="threePt" dir="t"/>
+    </dgm:scene3d>
+    <dgm:sp3d/>
+    <dgm:txPr/>
+    <dgm:style>
+      <a:lnRef idx="2">
+        <a:scrgbClr r="0" g="0" b="0"/>
+      </a:lnRef>
+      <a:fillRef idx="1">
+        <a:scrgbClr r="0" g="0" b="0"/>
+      </a:fillRef>
+      <a:effectRef idx="0">
+        <a:scrgbClr r="0" g="0" b="0"/>
+      </a:effectRef>
+      <a:fontRef idx="minor">
+        <a:schemeClr val="lt1"/>
+      </a:fontRef>
+    </dgm:style>
+  </dgm:styleLbl>
+  <dgm:styleLbl name="node1">
+    <dgm:scene3d>
+      <a:camera prst="orthographicFront"/>
+      <a:lightRig rig="threePt" dir="t"/>
+    </dgm:scene3d>
+    <dgm:sp3d/>
+    <dgm:txPr/>
+    <dgm:style>
+      <a:lnRef idx="2">
+        <a:scrgbClr r="0" g="0" b="0"/>
+      </a:lnRef>
+      <a:fillRef idx="1">
+        <a:scrgbClr r="0" g="0" b="0"/>
+      </a:fillRef>
+      <a:effectRef idx="0">
+        <a:scrgbClr r="0" g="0" b="0"/>
+      </a:effectRef>
+      <a:fontRef idx="minor">
+        <a:schemeClr val="lt1"/>
+      </a:fontRef>
+    </dgm:style>
+  </dgm:styleLbl>
+  <dgm:styleLbl name="node2">
+    <dgm:scene3d>
+      <a:camera prst="orthographicFront"/>
+      <a:lightRig rig="threePt" dir="t"/>
+    </dgm:scene3d>
+    <dgm:sp3d/>
+    <dgm:txPr/>
+    <dgm:style>
+      <a:lnRef idx="2">
+        <a:scrgbClr r="0" g="0" b="0"/>
+      </a:lnRef>
+      <a:fillRef idx="1">
+        <a:scrgbClr r="0" g="0" b="0"/>
+      </a:fillRef>
+      <a:effectRef idx="0">
+        <a:scrgbClr r="0" g="0" b="0"/>
+      </a:effectRef>
+      <a:fontRef idx="minor">
+        <a:schemeClr val="lt1"/>
+      </a:fontRef>
+    </dgm:style>
+  </dgm:styleLbl>
+  <dgm:styleLbl name="node3">
+    <dgm:scene3d>
+      <a:camera prst="orthographicFront"/>
+      <a:lightRig rig="threePt" dir="t"/>
+    </dgm:scene3d>
+    <dgm:sp3d/>
+    <dgm:txPr/>
+    <dgm:style>
+      <a:lnRef idx="2">
+        <a:scrgbClr r="0" g="0" b="0"/>
+      </a:lnRef>
+      <a:fillRef idx="1">
+        <a:scrgbClr r="0" g="0" b="0"/>
+      </a:fillRef>
+      <a:effectRef idx="0">
+        <a:scrgbClr r="0" g="0" b="0"/>
+      </a:effectRef>
+      <a:fontRef idx="minor">
+        <a:schemeClr val="lt1"/>
+      </a:fontRef>
+    </dgm:style>
+  </dgm:styleLbl>
+  <dgm:styleLbl name="node4">
+    <dgm:scene3d>
+      <a:camera prst="orthographicFront"/>
+      <a:lightRig rig="threePt" dir="t"/>
+    </dgm:scene3d>
+    <dgm:sp3d/>
+    <dgm:txPr/>
+    <dgm:style>
+      <a:lnRef idx="2">
+        <a:scrgbClr r="0" g="0" b="0"/>
+      </a:lnRef>
+      <a:fillRef idx="1">
+        <a:scrgbClr r="0" g="0" b="0"/>
+      </a:fillRef>
+      <a:effectRef idx="0">
+        <a:scrgbClr r="0" g="0" b="0"/>
+      </a:effectRef>
+      <a:fontRef idx="minor">
+        <a:schemeClr val="lt1"/>
+      </a:fontRef>
+    </dgm:style>
+  </dgm:styleLbl>
+  <dgm:styleLbl name="fgImgPlace1">
+    <dgm:scene3d>
+      <a:camera prst="orthographicFront"/>
+      <a:lightRig rig="threePt" dir="t"/>
+    </dgm:scene3d>
+    <dgm:sp3d/>
+    <dgm:txPr/>
+    <dgm:style>
+      <a:lnRef idx="2">
+        <a:scrgbClr r="0" g="0" b="0"/>
+      </a:lnRef>
+      <a:fillRef idx="1">
+        <a:scrgbClr r="0" g="0" b="0"/>
+      </a:fillRef>
+      <a:effectRef idx="0">
+        <a:scrgbClr r="0" g="0" b="0"/>
+      </a:effectRef>
+      <a:fontRef idx="minor"/>
+    </dgm:style>
+  </dgm:styleLbl>
+  <dgm:styleLbl name="alignImgPlace1">
+    <dgm:scene3d>
+      <a:camera prst="orthographicFront"/>
+      <a:lightRig rig="threePt" dir="t"/>
+    </dgm:scene3d>
+    <dgm:sp3d/>
+    <dgm:txPr/>
+    <dgm:style>
+      <a:lnRef idx="2">
+        <a:scrgbClr r="0" g="0" b="0"/>
+      </a:lnRef>
+      <a:fillRef idx="1">
+        <a:scrgbClr r="0" g="0" b="0"/>
+      </a:fillRef>
+      <a:effectRef idx="0">
+        <a:scrgbClr r="0" g="0" b="0"/>
+      </a:effectRef>
+      <a:fontRef idx="minor"/>
+    </dgm:style>
+  </dgm:styleLbl>
+  <dgm:styleLbl name="bgImgPlace1">
+    <dgm:scene3d>
+      <a:camera prst="orthographicFront"/>
+      <a:lightRig rig="threePt" dir="t"/>
+    </dgm:scene3d>
+    <dgm:sp3d/>
+    <dgm:txPr/>
+    <dgm:style>
+      <a:lnRef idx="2">
+        <a:scrgbClr r="0" g="0" b="0"/>
+      </a:lnRef>
+      <a:fillRef idx="1">
+        <a:scrgbClr r="0" g="0" b="0"/>
+      </a:fillRef>
+      <a:effectRef idx="0">
+        <a:scrgbClr r="0" g="0" b="0"/>
+      </a:effectRef>
+      <a:fontRef idx="minor"/>
+    </dgm:style>
+  </dgm:styleLbl>
+  <dgm:styleLbl name="sibTrans2D1">
+    <dgm:scene3d>
+      <a:camera prst="orthographicFront"/>
+      <a:lightRig rig="threePt" dir="t"/>
+    </dgm:scene3d>
+    <dgm:sp3d/>
+    <dgm:txPr/>
+    <dgm:style>
+      <a:lnRef idx="0">
+        <a:scrgbClr r="0" g="0" b="0"/>
+      </a:lnRef>
+      <a:fillRef idx="1">
+        <a:scrgbClr r="0" g="0" b="0"/>
+      </a:fillRef>
+      <a:effectRef idx="0">
+        <a:scrgbClr r="0" g="0" b="0"/>
+      </a:effectRef>
+      <a:fontRef idx="minor">
+        <a:schemeClr val="lt1"/>
+      </a:fontRef>
+    </dgm:style>
+  </dgm:styleLbl>
+  <dgm:styleLbl name="fgSibTrans2D1">
+    <dgm:scene3d>
+      <a:camera prst="orthographicFront"/>
+      <a:lightRig rig="threePt" dir="t"/>
+    </dgm:scene3d>
+    <dgm:sp3d/>
+    <dgm:txPr/>
+    <dgm:style>
+      <a:lnRef idx="0">
+        <a:scrgbClr r="0" g="0" b="0"/>
+      </a:lnRef>
+      <a:fillRef idx="1">
+        <a:scrgbClr r="0" g="0" b="0"/>
+      </a:fillRef>
+      <a:effectRef idx="0">
+        <a:scrgbClr r="0" g="0" b="0"/>
+      </a:effectRef>
+      <a:fontRef idx="minor">
+        <a:schemeClr val="lt1"/>
+      </a:fontRef>
+    </dgm:style>
+  </dgm:styleLbl>
+  <dgm:styleLbl name="bgSibTrans2D1">
+    <dgm:scene3d>
+      <a:camera prst="orthographicFront"/>
+      <a:lightRig rig="threePt" dir="t"/>
+    </dgm:scene3d>
+    <dgm:sp3d/>
+    <dgm:txPr/>
+    <dgm:style>
+      <a:lnRef idx="0">
+        <a:scrgbClr r="0" g="0" b="0"/>
+      </a:lnRef>
+      <a:fillRef idx="1">
+        <a:scrgbClr r="0" g="0" b="0"/>
+      </a:fillRef>
+      <a:effectRef idx="0">
+        <a:scrgbClr r="0" g="0" b="0"/>
+      </a:effectRef>
+      <a:fontRef idx="minor">
+        <a:schemeClr val="lt1"/>
+      </a:fontRef>
+    </dgm:style>
+  </dgm:styleLbl>
+  <dgm:styleLbl name="sibTrans1D1">
+    <dgm:scene3d>
+      <a:camera prst="orthographicFront"/>
+      <a:lightRig rig="threePt" dir="t"/>
+    </dgm:scene3d>
+    <dgm:sp3d/>
+    <dgm:txPr/>
+    <dgm:style>
+      <a:lnRef idx="1">
+        <a:scrgbClr r="0" g="0" b="0"/>
+      </a:lnRef>
+      <a:fillRef idx="0">
+        <a:scrgbClr r="0" g="0" b="0"/>
+      </a:fillRef>
+      <a:effectRef idx="0">
+        <a:scrgbClr r="0" g="0" b="0"/>
+      </a:effectRef>
+      <a:fontRef idx="minor"/>
+    </dgm:style>
+  </dgm:styleLbl>
+  <dgm:styleLbl name="callout">
+    <dgm:scene3d>
+      <a:camera prst="orthographicFront"/>
+      <a:lightRig rig="threePt" dir="t"/>
+    </dgm:scene3d>
+    <dgm:sp3d/>
+    <dgm:txPr/>
+    <dgm:style>
+      <a:lnRef idx="2">
+        <a:scrgbClr r="0" g="0" b="0"/>
+      </a:lnRef>
+      <a:fillRef idx="1">
+        <a:scrgbClr r="0" g="0" b="0"/>
+      </a:fillRef>
+      <a:effectRef idx="0">
+        <a:scrgbClr r="0" g="0" b="0"/>
+      </a:effectRef>
+      <a:fontRef idx="minor"/>
+    </dgm:style>
+  </dgm:styleLbl>
+  <dgm:styleLbl name="asst0">
+    <dgm:scene3d>
+      <a:camera prst="orthographicFront"/>
+      <a:lightRig rig="threePt" dir="t"/>
+    </dgm:scene3d>
+    <dgm:sp3d/>
+    <dgm:txPr/>
+    <dgm:style>
+      <a:lnRef idx="2">
+        <a:scrgbClr r="0" g="0" b="0"/>
+      </a:lnRef>
+      <a:fillRef idx="1">
+        <a:scrgbClr r="0" g="0" b="0"/>
+      </a:fillRef>
+      <a:effectRef idx="0">
+        <a:scrgbClr r="0" g="0" b="0"/>
+      </a:effectRef>
+      <a:fontRef idx="minor">
+        <a:schemeClr val="lt1"/>
+      </a:fontRef>
+    </dgm:style>
+  </dgm:styleLbl>
+  <dgm:styleLbl name="asst1">
+    <dgm:scene3d>
+      <a:camera prst="orthographicFront"/>
+      <a:lightRig rig="threePt" dir="t"/>
+    </dgm:scene3d>
+    <dgm:sp3d/>
+    <dgm:txPr/>
+    <dgm:style>
+      <a:lnRef idx="2">
+        <a:scrgbClr r="0" g="0" b="0"/>
+      </a:lnRef>
+      <a:fillRef idx="1">
+        <a:scrgbClr r="0" g="0" b="0"/>
+      </a:fillRef>
+      <a:effectRef idx="0">
+        <a:scrgbClr r="0" g="0" b="0"/>
+      </a:effectRef>
+      <a:fontRef idx="minor">
+        <a:schemeClr val="lt1"/>
+      </a:fontRef>
+    </dgm:style>
+  </dgm:styleLbl>
+  <dgm:styleLbl name="asst2">
+    <dgm:scene3d>
+      <a:camera prst="orthographicFront"/>
+      <a:lightRig rig="threePt" dir="t"/>
+    </dgm:scene3d>
+    <dgm:sp3d/>
+    <dgm:txPr/>
+    <dgm:style>
+      <a:lnRef idx="2">
+        <a:scrgbClr r="0" g="0" b="0"/>
+      </a:lnRef>
+      <a:fillRef idx="1">
+        <a:scrgbClr r="0" g="0" b="0"/>
+      </a:fillRef>
+      <a:effectRef idx="0">
+        <a:scrgbClr r="0" g="0" b="0"/>
+      </a:effectRef>
+      <a:fontRef idx="minor">
+        <a:schemeClr val="lt1"/>
+      </a:fontRef>
+    </dgm:style>
+  </dgm:styleLbl>
+  <dgm:styleLbl name="asst3">
+    <dgm:scene3d>
+      <a:camera prst="orthographicFront"/>
+      <a:lightRig rig="threePt" dir="t"/>
+    </dgm:scene3d>
+    <dgm:sp3d/>
+    <dgm:txPr/>
+    <dgm:style>
+      <a:lnRef idx="2">
+        <a:scrgbClr r="0" g="0" b="0"/>
+      </a:lnRef>
+      <a:fillRef idx="1">
+        <a:scrgbClr r="0" g="0" b="0"/>
+      </a:fillRef>
+      <a:effectRef idx="0">
+        <a:scrgbClr r="0" g="0" b="0"/>
+      </a:effectRef>
+      <a:fontRef idx="minor">
+        <a:schemeClr val="lt1"/>
+      </a:fontRef>
+    </dgm:style>
+  </dgm:styleLbl>
+  <dgm:styleLbl name="asst4">
+    <dgm:scene3d>
+      <a:camera prst="orthographicFront"/>
+      <a:lightRig rig="threePt" dir="t"/>
+    </dgm:scene3d>
+    <dgm:sp3d/>
+    <dgm:txPr/>
+    <dgm:style>
+      <a:lnRef idx="2">
+        <a:scrgbClr r="0" g="0" b="0"/>
+      </a:lnRef>
+      <a:fillRef idx="1">
+        <a:scrgbClr r="0" g="0" b="0"/>
+      </a:fillRef>
+      <a:effectRef idx="0">
+        <a:scrgbClr r="0" g="0" b="0"/>
+      </a:effectRef>
+      <a:fontRef idx="minor">
+        <a:schemeClr val="lt1"/>
+      </a:fontRef>
+    </dgm:style>
+  </dgm:styleLbl>
+  <dgm:styleLbl name="parChTrans2D1">
+    <dgm:scene3d>
+      <a:camera prst="orthographicFront"/>
+      <a:lightRig rig="threePt" dir="t"/>
+    </dgm:scene3d>
+    <dgm:sp3d/>
+    <dgm:txPr/>
+    <dgm:style>
+      <a:lnRef idx="2">
+        <a:scrgbClr r="0" g="0" b="0"/>
+      </a:lnRef>
+      <a:fillRef idx="1">
+        <a:scrgbClr r="0" g="0" b="0"/>
+      </a:fillRef>
+      <a:effectRef idx="0">
+        <a:scrgbClr r="0" g="0" b="0"/>
+      </a:effectRef>
+      <a:fontRef idx="minor">
+        <a:schemeClr val="lt1"/>
+      </a:fontRef>
+    </dgm:style>
+  </dgm:styleLbl>
+  <dgm:styleLbl name="parChTrans2D2">
+    <dgm:scene3d>
+      <a:camera prst="orthographicFront"/>
+      <a:lightRig rig="threePt" dir="t"/>
+    </dgm:scene3d>
+    <dgm:sp3d/>
+    <dgm:txPr/>
+    <dgm:style>
+      <a:lnRef idx="2">
+        <a:scrgbClr r="0" g="0" b="0"/>
+      </a:lnRef>
+      <a:fillRef idx="1">
+        <a:scrgbClr r="0" g="0" b="0"/>
+      </a:fillRef>
+      <a:effectRef idx="0">
+        <a:scrgbClr r="0" g="0" b="0"/>
+      </a:effectRef>
+      <a:fontRef idx="minor">
+        <a:schemeClr val="lt1"/>
+      </a:fontRef>
+    </dgm:style>
+  </dgm:styleLbl>
+  <dgm:styleLbl name="parChTrans2D3">
+    <dgm:scene3d>
+      <a:camera prst="orthographicFront"/>
+      <a:lightRig rig="threePt" dir="t"/>
+    </dgm:scene3d>
+    <dgm:sp3d/>
+    <dgm:txPr/>
+    <dgm:style>
+      <a:lnRef idx="2">
+        <a:scrgbClr r="0" g="0" b="0"/>
+      </a:lnRef>
+      <a:fillRef idx="1">
+        <a:scrgbClr r="0" g="0" b="0"/>
+      </a:fillRef>
+      <a:effectRef idx="0">
+        <a:scrgbClr r="0" g="0" b="0"/>
+      </a:effectRef>
+      <a:fontRef idx="minor">
+        <a:schemeClr val="lt1"/>
+      </a:fontRef>
+    </dgm:style>
+  </dgm:styleLbl>
+  <dgm:styleLbl name="parChTrans2D4">
+    <dgm:scene3d>
+      <a:camera prst="orthographicFront"/>
+      <a:lightRig rig="threePt" dir="t"/>
+    </dgm:scene3d>
+    <dgm:sp3d/>
+    <dgm:txPr/>
+    <dgm:style>
+      <a:lnRef idx="2">
+        <a:scrgbClr r="0" g="0" b="0"/>
+      </a:lnRef>
+      <a:fillRef idx="1">
+        <a:scrgbClr r="0" g="0" b="0"/>
+      </a:fillRef>
+      <a:effectRef idx="0">
+        <a:scrgbClr r="0" g="0" b="0"/>
+      </a:effectRef>
+      <a:fontRef idx="minor">
+        <a:schemeClr val="lt1"/>
+      </a:fontRef>
+    </dgm:style>
+  </dgm:styleLbl>
+  <dgm:styleLbl name="parChTrans1D1">
+    <dgm:scene3d>
+      <a:camera prst="orthographicFront"/>
+      <a:lightRig rig="threePt" dir="t"/>
+    </dgm:scene3d>
+    <dgm:sp3d/>
+    <dgm:txPr/>
+    <dgm:style>
+      <a:lnRef idx="2">
+        <a:scrgbClr r="0" g="0" b="0"/>
+      </a:lnRef>
+      <a:fillRef idx="0">
+        <a:scrgbClr r="0" g="0" b="0"/>
+      </a:fillRef>
+      <a:effectRef idx="0">
+        <a:scrgbClr r="0" g="0" b="0"/>
+      </a:effectRef>
+      <a:fontRef idx="minor"/>
+    </dgm:style>
+  </dgm:styleLbl>
+  <dgm:styleLbl name="parChTrans1D2">
+    <dgm:scene3d>
+      <a:camera prst="orthographicFront"/>
+      <a:lightRig rig="threePt" dir="t"/>
+    </dgm:scene3d>
+    <dgm:sp3d/>
+    <dgm:txPr/>
+    <dgm:style>
+      <a:lnRef idx="2">
+        <a:scrgbClr r="0" g="0" b="0"/>
+      </a:lnRef>
+      <a:fillRef idx="0">
+        <a:scrgbClr r="0" g="0" b="0"/>
+      </a:fillRef>
+      <a:effectRef idx="0">
+        <a:scrgbClr r="0" g="0" b="0"/>
+      </a:effectRef>
+      <a:fontRef idx="minor"/>
+    </dgm:style>
+  </dgm:styleLbl>
+  <dgm:styleLbl name="parChTrans1D3">
+    <dgm:scene3d>
+      <a:camera prst="orthographicFront"/>
+      <a:lightRig rig="threePt" dir="t"/>
+    </dgm:scene3d>
+    <dgm:sp3d/>
+    <dgm:txPr/>
+    <dgm:style>
+      <a:lnRef idx="2">
+        <a:scrgbClr r="0" g="0" b="0"/>
+      </a:lnRef>
+      <a:fillRef idx="0">
+        <a:scrgbClr r="0" g="0" b="0"/>
+      </a:fillRef>
+      <a:effectRef idx="0">
+        <a:scrgbClr r="0" g="0" b="0"/>
+      </a:effectRef>
+      <a:fontRef idx="minor"/>
+    </dgm:style>
+  </dgm:styleLbl>
+  <dgm:styleLbl name="parChTrans1D4">
+    <dgm:scene3d>
+      <a:camera prst="orthographicFront"/>
+      <a:lightRig rig="threePt" dir="t"/>
+    </dgm:scene3d>
+    <dgm:sp3d/>
+    <dgm:txPr/>
+    <dgm:style>
+      <a:lnRef idx="2">
+        <a:scrgbClr r="0" g="0" b="0"/>
+      </a:lnRef>
+      <a:fillRef idx="0">
+        <a:scrgbClr r="0" g="0" b="0"/>
+      </a:fillRef>
+      <a:effectRef idx="0">
+        <a:scrgbClr r="0" g="0" b="0"/>
+      </a:effectRef>
+      <a:fontRef idx="minor"/>
+    </dgm:style>
+  </dgm:styleLbl>
+  <dgm:styleLbl name="fgAcc1">
+    <dgm:scene3d>
+      <a:camera prst="orthographicFront"/>
+      <a:lightRig rig="threePt" dir="t"/>
+    </dgm:scene3d>
+    <dgm:sp3d/>
+    <dgm:txPr/>
+    <dgm:style>
+      <a:lnRef idx="2">
+        <a:scrgbClr r="0" g="0" b="0"/>
+      </a:lnRef>
+      <a:fillRef idx="1">
+        <a:scrgbClr r="0" g="0" b="0"/>
+      </a:fillRef>
+      <a:effectRef idx="0">
+        <a:scrgbClr r="0" g="0" b="0"/>
+      </a:effectRef>
+      <a:fontRef idx="minor"/>
+    </dgm:style>
+  </dgm:styleLbl>
+  <dgm:styleLbl name="conFgAcc1">
+    <dgm:scene3d>
+      <a:camera prst="orthographicFront"/>
+      <a:lightRig rig="threePt" dir="t"/>
+    </dgm:scene3d>
+    <dgm:sp3d/>
+    <dgm:txPr/>
+    <dgm:style>
+      <a:lnRef idx="2">
+        <a:scrgbClr r="0" g="0" b="0"/>
+      </a:lnRef>
+      <a:fillRef idx="1">
+        <a:scrgbClr r="0" g="0" b="0"/>
+      </a:fillRef>
+      <a:effectRef idx="0">
+        <a:scrgbClr r="0" g="0" b="0"/>
+      </a:effectRef>
+      <a:fontRef idx="minor"/>
+    </dgm:style>
+  </dgm:styleLbl>
+  <dgm:styleLbl name="alignAcc1">
+    <dgm:scene3d>
+      <a:camera prst="orthographicFront"/>
+      <a:lightRig rig="threePt" dir="t"/>
+    </dgm:scene3d>
+    <dgm:sp3d/>
+    <dgm:txPr/>
+    <dgm:style>
+      <a:lnRef idx="2">
+        <a:scrgbClr r="0" g="0" b="0"/>
+      </a:lnRef>
+      <a:fillRef idx="1">
+        <a:scrgbClr r="0" g="0" b="0"/>
+      </a:fillRef>
+      <a:effectRef idx="0">
+        <a:scrgbClr r="0" g="0" b="0"/>
+      </a:effectRef>
+      <a:fontRef idx="minor"/>
+    </dgm:style>
+  </dgm:styleLbl>
+  <dgm:styleLbl name="trAlignAcc1">
+    <dgm:scene3d>
+      <a:camera prst="orthographicFront"/>
+      <a:lightRig rig="threePt" dir="t"/>
+    </dgm:scene3d>
+    <dgm:sp3d/>
+    <dgm:txPr/>
+    <dgm:style>
+      <a:lnRef idx="1">
+        <a:scrgbClr r="0" g="0" b="0"/>
+      </a:lnRef>
+      <a:fillRef idx="1">
+        <a:scrgbClr r="0" g="0" b="0"/>
+      </a:fillRef>
+      <a:effectRef idx="0">
+        <a:scrgbClr r="0" g="0" b="0"/>
+      </a:effectRef>
+      <a:fontRef idx="minor"/>
+    </dgm:style>
+  </dgm:styleLbl>
+  <dgm:styleLbl name="bgAcc1">
+    <dgm:scene3d>
+      <a:camera prst="orthographicFront"/>
+      <a:lightRig rig="threePt" dir="t"/>
+    </dgm:scene3d>
+    <dgm:sp3d/>
+    <dgm:txPr/>
+    <dgm:style>
+      <a:lnRef idx="2">
+        <a:scrgbClr r="0" g="0" b="0"/>
+      </a:lnRef>
+      <a:fillRef idx="1">
+        <a:scrgbClr r="0" g="0" b="0"/>
+      </a:fillRef>
+      <a:effectRef idx="0">
+        <a:scrgbClr r="0" g="0" b="0"/>
+      </a:effectRef>
+      <a:fontRef idx="minor"/>
+    </dgm:style>
+  </dgm:styleLbl>
+  <dgm:styleLbl name="solidFgAcc1">
+    <dgm:scene3d>
+      <a:camera prst="orthographicFront"/>
+      <a:lightRig rig="threePt" dir="t"/>
+    </dgm:scene3d>
+    <dgm:sp3d/>
+    <dgm:txPr/>
+    <dgm:style>
+      <a:lnRef idx="2">
+        <a:scrgbClr r="0" g="0" b="0"/>
+      </a:lnRef>
+      <a:fillRef idx="1">
+        <a:scrgbClr r="0" g="0" b="0"/>
+      </a:fillRef>
+      <a:effectRef idx="0">
+        <a:scrgbClr r="0" g="0" b="0"/>
+      </a:effectRef>
+      <a:fontRef idx="minor"/>
+    </dgm:style>
+  </dgm:styleLbl>
+  <dgm:styleLbl name="solidAlignAcc1">
+    <dgm:scene3d>
+      <a:camera prst="orthographicFront"/>
+      <a:lightRig rig="threePt" dir="t"/>
+    </dgm:scene3d>
+    <dgm:sp3d/>
+    <dgm:txPr/>
+    <dgm:style>
+      <a:lnRef idx="2">
+        <a:scrgbClr r="0" g="0" b="0"/>
+      </a:lnRef>
+      <a:fillRef idx="1">
+        <a:scrgbClr r="0" g="0" b="0"/>
+      </a:fillRef>
+      <a:effectRef idx="0">
+        <a:scrgbClr r="0" g="0" b="0"/>
+      </a:effectRef>
+      <a:fontRef idx="minor"/>
+    </dgm:style>
+  </dgm:styleLbl>
+  <dgm:styleLbl name="solidBgAcc1">
+    <dgm:scene3d>
+      <a:camera prst="orthographicFront"/>
+      <a:lightRig rig="threePt" dir="t"/>
+    </dgm:scene3d>
+    <dgm:sp3d/>
+    <dgm:txPr/>
+    <dgm:style>
+      <a:lnRef idx="2">
+        <a:scrgbClr r="0" g="0" b="0"/>
+      </a:lnRef>
+      <a:fillRef idx="1">
+        <a:scrgbClr r="0" g="0" b="0"/>
+      </a:fillRef>
+      <a:effectRef idx="0">
+        <a:scrgbClr r="0" g="0" b="0"/>
+      </a:effectRef>
+      <a:fontRef idx="minor"/>
+    </dgm:style>
+  </dgm:styleLbl>
+  <dgm:styleLbl name="fgAccFollowNode1">
+    <dgm:scene3d>
+      <a:camera prst="orthographicFront"/>
+      <a:lightRig rig="threePt" dir="t"/>
+    </dgm:scene3d>
+    <dgm:sp3d/>
+    <dgm:txPr/>
+    <dgm:style>
+      <a:lnRef idx="2">
+        <a:scrgbClr r="0" g="0" b="0"/>
+      </a:lnRef>
+      <a:fillRef idx="1">
+        <a:scrgbClr r="0" g="0" b="0"/>
+      </a:fillRef>
+      <a:effectRef idx="0">
+        <a:scrgbClr r="0" g="0" b="0"/>
+      </a:effectRef>
+      <a:fontRef idx="minor"/>
+    </dgm:style>
+  </dgm:styleLbl>
+  <dgm:styleLbl name="alignAccFollowNode1">
+    <dgm:scene3d>
+      <a:camera prst="orthographicFront"/>
+      <a:lightRig rig="threePt" dir="t"/>
+    </dgm:scene3d>
+    <dgm:sp3d/>
+    <dgm:txPr/>
+    <dgm:style>
+      <a:lnRef idx="2">
+        <a:scrgbClr r="0" g="0" b="0"/>
+      </a:lnRef>
+      <a:fillRef idx="1">
+        <a:scrgbClr r="0" g="0" b="0"/>
+      </a:fillRef>
+      <a:effectRef idx="0">
+        <a:scrgbClr r="0" g="0" b="0"/>
+      </a:effectRef>
+      <a:fontRef idx="minor"/>
+    </dgm:style>
+  </dgm:styleLbl>
+  <dgm:styleLbl name="bgAccFollowNode1">
+    <dgm:scene3d>
+      <a:camera prst="orthographicFront"/>
+      <a:lightRig rig="threePt" dir="t"/>
+    </dgm:scene3d>
+    <dgm:sp3d/>
+    <dgm:txPr/>
+    <dgm:style>
+      <a:lnRef idx="2">
+        <a:scrgbClr r="0" g="0" b="0"/>
+      </a:lnRef>
+      <a:fillRef idx="1">
+        <a:scrgbClr r="0" g="0" b="0"/>
+      </a:fillRef>
+      <a:effectRef idx="0">
+        <a:scrgbClr r="0" g="0" b="0"/>
+      </a:effectRef>
+      <a:fontRef idx="minor"/>
+    </dgm:style>
+  </dgm:styleLbl>
+  <dgm:styleLbl name="fgAcc0">
+    <dgm:scene3d>
+      <a:camera prst="orthographicFront"/>
+      <a:lightRig rig="threePt" dir="t"/>
+    </dgm:scene3d>
+    <dgm:sp3d/>
+    <dgm:txPr/>
+    <dgm:style>
+      <a:lnRef idx="2">
+        <a:scrgbClr r="0" g="0" b="0"/>
+      </a:lnRef>
+      <a:fillRef idx="1">
+        <a:scrgbClr r="0" g="0" b="0"/>
+      </a:fillRef>
+      <a:effectRef idx="0">
+        <a:scrgbClr r="0" g="0" b="0"/>
+      </a:effectRef>
+      <a:fontRef idx="minor"/>
+    </dgm:style>
+  </dgm:styleLbl>
+  <dgm:styleLbl name="fgAcc2">
+    <dgm:scene3d>
+      <a:camera prst="orthographicFront"/>
+      <a:lightRig rig="threePt" dir="t"/>
+    </dgm:scene3d>
+    <dgm:sp3d/>
+    <dgm:txPr/>
+    <dgm:style>
+      <a:lnRef idx="2">
+        <a:scrgbClr r="0" g="0" b="0"/>
+      </a:lnRef>
+      <a:fillRef idx="1">
+        <a:scrgbClr r="0" g="0" b="0"/>
+      </a:fillRef>
+      <a:effectRef idx="0">
+        <a:scrgbClr r="0" g="0" b="0"/>
+      </a:effectRef>
+      <a:fontRef idx="minor"/>
+    </dgm:style>
+  </dgm:styleLbl>
+  <dgm:styleLbl name="fgAcc3">
+    <dgm:scene3d>
+      <a:camera prst="orthographicFront"/>
+      <a:lightRig rig="threePt" dir="t"/>
+    </dgm:scene3d>
+    <dgm:sp3d/>
+    <dgm:txPr/>
+    <dgm:style>
+      <a:lnRef idx="2">
+        <a:scrgbClr r="0" g="0" b="0"/>
+      </a:lnRef>
+      <a:fillRef idx="1">
+        <a:scrgbClr r="0" g="0" b="0"/>
+      </a:fillRef>
+      <a:effectRef idx="0">
+        <a:scrgbClr r="0" g="0" b="0"/>
+      </a:effectRef>
+      <a:fontRef idx="minor"/>
+    </dgm:style>
+  </dgm:styleLbl>
+  <dgm:styleLbl name="fgAcc4">
+    <dgm:scene3d>
+      <a:camera prst="orthographicFront"/>
+      <a:lightRig rig="threePt" dir="t"/>
+    </dgm:scene3d>
+    <dgm:sp3d/>
+    <dgm:txPr/>
+    <dgm:style>
+      <a:lnRef idx="2">
+        <a:scrgbClr r="0" g="0" b="0"/>
+      </a:lnRef>
+      <a:fillRef idx="1">
+        <a:scrgbClr r="0" g="0" b="0"/>
+      </a:fillRef>
+      <a:effectRef idx="0">
+        <a:scrgbClr r="0" g="0" b="0"/>
+      </a:effectRef>
+      <a:fontRef idx="minor"/>
+    </dgm:style>
+  </dgm:styleLbl>
+  <dgm:styleLbl name="bgShp">
+    <dgm:scene3d>
+      <a:camera prst="orthographicFront"/>
+      <a:lightRig rig="threePt" dir="t"/>
+    </dgm:scene3d>
+    <dgm:sp3d/>
+    <dgm:txPr/>
+    <dgm:style>
+      <a:lnRef idx="0">
+        <a:scrgbClr r="0" g="0" b="0"/>
+      </a:lnRef>
+      <a:fillRef idx="1">
+        <a:scrgbClr r="0" g="0" b="0"/>
+      </a:fillRef>
+      <a:effectRef idx="0">
+        <a:scrgbClr r="0" g="0" b="0"/>
+      </a:effectRef>
+      <a:fontRef idx="minor"/>
+    </dgm:style>
+  </dgm:styleLbl>
+  <dgm:styleLbl name="dkBgShp">
+    <dgm:scene3d>
+      <a:camera prst="orthographicFront"/>
+      <a:lightRig rig="threePt" dir="t"/>
+    </dgm:scene3d>
+    <dgm:sp3d/>
+    <dgm:txPr/>
+    <dgm:style>
+      <a:lnRef idx="0">
+        <a:scrgbClr r="0" g="0" b="0"/>
+      </a:lnRef>
+      <a:fillRef idx="1">
+        <a:scrgbClr r="0" g="0" b="0"/>
+      </a:fillRef>
+      <a:effectRef idx="0">
+        <a:scrgbClr r="0" g="0" b="0"/>
+      </a:effectRef>
+      <a:fontRef idx="minor"/>
+    </dgm:style>
+  </dgm:styleLbl>
+  <dgm:styleLbl name="trBgShp">
+    <dgm:scene3d>
+      <a:camera prst="orthographicFront"/>
+      <a:lightRig rig="threePt" dir="t"/>
+    </dgm:scene3d>
+    <dgm:sp3d/>
+    <dgm:txPr/>
+    <dgm:style>
+      <a:lnRef idx="0">
+        <a:scrgbClr r="0" g="0" b="0"/>
+      </a:lnRef>
+      <a:fillRef idx="1">
+        <a:scrgbClr r="0" g="0" b="0"/>
+      </a:fillRef>
+      <a:effectRef idx="0">
+        <a:scrgbClr r="0" g="0" b="0"/>
+      </a:effectRef>
+      <a:fontRef idx="minor"/>
+    </dgm:style>
+  </dgm:styleLbl>
+  <dgm:styleLbl name="fgShp">
+    <dgm:scene3d>
+      <a:camera prst="orthographicFront"/>
+      <a:lightRig rig="threePt" dir="t"/>
+    </dgm:scene3d>
+    <dgm:sp3d/>
+    <dgm:txPr/>
+    <dgm:style>
+      <a:lnRef idx="2">
+        <a:scrgbClr r="0" g="0" b="0"/>
+      </a:lnRef>
+      <a:fillRef idx="1">
+        <a:scrgbClr r="0" g="0" b="0"/>
+      </a:fillRef>
+      <a:effectRef idx="0">
+        <a:scrgbClr r="0" g="0" b="0"/>
+      </a:effectRef>
+      <a:fontRef idx="minor"/>
+    </dgm:style>
+  </dgm:styleLbl>
+  <dgm:styleLbl name="revTx">
+    <dgm:scene3d>
+      <a:camera prst="orthographicFront"/>
+      <a:lightRig rig="threePt" dir="t"/>
+    </dgm:scene3d>
+    <dgm:sp3d/>
+    <dgm:txPr/>
+    <dgm:style>
+      <a:lnRef idx="0">
+        <a:scrgbClr r="0" g="0" b="0"/>
+      </a:lnRef>
+      <a:fillRef idx="0">
+        <a:scrgbClr r="0" g="0" b="0"/>
+      </a:fillRef>
+      <a:effectRef idx="0">
+        <a:scrgbClr r="0" g="0" b="0"/>
+      </a:effectRef>
+      <a:fontRef idx="minor"/>
+    </dgm:style>
+  </dgm:styleLbl>
+</dgm:styleDef>
+</file>
+
+<file path=ppt/diagrams/quickStyle2.xml><?xml version="1.0" encoding="utf-8"?>
 <dgm:styleDef xmlns:dgm="http://schemas.openxmlformats.org/drawingml/2006/diagram" xmlns:a="http://schemas.openxmlformats.org/drawingml/2006/main" uniqueId="urn:microsoft.com/office/officeart/2005/8/quickstyle/simple4">
   <dgm:title val=""/>
   <dgm:desc val=""/>
@@ -5572,7 +10278,7 @@
 </dgm:styleDef>
 </file>
 
-<file path=ppt/diagrams/quickStyle2.xml><?xml version="1.0" encoding="utf-8"?>
+<file path=ppt/diagrams/quickStyle3.xml><?xml version="1.0" encoding="utf-8"?>
 <dgm:styleDef xmlns:dgm="http://schemas.openxmlformats.org/drawingml/2006/diagram" xmlns:a="http://schemas.openxmlformats.org/drawingml/2006/main" uniqueId="urn:microsoft.com/office/officeart/2005/8/quickstyle/simple2">
   <dgm:title val=""/>
   <dgm:desc val=""/>
@@ -6604,6 +11310,656 @@
     </dgm:style>
   </dgm:styleLbl>
 </dgm:styleDef>
+</file>
+
+<file path=ppt/notesMasters/notesMaster1.xml><?xml version="1.0" encoding="utf-8"?>
+<p:notesMaster xmlns:a="http://schemas.openxmlformats.org/drawingml/2006/main" xmlns:r="http://schemas.openxmlformats.org/officeDocument/2006/relationships" xmlns:p="http://schemas.openxmlformats.org/presentationml/2006/main">
+  <p:cSld>
+    <p:bg>
+      <p:bgRef idx="1001">
+        <a:schemeClr val="bg1"/>
+      </p:bgRef>
+    </p:bg>
+    <p:spTree>
+      <p:nvGrpSpPr>
+        <p:cNvPr id="1" name=""/>
+        <p:cNvGrpSpPr/>
+        <p:nvPr/>
+      </p:nvGrpSpPr>
+      <p:grpSpPr>
+        <a:xfrm>
+          <a:off x="0" y="0"/>
+          <a:ext cx="0" cy="0"/>
+          <a:chOff x="0" y="0"/>
+          <a:chExt cx="0" cy="0"/>
+        </a:xfrm>
+      </p:grpSpPr>
+      <p:sp>
+        <p:nvSpPr>
+          <p:cNvPr id="2" name="Header Placeholder 1"/>
+          <p:cNvSpPr>
+            <a:spLocks noGrp="1"/>
+          </p:cNvSpPr>
+          <p:nvPr>
+            <p:ph type="hdr" sz="quarter"/>
+          </p:nvPr>
+        </p:nvSpPr>
+        <p:spPr>
+          <a:xfrm>
+            <a:off x="0" y="0"/>
+            <a:ext cx="2971800" cy="458788"/>
+          </a:xfrm>
+          <a:prstGeom prst="rect">
+            <a:avLst/>
+          </a:prstGeom>
+        </p:spPr>
+        <p:txBody>
+          <a:bodyPr vert="horz" lIns="91440" tIns="45720" rIns="91440" bIns="45720" rtlCol="0"/>
+          <a:lstStyle>
+            <a:lvl1pPr algn="l">
+              <a:defRPr sz="1200"/>
+            </a:lvl1pPr>
+          </a:lstStyle>
+          <a:p>
+            <a:endParaRPr lang="en-US"/>
+          </a:p>
+        </p:txBody>
+      </p:sp>
+      <p:sp>
+        <p:nvSpPr>
+          <p:cNvPr id="3" name="Date Placeholder 2"/>
+          <p:cNvSpPr>
+            <a:spLocks noGrp="1"/>
+          </p:cNvSpPr>
+          <p:nvPr>
+            <p:ph type="dt" idx="1"/>
+          </p:nvPr>
+        </p:nvSpPr>
+        <p:spPr>
+          <a:xfrm>
+            <a:off x="3884613" y="0"/>
+            <a:ext cx="2971800" cy="458788"/>
+          </a:xfrm>
+          <a:prstGeom prst="rect">
+            <a:avLst/>
+          </a:prstGeom>
+        </p:spPr>
+        <p:txBody>
+          <a:bodyPr vert="horz" lIns="91440" tIns="45720" rIns="91440" bIns="45720" rtlCol="0"/>
+          <a:lstStyle>
+            <a:lvl1pPr algn="r">
+              <a:defRPr sz="1200"/>
+            </a:lvl1pPr>
+          </a:lstStyle>
+          <a:p>
+            <a:fld id="{9A3872D6-F9DE-D746-BA47-48E20125A7C5}" type="datetimeFigureOut">
+              <a:rPr lang="en-US" smtClean="0"/>
+              <a:t>3/19/19</a:t>
+            </a:fld>
+            <a:endParaRPr lang="en-US"/>
+          </a:p>
+        </p:txBody>
+      </p:sp>
+      <p:sp>
+        <p:nvSpPr>
+          <p:cNvPr id="4" name="Slide Image Placeholder 3"/>
+          <p:cNvSpPr>
+            <a:spLocks noGrp="1" noRot="1" noChangeAspect="1"/>
+          </p:cNvSpPr>
+          <p:nvPr>
+            <p:ph type="sldImg" idx="2"/>
+          </p:nvPr>
+        </p:nvSpPr>
+        <p:spPr>
+          <a:xfrm>
+            <a:off x="685800" y="1143000"/>
+            <a:ext cx="5486400" cy="3086100"/>
+          </a:xfrm>
+          <a:prstGeom prst="rect">
+            <a:avLst/>
+          </a:prstGeom>
+          <a:noFill/>
+          <a:ln w="12700">
+            <a:solidFill>
+              <a:prstClr val="black"/>
+            </a:solidFill>
+          </a:ln>
+        </p:spPr>
+        <p:txBody>
+          <a:bodyPr vert="horz" lIns="91440" tIns="45720" rIns="91440" bIns="45720" rtlCol="0" anchor="ctr"/>
+          <a:lstStyle/>
+          <a:p>
+            <a:endParaRPr lang="en-US"/>
+          </a:p>
+        </p:txBody>
+      </p:sp>
+      <p:sp>
+        <p:nvSpPr>
+          <p:cNvPr id="5" name="Notes Placeholder 4"/>
+          <p:cNvSpPr>
+            <a:spLocks noGrp="1"/>
+          </p:cNvSpPr>
+          <p:nvPr>
+            <p:ph type="body" sz="quarter" idx="3"/>
+          </p:nvPr>
+        </p:nvSpPr>
+        <p:spPr>
+          <a:xfrm>
+            <a:off x="685800" y="4400550"/>
+            <a:ext cx="5486400" cy="3600450"/>
+          </a:xfrm>
+          <a:prstGeom prst="rect">
+            <a:avLst/>
+          </a:prstGeom>
+        </p:spPr>
+        <p:txBody>
+          <a:bodyPr vert="horz" lIns="91440" tIns="45720" rIns="91440" bIns="45720" rtlCol="0"/>
+          <a:lstStyle/>
+          <a:p>
+            <a:pPr lvl="0"/>
+            <a:r>
+              <a:rPr lang="en-US"/>
+              <a:t>Click to edit Master text styles</a:t>
+            </a:r>
+          </a:p>
+          <a:p>
+            <a:pPr lvl="1"/>
+            <a:r>
+              <a:rPr lang="en-US"/>
+              <a:t>Second level</a:t>
+            </a:r>
+          </a:p>
+          <a:p>
+            <a:pPr lvl="2"/>
+            <a:r>
+              <a:rPr lang="en-US"/>
+              <a:t>Third level</a:t>
+            </a:r>
+          </a:p>
+          <a:p>
+            <a:pPr lvl="3"/>
+            <a:r>
+              <a:rPr lang="en-US"/>
+              <a:t>Fourth level</a:t>
+            </a:r>
+          </a:p>
+          <a:p>
+            <a:pPr lvl="4"/>
+            <a:r>
+              <a:rPr lang="en-US"/>
+              <a:t>Fifth level</a:t>
+            </a:r>
+          </a:p>
+        </p:txBody>
+      </p:sp>
+      <p:sp>
+        <p:nvSpPr>
+          <p:cNvPr id="6" name="Footer Placeholder 5"/>
+          <p:cNvSpPr>
+            <a:spLocks noGrp="1"/>
+          </p:cNvSpPr>
+          <p:nvPr>
+            <p:ph type="ftr" sz="quarter" idx="4"/>
+          </p:nvPr>
+        </p:nvSpPr>
+        <p:spPr>
+          <a:xfrm>
+            <a:off x="0" y="8685213"/>
+            <a:ext cx="2971800" cy="458787"/>
+          </a:xfrm>
+          <a:prstGeom prst="rect">
+            <a:avLst/>
+          </a:prstGeom>
+        </p:spPr>
+        <p:txBody>
+          <a:bodyPr vert="horz" lIns="91440" tIns="45720" rIns="91440" bIns="45720" rtlCol="0" anchor="b"/>
+          <a:lstStyle>
+            <a:lvl1pPr algn="l">
+              <a:defRPr sz="1200"/>
+            </a:lvl1pPr>
+          </a:lstStyle>
+          <a:p>
+            <a:endParaRPr lang="en-US"/>
+          </a:p>
+        </p:txBody>
+      </p:sp>
+      <p:sp>
+        <p:nvSpPr>
+          <p:cNvPr id="7" name="Slide Number Placeholder 6"/>
+          <p:cNvSpPr>
+            <a:spLocks noGrp="1"/>
+          </p:cNvSpPr>
+          <p:nvPr>
+            <p:ph type="sldNum" sz="quarter" idx="5"/>
+          </p:nvPr>
+        </p:nvSpPr>
+        <p:spPr>
+          <a:xfrm>
+            <a:off x="3884613" y="8685213"/>
+            <a:ext cx="2971800" cy="458787"/>
+          </a:xfrm>
+          <a:prstGeom prst="rect">
+            <a:avLst/>
+          </a:prstGeom>
+        </p:spPr>
+        <p:txBody>
+          <a:bodyPr vert="horz" lIns="91440" tIns="45720" rIns="91440" bIns="45720" rtlCol="0" anchor="b"/>
+          <a:lstStyle>
+            <a:lvl1pPr algn="r">
+              <a:defRPr sz="1200"/>
+            </a:lvl1pPr>
+          </a:lstStyle>
+          <a:p>
+            <a:fld id="{6241932D-E466-EB4B-AF26-A724B9979DEB}" type="slidenum">
+              <a:rPr lang="en-US" smtClean="0"/>
+              <a:t>‹#›</a:t>
+            </a:fld>
+            <a:endParaRPr lang="en-US"/>
+          </a:p>
+        </p:txBody>
+      </p:sp>
+    </p:spTree>
+    <p:extLst>
+      <p:ext uri="{BB962C8B-B14F-4D97-AF65-F5344CB8AC3E}">
+        <p14:creationId xmlns:p14="http://schemas.microsoft.com/office/powerpoint/2010/main" val="26073982"/>
+      </p:ext>
+    </p:extLst>
+  </p:cSld>
+  <p:clrMap bg1="lt1" tx1="dk1" bg2="lt2" tx2="dk2" accent1="accent1" accent2="accent2" accent3="accent3" accent4="accent4" accent5="accent5" accent6="accent6" hlink="hlink" folHlink="folHlink"/>
+  <p:notesStyle>
+    <a:lvl1pPr marL="0" algn="l" defTabSz="914400" rtl="0" eaLnBrk="1" latinLnBrk="0" hangingPunct="1">
+      <a:defRPr sz="1200" kern="1200">
+        <a:solidFill>
+          <a:schemeClr val="tx1"/>
+        </a:solidFill>
+        <a:latin typeface="+mn-lt"/>
+        <a:ea typeface="+mn-ea"/>
+        <a:cs typeface="+mn-cs"/>
+      </a:defRPr>
+    </a:lvl1pPr>
+    <a:lvl2pPr marL="457200" algn="l" defTabSz="914400" rtl="0" eaLnBrk="1" latinLnBrk="0" hangingPunct="1">
+      <a:defRPr sz="1200" kern="1200">
+        <a:solidFill>
+          <a:schemeClr val="tx1"/>
+        </a:solidFill>
+        <a:latin typeface="+mn-lt"/>
+        <a:ea typeface="+mn-ea"/>
+        <a:cs typeface="+mn-cs"/>
+      </a:defRPr>
+    </a:lvl2pPr>
+    <a:lvl3pPr marL="914400" algn="l" defTabSz="914400" rtl="0" eaLnBrk="1" latinLnBrk="0" hangingPunct="1">
+      <a:defRPr sz="1200" kern="1200">
+        <a:solidFill>
+          <a:schemeClr val="tx1"/>
+        </a:solidFill>
+        <a:latin typeface="+mn-lt"/>
+        <a:ea typeface="+mn-ea"/>
+        <a:cs typeface="+mn-cs"/>
+      </a:defRPr>
+    </a:lvl3pPr>
+    <a:lvl4pPr marL="1371600" algn="l" defTabSz="914400" rtl="0" eaLnBrk="1" latinLnBrk="0" hangingPunct="1">
+      <a:defRPr sz="1200" kern="1200">
+        <a:solidFill>
+          <a:schemeClr val="tx1"/>
+        </a:solidFill>
+        <a:latin typeface="+mn-lt"/>
+        <a:ea typeface="+mn-ea"/>
+        <a:cs typeface="+mn-cs"/>
+      </a:defRPr>
+    </a:lvl4pPr>
+    <a:lvl5pPr marL="1828800" algn="l" defTabSz="914400" rtl="0" eaLnBrk="1" latinLnBrk="0" hangingPunct="1">
+      <a:defRPr sz="1200" kern="1200">
+        <a:solidFill>
+          <a:schemeClr val="tx1"/>
+        </a:solidFill>
+        <a:latin typeface="+mn-lt"/>
+        <a:ea typeface="+mn-ea"/>
+        <a:cs typeface="+mn-cs"/>
+      </a:defRPr>
+    </a:lvl5pPr>
+    <a:lvl6pPr marL="2286000" algn="l" defTabSz="914400" rtl="0" eaLnBrk="1" latinLnBrk="0" hangingPunct="1">
+      <a:defRPr sz="1200" kern="1200">
+        <a:solidFill>
+          <a:schemeClr val="tx1"/>
+        </a:solidFill>
+        <a:latin typeface="+mn-lt"/>
+        <a:ea typeface="+mn-ea"/>
+        <a:cs typeface="+mn-cs"/>
+      </a:defRPr>
+    </a:lvl6pPr>
+    <a:lvl7pPr marL="2743200" algn="l" defTabSz="914400" rtl="0" eaLnBrk="1" latinLnBrk="0" hangingPunct="1">
+      <a:defRPr sz="1200" kern="1200">
+        <a:solidFill>
+          <a:schemeClr val="tx1"/>
+        </a:solidFill>
+        <a:latin typeface="+mn-lt"/>
+        <a:ea typeface="+mn-ea"/>
+        <a:cs typeface="+mn-cs"/>
+      </a:defRPr>
+    </a:lvl7pPr>
+    <a:lvl8pPr marL="3200400" algn="l" defTabSz="914400" rtl="0" eaLnBrk="1" latinLnBrk="0" hangingPunct="1">
+      <a:defRPr sz="1200" kern="1200">
+        <a:solidFill>
+          <a:schemeClr val="tx1"/>
+        </a:solidFill>
+        <a:latin typeface="+mn-lt"/>
+        <a:ea typeface="+mn-ea"/>
+        <a:cs typeface="+mn-cs"/>
+      </a:defRPr>
+    </a:lvl8pPr>
+    <a:lvl9pPr marL="3657600" algn="l" defTabSz="914400" rtl="0" eaLnBrk="1" latinLnBrk="0" hangingPunct="1">
+      <a:defRPr sz="1200" kern="1200">
+        <a:solidFill>
+          <a:schemeClr val="tx1"/>
+        </a:solidFill>
+        <a:latin typeface="+mn-lt"/>
+        <a:ea typeface="+mn-ea"/>
+        <a:cs typeface="+mn-cs"/>
+      </a:defRPr>
+    </a:lvl9pPr>
+  </p:notesStyle>
+</p:notesMaster>
+</file>
+
+<file path=ppt/notesSlides/notesSlide1.xml><?xml version="1.0" encoding="utf-8"?>
+<p:notes xmlns:a="http://schemas.openxmlformats.org/drawingml/2006/main" xmlns:r="http://schemas.openxmlformats.org/officeDocument/2006/relationships" xmlns:p="http://schemas.openxmlformats.org/presentationml/2006/main">
+  <p:cSld>
+    <p:spTree>
+      <p:nvGrpSpPr>
+        <p:cNvPr id="1" name=""/>
+        <p:cNvGrpSpPr/>
+        <p:nvPr/>
+      </p:nvGrpSpPr>
+      <p:grpSpPr>
+        <a:xfrm>
+          <a:off x="0" y="0"/>
+          <a:ext cx="0" cy="0"/>
+          <a:chOff x="0" y="0"/>
+          <a:chExt cx="0" cy="0"/>
+        </a:xfrm>
+      </p:grpSpPr>
+      <p:sp>
+        <p:nvSpPr>
+          <p:cNvPr id="2" name="Slide Image Placeholder 1"/>
+          <p:cNvSpPr>
+            <a:spLocks noGrp="1" noRot="1" noChangeAspect="1"/>
+          </p:cNvSpPr>
+          <p:nvPr>
+            <p:ph type="sldImg"/>
+          </p:nvPr>
+        </p:nvSpPr>
+        <p:spPr/>
+      </p:sp>
+      <p:sp>
+        <p:nvSpPr>
+          <p:cNvPr id="3" name="Notes Placeholder 2"/>
+          <p:cNvSpPr>
+            <a:spLocks noGrp="1"/>
+          </p:cNvSpPr>
+          <p:nvPr>
+            <p:ph type="body" idx="1"/>
+          </p:nvPr>
+        </p:nvSpPr>
+        <p:spPr/>
+        <p:txBody>
+          <a:bodyPr/>
+          <a:lstStyle/>
+          <a:p>
+            <a:r>
+              <a:rPr lang="en-US" sz="2400" i="1" dirty="0"/>
+              <a:t>From Tweets to Polls: Linking Text Sentiment to Public Opinion Time Series</a:t>
+            </a:r>
+          </a:p>
+          <a:p>
+            <a:pPr lvl="1"/>
+            <a:r>
+              <a:rPr lang="en-US" sz="2000" dirty="0"/>
+              <a:t>Compared public opinion from polls to sentiments measured from tweet</a:t>
+            </a:r>
+          </a:p>
+          <a:p>
+            <a:r>
+              <a:rPr lang="en-US" sz="2400" i="1" dirty="0"/>
+              <a:t>Every tweet counts? How sentiment analysis of social media can improve our knowledge of citizens' political preferences with an application to Italy and France</a:t>
+            </a:r>
+          </a:p>
+          <a:p>
+            <a:pPr lvl="1"/>
+            <a:r>
+              <a:rPr lang="en-US" sz="2000" dirty="0"/>
+              <a:t>Analyzed voting intentions of users and the subsequent results in the French presidential and legislative elections of 2012</a:t>
+            </a:r>
+          </a:p>
+          <a:p>
+            <a:pPr lvl="1"/>
+            <a:r>
+              <a:rPr lang="en-US" sz="2000" dirty="0"/>
+              <a:t>Does public opinion reflect reality of elections?</a:t>
+            </a:r>
+          </a:p>
+          <a:p>
+            <a:r>
+              <a:rPr lang="en-US" sz="2400" i="1" dirty="0"/>
+              <a:t> Social media in managing political advertising: A study of India</a:t>
+            </a:r>
+          </a:p>
+          <a:p>
+            <a:pPr lvl="1"/>
+            <a:r>
+              <a:rPr lang="en-US" sz="2000" dirty="0"/>
+              <a:t>Another explored the relationship between tweet follows and shares gained by parties and the Delhi Assembly elections in India in 2015</a:t>
+            </a:r>
+          </a:p>
+          <a:p>
+            <a:endParaRPr lang="en-US" dirty="0"/>
+          </a:p>
+        </p:txBody>
+      </p:sp>
+      <p:sp>
+        <p:nvSpPr>
+          <p:cNvPr id="4" name="Slide Number Placeholder 3"/>
+          <p:cNvSpPr>
+            <a:spLocks noGrp="1"/>
+          </p:cNvSpPr>
+          <p:nvPr>
+            <p:ph type="sldNum" sz="quarter" idx="5"/>
+          </p:nvPr>
+        </p:nvSpPr>
+        <p:spPr/>
+        <p:txBody>
+          <a:bodyPr/>
+          <a:lstStyle/>
+          <a:p>
+            <a:fld id="{6241932D-E466-EB4B-AF26-A724B9979DEB}" type="slidenum">
+              <a:rPr lang="en-US" smtClean="0"/>
+              <a:t>4</a:t>
+            </a:fld>
+            <a:endParaRPr lang="en-US"/>
+          </a:p>
+        </p:txBody>
+      </p:sp>
+    </p:spTree>
+    <p:extLst>
+      <p:ext uri="{BB962C8B-B14F-4D97-AF65-F5344CB8AC3E}">
+        <p14:creationId xmlns:p14="http://schemas.microsoft.com/office/powerpoint/2010/main" val="3044060328"/>
+      </p:ext>
+    </p:extLst>
+  </p:cSld>
+  <p:clrMapOvr>
+    <a:masterClrMapping/>
+  </p:clrMapOvr>
+</p:notes>
+</file>
+
+<file path=ppt/notesSlides/notesSlide2.xml><?xml version="1.0" encoding="utf-8"?>
+<p:notes xmlns:a="http://schemas.openxmlformats.org/drawingml/2006/main" xmlns:r="http://schemas.openxmlformats.org/officeDocument/2006/relationships" xmlns:p="http://schemas.openxmlformats.org/presentationml/2006/main">
+  <p:cSld>
+    <p:spTree>
+      <p:nvGrpSpPr>
+        <p:cNvPr id="1" name=""/>
+        <p:cNvGrpSpPr/>
+        <p:nvPr/>
+      </p:nvGrpSpPr>
+      <p:grpSpPr>
+        <a:xfrm>
+          <a:off x="0" y="0"/>
+          <a:ext cx="0" cy="0"/>
+          <a:chOff x="0" y="0"/>
+          <a:chExt cx="0" cy="0"/>
+        </a:xfrm>
+      </p:grpSpPr>
+      <p:sp>
+        <p:nvSpPr>
+          <p:cNvPr id="2" name="Slide Image Placeholder 1"/>
+          <p:cNvSpPr>
+            <a:spLocks noGrp="1" noRot="1" noChangeAspect="1"/>
+          </p:cNvSpPr>
+          <p:nvPr>
+            <p:ph type="sldImg"/>
+          </p:nvPr>
+        </p:nvSpPr>
+        <p:spPr/>
+      </p:sp>
+      <p:sp>
+        <p:nvSpPr>
+          <p:cNvPr id="3" name="Notes Placeholder 2"/>
+          <p:cNvSpPr>
+            <a:spLocks noGrp="1"/>
+          </p:cNvSpPr>
+          <p:nvPr>
+            <p:ph type="body" idx="1"/>
+          </p:nvPr>
+        </p:nvSpPr>
+        <p:spPr/>
+        <p:txBody>
+          <a:bodyPr/>
+          <a:lstStyle/>
+          <a:p>
+            <a:endParaRPr lang="en-US" dirty="0"/>
+          </a:p>
+        </p:txBody>
+      </p:sp>
+      <p:sp>
+        <p:nvSpPr>
+          <p:cNvPr id="4" name="Slide Number Placeholder 3"/>
+          <p:cNvSpPr>
+            <a:spLocks noGrp="1"/>
+          </p:cNvSpPr>
+          <p:nvPr>
+            <p:ph type="sldNum" sz="quarter" idx="5"/>
+          </p:nvPr>
+        </p:nvSpPr>
+        <p:spPr/>
+        <p:txBody>
+          <a:bodyPr/>
+          <a:lstStyle/>
+          <a:p>
+            <a:fld id="{6241932D-E466-EB4B-AF26-A724B9979DEB}" type="slidenum">
+              <a:rPr lang="en-US" smtClean="0"/>
+              <a:t>5</a:t>
+            </a:fld>
+            <a:endParaRPr lang="en-US"/>
+          </a:p>
+        </p:txBody>
+      </p:sp>
+    </p:spTree>
+    <p:extLst>
+      <p:ext uri="{BB962C8B-B14F-4D97-AF65-F5344CB8AC3E}">
+        <p14:creationId xmlns:p14="http://schemas.microsoft.com/office/powerpoint/2010/main" val="4064579198"/>
+      </p:ext>
+    </p:extLst>
+  </p:cSld>
+  <p:clrMapOvr>
+    <a:masterClrMapping/>
+  </p:clrMapOvr>
+</p:notes>
+</file>
+
+<file path=ppt/notesSlides/notesSlide3.xml><?xml version="1.0" encoding="utf-8"?>
+<p:notes xmlns:a="http://schemas.openxmlformats.org/drawingml/2006/main" xmlns:r="http://schemas.openxmlformats.org/officeDocument/2006/relationships" xmlns:p="http://schemas.openxmlformats.org/presentationml/2006/main">
+  <p:cSld>
+    <p:spTree>
+      <p:nvGrpSpPr>
+        <p:cNvPr id="1" name=""/>
+        <p:cNvGrpSpPr/>
+        <p:nvPr/>
+      </p:nvGrpSpPr>
+      <p:grpSpPr>
+        <a:xfrm>
+          <a:off x="0" y="0"/>
+          <a:ext cx="0" cy="0"/>
+          <a:chOff x="0" y="0"/>
+          <a:chExt cx="0" cy="0"/>
+        </a:xfrm>
+      </p:grpSpPr>
+      <p:sp>
+        <p:nvSpPr>
+          <p:cNvPr id="2" name="Slide Image Placeholder 1"/>
+          <p:cNvSpPr>
+            <a:spLocks noGrp="1" noRot="1" noChangeAspect="1"/>
+          </p:cNvSpPr>
+          <p:nvPr>
+            <p:ph type="sldImg"/>
+          </p:nvPr>
+        </p:nvSpPr>
+        <p:spPr/>
+      </p:sp>
+      <p:sp>
+        <p:nvSpPr>
+          <p:cNvPr id="3" name="Notes Placeholder 2"/>
+          <p:cNvSpPr>
+            <a:spLocks noGrp="1"/>
+          </p:cNvSpPr>
+          <p:nvPr>
+            <p:ph type="body" idx="1"/>
+          </p:nvPr>
+        </p:nvSpPr>
+        <p:spPr/>
+        <p:txBody>
+          <a:bodyPr/>
+          <a:lstStyle/>
+          <a:p>
+            <a:r>
+              <a:rPr lang="en-US" dirty="0"/>
+              <a:t>Remove users -&gt; 30,000 users. Determined by voting</a:t>
+            </a:r>
+          </a:p>
+        </p:txBody>
+      </p:sp>
+      <p:sp>
+        <p:nvSpPr>
+          <p:cNvPr id="4" name="Slide Number Placeholder 3"/>
+          <p:cNvSpPr>
+            <a:spLocks noGrp="1"/>
+          </p:cNvSpPr>
+          <p:nvPr>
+            <p:ph type="sldNum" sz="quarter" idx="5"/>
+          </p:nvPr>
+        </p:nvSpPr>
+        <p:spPr/>
+        <p:txBody>
+          <a:bodyPr/>
+          <a:lstStyle/>
+          <a:p>
+            <a:fld id="{6241932D-E466-EB4B-AF26-A724B9979DEB}" type="slidenum">
+              <a:rPr lang="en-US" smtClean="0"/>
+              <a:t>6</a:t>
+            </a:fld>
+            <a:endParaRPr lang="en-US"/>
+          </a:p>
+        </p:txBody>
+      </p:sp>
+    </p:spTree>
+    <p:extLst>
+      <p:ext uri="{BB962C8B-B14F-4D97-AF65-F5344CB8AC3E}">
+        <p14:creationId xmlns:p14="http://schemas.microsoft.com/office/powerpoint/2010/main" val="2139369436"/>
+      </p:ext>
+    </p:extLst>
+  </p:cSld>
+  <p:clrMapOvr>
+    <a:masterClrMapping/>
+  </p:clrMapOvr>
+</p:notes>
 </file>
 
 <file path=ppt/slideLayouts/slideLayout1.xml><?xml version="1.0" encoding="utf-8"?>
@@ -6770,7 +12126,7 @@
             <a:fld id="{B61BEF0D-F0BB-DE4B-95CE-6DB70DBA9567}" type="datetimeFigureOut">
               <a:rPr lang="en-US" smtClean="0"/>
               <a:pPr/>
-              <a:t>3/3/19</a:t>
+              <a:t>3/19/19</a:t>
             </a:fld>
             <a:endParaRPr lang="en-US" dirty="0"/>
           </a:p>
@@ -6942,7 +12298,7 @@
             <a:fld id="{B61BEF0D-F0BB-DE4B-95CE-6DB70DBA9567}" type="datetimeFigureOut">
               <a:rPr lang="en-US" smtClean="0"/>
               <a:pPr/>
-              <a:t>3/3/19</a:t>
+              <a:t>3/19/19</a:t>
             </a:fld>
             <a:endParaRPr lang="en-US" dirty="0"/>
           </a:p>
@@ -7124,7 +12480,7 @@
             <a:fld id="{B61BEF0D-F0BB-DE4B-95CE-6DB70DBA9567}" type="datetimeFigureOut">
               <a:rPr lang="en-US" smtClean="0"/>
               <a:pPr/>
-              <a:t>3/3/19</a:t>
+              <a:t>3/19/19</a:t>
             </a:fld>
             <a:endParaRPr lang="en-US" dirty="0"/>
           </a:p>
@@ -7296,7 +12652,7 @@
             <a:fld id="{B61BEF0D-F0BB-DE4B-95CE-6DB70DBA9567}" type="datetimeFigureOut">
               <a:rPr lang="en-US" smtClean="0"/>
               <a:pPr/>
-              <a:t>3/3/19</a:t>
+              <a:t>3/19/19</a:t>
             </a:fld>
             <a:endParaRPr lang="en-US" dirty="0"/>
           </a:p>
@@ -7566,7 +12922,7 @@
             <a:fld id="{B61BEF0D-F0BB-DE4B-95CE-6DB70DBA9567}" type="datetimeFigureOut">
               <a:rPr lang="en-US" smtClean="0"/>
               <a:pPr/>
-              <a:t>3/3/19</a:t>
+              <a:t>3/19/19</a:t>
             </a:fld>
             <a:endParaRPr lang="en-US" dirty="0"/>
           </a:p>
@@ -7800,7 +13156,7 @@
             <a:fld id="{B61BEF0D-F0BB-DE4B-95CE-6DB70DBA9567}" type="datetimeFigureOut">
               <a:rPr lang="en-US" smtClean="0"/>
               <a:pPr/>
-              <a:t>3/3/19</a:t>
+              <a:t>3/19/19</a:t>
             </a:fld>
             <a:endParaRPr lang="en-US" dirty="0"/>
           </a:p>
@@ -8161,7 +13517,7 @@
             <a:fld id="{B61BEF0D-F0BB-DE4B-95CE-6DB70DBA9567}" type="datetimeFigureOut">
               <a:rPr lang="en-US" smtClean="0"/>
               <a:pPr/>
-              <a:t>3/3/19</a:t>
+              <a:t>3/19/19</a:t>
             </a:fld>
             <a:endParaRPr lang="en-US" dirty="0"/>
           </a:p>
@@ -8304,7 +13660,7 @@
             <a:fld id="{B61BEF0D-F0BB-DE4B-95CE-6DB70DBA9567}" type="datetimeFigureOut">
               <a:rPr lang="en-US" smtClean="0"/>
               <a:pPr/>
-              <a:t>3/3/19</a:t>
+              <a:t>3/19/19</a:t>
             </a:fld>
             <a:endParaRPr lang="en-US" dirty="0"/>
           </a:p>
@@ -8401,7 +13757,7 @@
             <a:fld id="{B61BEF0D-F0BB-DE4B-95CE-6DB70DBA9567}" type="datetimeFigureOut">
               <a:rPr lang="en-US" smtClean="0"/>
               <a:pPr/>
-              <a:t>3/3/19</a:t>
+              <a:t>3/19/19</a:t>
             </a:fld>
             <a:endParaRPr lang="en-US" dirty="0"/>
           </a:p>
@@ -8760,7 +14116,7 @@
             <a:fld id="{B61BEF0D-F0BB-DE4B-95CE-6DB70DBA9567}" type="datetimeFigureOut">
               <a:rPr lang="en-US" smtClean="0"/>
               <a:pPr/>
-              <a:t>3/3/19</a:t>
+              <a:t>3/19/19</a:t>
             </a:fld>
             <a:endParaRPr lang="en-US" dirty="0"/>
           </a:p>
@@ -9119,7 +14475,7 @@
             <a:fld id="{B61BEF0D-F0BB-DE4B-95CE-6DB70DBA9567}" type="datetimeFigureOut">
               <a:rPr lang="en-US" smtClean="0"/>
               <a:pPr/>
-              <a:t>3/3/19</a:t>
+              <a:t>3/19/19</a:t>
             </a:fld>
             <a:endParaRPr lang="en-US" dirty="0"/>
           </a:p>
@@ -9363,7 +14719,7 @@
             <a:fld id="{B61BEF0D-F0BB-DE4B-95CE-6DB70DBA9567}" type="datetimeFigureOut">
               <a:rPr lang="en-US" smtClean="0"/>
               <a:pPr/>
-              <a:t>3/3/19</a:t>
+              <a:t>3/19/19</a:t>
             </a:fld>
             <a:endParaRPr lang="en-US" dirty="0"/>
           </a:p>
@@ -9911,12 +15267,12 @@
               </a:lnSpc>
             </a:pPr>
             <a:r>
-              <a:rPr lang="en-US">
+              <a:rPr lang="en-US" dirty="0">
                 <a:solidFill>
                   <a:schemeClr val="tx1"/>
                 </a:solidFill>
               </a:rPr>
-              <a:t>Tim Blazek, Olivia Roy,  Andy Shi</a:t>
+              <a:t>Tim Blazek, Olivia Roy,  Andy Shin</a:t>
             </a:r>
           </a:p>
           <a:p>
@@ -9926,7 +15282,7 @@
               </a:lnSpc>
             </a:pPr>
             <a:r>
-              <a:rPr lang="en-US">
+              <a:rPr lang="en-US" dirty="0">
                 <a:solidFill>
                   <a:schemeClr val="tx1"/>
                 </a:solidFill>
@@ -9941,7 +15297,7 @@
               </a:lnSpc>
             </a:pPr>
             <a:r>
-              <a:rPr lang="en-US">
+              <a:rPr lang="en-US" dirty="0">
                 <a:solidFill>
                   <a:schemeClr val="tx1"/>
                 </a:solidFill>
@@ -10132,7 +15488,7 @@
               </a:buClr>
             </a:pPr>
             <a:r>
-              <a:rPr lang="en-US" dirty="0">
+              <a:rPr lang="en-US" sz="2000" dirty="0">
                 <a:solidFill>
                   <a:srgbClr val="FFFFFF"/>
                 </a:solidFill>
@@ -10147,7 +15503,7 @@
               </a:buClr>
             </a:pPr>
             <a:r>
-              <a:rPr lang="en-US" dirty="0">
+              <a:rPr lang="en-US" sz="2000" dirty="0">
                 <a:solidFill>
                   <a:srgbClr val="FFFFFF"/>
                 </a:solidFill>
@@ -10162,7 +15518,7 @@
               </a:buClr>
             </a:pPr>
             <a:r>
-              <a:rPr lang="en-US" dirty="0">
+              <a:rPr lang="en-US" sz="2000" dirty="0">
                 <a:solidFill>
                   <a:srgbClr val="FFFFFF"/>
                 </a:solidFill>
@@ -10177,7 +15533,7 @@
               </a:buClr>
             </a:pPr>
             <a:r>
-              <a:rPr lang="en-US" dirty="0">
+              <a:rPr lang="en-US" sz="2000" dirty="0">
                 <a:solidFill>
                   <a:srgbClr val="FFFFFF"/>
                 </a:solidFill>
@@ -10552,99 +15908,37 @@
           </a:p>
         </p:txBody>
       </p:sp>
-      <p:sp>
-        <p:nvSpPr>
-          <p:cNvPr id="3" name="Content Placeholder 2">
+      <p:graphicFrame>
+        <p:nvGraphicFramePr>
+          <p:cNvPr id="6" name="Content Placeholder 5">
             <a:extLst>
               <a:ext uri="{FF2B5EF4-FFF2-40B4-BE49-F238E27FC236}">
-                <a16:creationId xmlns:a16="http://schemas.microsoft.com/office/drawing/2014/main" id="{A792316B-D7D7-6142-A3BF-46E2CE537C2F}"/>
+                <a16:creationId xmlns:a16="http://schemas.microsoft.com/office/drawing/2014/main" id="{E83511EF-9D12-A140-869C-56C59656FCAC}"/>
               </a:ext>
             </a:extLst>
           </p:cNvPr>
-          <p:cNvSpPr>
-            <a:spLocks noGrp="1"/>
-          </p:cNvSpPr>
+          <p:cNvGraphicFramePr>
+            <a:graphicFrameLocks noGrp="1"/>
+          </p:cNvGraphicFramePr>
           <p:nvPr>
             <p:ph idx="1"/>
+            <p:extLst>
+              <p:ext uri="{D42A27DB-BD31-4B8C-83A1-F6EECF244321}">
+                <p14:modId xmlns:p14="http://schemas.microsoft.com/office/powerpoint/2010/main" val="4177886252"/>
+              </p:ext>
+            </p:extLst>
           </p:nvPr>
-        </p:nvSpPr>
-        <p:spPr>
-          <a:xfrm>
-            <a:off x="2231136" y="2638044"/>
-            <a:ext cx="7729728" cy="3101983"/>
-          </a:xfrm>
-        </p:spPr>
-        <p:txBody>
-          <a:bodyPr/>
-          <a:lstStyle/>
-          <a:p>
-            <a:r>
-              <a:rPr lang="en-US" dirty="0"/>
-              <a:t>Mapping Twitter user to corresponding Senator </a:t>
-            </a:r>
-            <a:r>
-              <a:rPr lang="en-US" dirty="0">
-                <a:sym typeface="Wingdings" pitchFamily="2" charset="2"/>
-              </a:rPr>
-              <a:t> lack of geo-location</a:t>
-            </a:r>
-          </a:p>
-          <a:p>
-            <a:r>
-              <a:rPr lang="en-US" dirty="0">
-                <a:sym typeface="Wingdings" pitchFamily="2" charset="2"/>
-              </a:rPr>
-              <a:t>Finding significant vote when votes were not strictly by party</a:t>
-            </a:r>
-          </a:p>
-          <a:p>
-            <a:pPr lvl="1"/>
-            <a:r>
-              <a:rPr lang="en-US" dirty="0" err="1">
-                <a:sym typeface="Wingdings" pitchFamily="2" charset="2"/>
-              </a:rPr>
-              <a:t>Amdt</a:t>
-            </a:r>
-            <a:r>
-              <a:rPr lang="en-US" dirty="0">
-                <a:sym typeface="Wingdings" pitchFamily="2" charset="2"/>
-              </a:rPr>
-              <a:t>. 270 – Vote to repeal Obamacare </a:t>
-            </a:r>
-            <a:r>
-              <a:rPr lang="en-US" dirty="0"/>
-              <a:t> </a:t>
-            </a:r>
-          </a:p>
-          <a:p>
-            <a:pPr lvl="1"/>
-            <a:r>
-              <a:rPr lang="en-US" dirty="0"/>
-              <a:t>July 25, 2017</a:t>
-            </a:r>
-          </a:p>
-          <a:p>
-            <a:r>
-              <a:rPr lang="en-US" dirty="0"/>
-              <a:t>Sentiment analysis</a:t>
-            </a:r>
-          </a:p>
-          <a:p>
-            <a:pPr lvl="1"/>
-            <a:r>
-              <a:rPr lang="en-US" dirty="0"/>
-              <a:t>“Obamacare is death”</a:t>
-            </a:r>
-          </a:p>
-          <a:p>
-            <a:pPr lvl="1"/>
-            <a:r>
-              <a:rPr lang="en-US" dirty="0"/>
-              <a:t>"We can do better than Obamacare”</a:t>
-            </a:r>
-          </a:p>
-        </p:txBody>
-      </p:sp>
+        </p:nvGraphicFramePr>
+        <p:xfrm>
+          <a:off x="2231136" y="2638044"/>
+          <a:ext cx="7729728" cy="3101983"/>
+        </p:xfrm>
+        <a:graphic>
+          <a:graphicData uri="http://schemas.openxmlformats.org/drawingml/2006/diagram">
+            <dgm:relIds xmlns:dgm="http://schemas.openxmlformats.org/drawingml/2006/diagram" xmlns:r="http://schemas.openxmlformats.org/officeDocument/2006/relationships" r:dm="rId2" r:lo="rId3" r:qs="rId4" r:cs="rId5"/>
+          </a:graphicData>
+        </a:graphic>
+      </p:graphicFrame>
     </p:spTree>
     <p:extLst>
       <p:ext uri="{BB962C8B-B14F-4D97-AF65-F5344CB8AC3E}">
@@ -10737,48 +16031,20 @@
           <a:lstStyle/>
           <a:p>
             <a:r>
-              <a:rPr lang="en-US" i="1" dirty="0"/>
+              <a:rPr lang="en-US" sz="2800" dirty="0"/>
               <a:t>From Tweets to Polls: Linking Text Sentiment to Public Opinion Time Series</a:t>
             </a:r>
           </a:p>
           <a:p>
-            <a:pPr lvl="1"/>
             <a:r>
-              <a:rPr lang="en-US" dirty="0"/>
-              <a:t>Compared public opinion from polls to sentiments measured from tweet</a:t>
+              <a:rPr lang="en-US" sz="2800" dirty="0"/>
+              <a:t>Every tweet counts? How sentiment analysis of social media can improve our knowledge of citizens' political preferences with an application to Italy and France</a:t>
             </a:r>
           </a:p>
           <a:p>
             <a:r>
-              <a:rPr lang="en-US" i="1" dirty="0"/>
-              <a:t>Every tweet counts? How sentiment analysis of social media can improve our knowledge of citizens' political preferences with an application to Italy and France</a:t>
-            </a:r>
-          </a:p>
-          <a:p>
-            <a:pPr lvl="1"/>
-            <a:r>
-              <a:rPr lang="en-US" dirty="0"/>
-              <a:t>Analyzed voting intentions of users and the subsequent results in the French presidential and legislative elections of 2012</a:t>
-            </a:r>
-          </a:p>
-          <a:p>
-            <a:pPr lvl="1"/>
-            <a:r>
-              <a:rPr lang="en-US" dirty="0"/>
-              <a:t>Does public opinion reflect reality of elections?</a:t>
-            </a:r>
-          </a:p>
-          <a:p>
-            <a:r>
-              <a:rPr lang="en-US" i="1" dirty="0"/>
-              <a:t> Social media in managing political advertising: A study of India</a:t>
-            </a:r>
-          </a:p>
-          <a:p>
-            <a:pPr lvl="1"/>
-            <a:r>
-              <a:rPr lang="en-US" dirty="0"/>
-              <a:t>Another explored the relationship between tweet follows and shares gained by parties and the Delhi Assembly elections in India in 2015</a:t>
+              <a:rPr lang="en-US" sz="2800" dirty="0"/>
+              <a:t>Social media in managing political advertising:  A study of India</a:t>
             </a:r>
           </a:p>
         </p:txBody>
@@ -11003,7 +16269,7 @@
             <p:ph idx="1"/>
             <p:extLst>
               <p:ext uri="{D42A27DB-BD31-4B8C-83A1-F6EECF244321}">
-                <p14:modId xmlns:p14="http://schemas.microsoft.com/office/powerpoint/2010/main" val="1893609883"/>
+                <p14:modId xmlns:p14="http://schemas.microsoft.com/office/powerpoint/2010/main" val="2420510326"/>
               </p:ext>
             </p:extLst>
           </p:nvPr>
@@ -11014,7 +16280,7 @@
         </p:xfrm>
         <a:graphic>
           <a:graphicData uri="http://schemas.openxmlformats.org/drawingml/2006/diagram">
-            <dgm:relIds xmlns:dgm="http://schemas.openxmlformats.org/drawingml/2006/diagram" xmlns:r="http://schemas.openxmlformats.org/officeDocument/2006/relationships" r:dm="rId2" r:lo="rId3" r:qs="rId4" r:cs="rId5"/>
+            <dgm:relIds xmlns:dgm="http://schemas.openxmlformats.org/drawingml/2006/diagram" xmlns:r="http://schemas.openxmlformats.org/officeDocument/2006/relationships" r:dm="rId3" r:lo="rId4" r:qs="rId5" r:cs="rId6"/>
           </a:graphicData>
         </a:graphic>
       </p:graphicFrame>
@@ -11092,75 +16358,413 @@
             <p:ph idx="1"/>
           </p:nvPr>
         </p:nvSpPr>
-        <p:spPr/>
+        <p:spPr>
+          <a:xfrm>
+            <a:off x="4540551" y="5893308"/>
+            <a:ext cx="3273397" cy="369332"/>
+          </a:xfrm>
+        </p:spPr>
         <p:txBody>
           <a:bodyPr>
-            <a:normAutofit fontScale="92500" lnSpcReduction="10000"/>
+            <a:normAutofit/>
+          </a:bodyPr>
+          <a:lstStyle/>
+          <a:p>
+            <a:pPr marL="228600" lvl="1" indent="0">
+              <a:buNone/>
+            </a:pPr>
+            <a:r>
+              <a:rPr lang="en-US" sz="1800" dirty="0"/>
+              <a:t>Remove repetitive usernames</a:t>
+            </a:r>
+          </a:p>
+          <a:p>
+            <a:pPr marL="228600" lvl="1" indent="0">
+              <a:buNone/>
+            </a:pPr>
+            <a:endParaRPr lang="en-US" sz="1800" dirty="0"/>
+          </a:p>
+          <a:p>
+            <a:endParaRPr lang="en-US" dirty="0"/>
+          </a:p>
+          <a:p>
+            <a:endParaRPr lang="en-US" dirty="0"/>
+          </a:p>
+          <a:p>
+            <a:endParaRPr lang="en-US" dirty="0"/>
+          </a:p>
+        </p:txBody>
+      </p:sp>
+      <p:pic>
+        <p:nvPicPr>
+          <p:cNvPr id="5" name="Picture 4">
+            <a:extLst>
+              <a:ext uri="{FF2B5EF4-FFF2-40B4-BE49-F238E27FC236}">
+                <a16:creationId xmlns:a16="http://schemas.microsoft.com/office/drawing/2014/main" id="{C40C5BB4-3D96-F244-BF17-8461D45694F9}"/>
+              </a:ext>
+            </a:extLst>
+          </p:cNvPr>
+          <p:cNvPicPr>
+            <a:picLocks noChangeAspect="1"/>
+          </p:cNvPicPr>
+          <p:nvPr/>
+        </p:nvPicPr>
+        <p:blipFill>
+          <a:blip r:embed="rId3"/>
+          <a:stretch>
+            <a:fillRect/>
+          </a:stretch>
+        </p:blipFill>
+        <p:spPr>
+          <a:xfrm>
+            <a:off x="8564004" y="2680214"/>
+            <a:ext cx="2793719" cy="3123686"/>
+          </a:xfrm>
+          <a:prstGeom prst="rect">
+            <a:avLst/>
+          </a:prstGeom>
+        </p:spPr>
+      </p:pic>
+      <p:graphicFrame>
+        <p:nvGraphicFramePr>
+          <p:cNvPr id="12" name="Chart 11">
+            <a:extLst>
+              <a:ext uri="{FF2B5EF4-FFF2-40B4-BE49-F238E27FC236}">
+                <a16:creationId xmlns:a16="http://schemas.microsoft.com/office/drawing/2014/main" id="{B1278FB4-A410-764C-AD37-F65455ACEAC9}"/>
+              </a:ext>
+            </a:extLst>
+          </p:cNvPr>
+          <p:cNvGraphicFramePr/>
+          <p:nvPr>
+            <p:extLst>
+              <p:ext uri="{D42A27DB-BD31-4B8C-83A1-F6EECF244321}">
+                <p14:modId xmlns:p14="http://schemas.microsoft.com/office/powerpoint/2010/main" val="493447083"/>
+              </p:ext>
+            </p:extLst>
+          </p:nvPr>
+        </p:nvGraphicFramePr>
+        <p:xfrm>
+          <a:off x="0" y="2680214"/>
+          <a:ext cx="4685528" cy="3123686"/>
+        </p:xfrm>
+        <a:graphic>
+          <a:graphicData uri="http://schemas.openxmlformats.org/drawingml/2006/chart">
+            <c:chart xmlns:c="http://schemas.openxmlformats.org/drawingml/2006/chart" xmlns:r="http://schemas.openxmlformats.org/officeDocument/2006/relationships" r:id="rId4"/>
+          </a:graphicData>
+        </a:graphic>
+      </p:graphicFrame>
+      <p:graphicFrame>
+        <p:nvGraphicFramePr>
+          <p:cNvPr id="14" name="Chart 13">
+            <a:extLst>
+              <a:ext uri="{FF2B5EF4-FFF2-40B4-BE49-F238E27FC236}">
+                <a16:creationId xmlns:a16="http://schemas.microsoft.com/office/drawing/2014/main" id="{180C41EA-9DDF-C048-944C-F0732E9285C4}"/>
+              </a:ext>
+            </a:extLst>
+          </p:cNvPr>
+          <p:cNvGraphicFramePr/>
+          <p:nvPr>
+            <p:extLst>
+              <p:ext uri="{D42A27DB-BD31-4B8C-83A1-F6EECF244321}">
+                <p14:modId xmlns:p14="http://schemas.microsoft.com/office/powerpoint/2010/main" val="2988234745"/>
+              </p:ext>
+            </p:extLst>
+          </p:nvPr>
+        </p:nvGraphicFramePr>
+        <p:xfrm>
+          <a:off x="3834486" y="2680214"/>
+          <a:ext cx="4685528" cy="3123686"/>
+        </p:xfrm>
+        <a:graphic>
+          <a:graphicData uri="http://schemas.openxmlformats.org/drawingml/2006/chart">
+            <c:chart xmlns:c="http://schemas.openxmlformats.org/drawingml/2006/chart" xmlns:r="http://schemas.openxmlformats.org/officeDocument/2006/relationships" r:id="rId5"/>
+          </a:graphicData>
+        </a:graphic>
+      </p:graphicFrame>
+      <p:sp>
+        <p:nvSpPr>
+          <p:cNvPr id="15" name="TextBox 14">
+            <a:extLst>
+              <a:ext uri="{FF2B5EF4-FFF2-40B4-BE49-F238E27FC236}">
+                <a16:creationId xmlns:a16="http://schemas.microsoft.com/office/drawing/2014/main" id="{9F50140C-70B8-1445-85DC-0CA7BE331B38}"/>
+              </a:ext>
+            </a:extLst>
+          </p:cNvPr>
+          <p:cNvSpPr txBox="1"/>
+          <p:nvPr/>
+        </p:nvSpPr>
+        <p:spPr>
+          <a:xfrm>
+            <a:off x="1008605" y="5893308"/>
+            <a:ext cx="3273397" cy="369332"/>
+          </a:xfrm>
+          <a:prstGeom prst="rect">
+            <a:avLst/>
+          </a:prstGeom>
+          <a:noFill/>
+        </p:spPr>
+        <p:txBody>
+          <a:bodyPr wrap="none" rtlCol="0">
+            <a:spAutoFit/>
           </a:bodyPr>
           <a:lstStyle/>
           <a:p>
             <a:r>
               <a:rPr lang="en-US" dirty="0"/>
-              <a:t>43,000 tweets with “Obamacare” between July 1, 2017 – July 25, 2017 </a:t>
+              <a:t>43,000 tweets with “Obamacare”</a:t>
+            </a:r>
+          </a:p>
+        </p:txBody>
+      </p:sp>
+      <p:sp>
+        <p:nvSpPr>
+          <p:cNvPr id="18" name="Content Placeholder 2">
+            <a:extLst>
+              <a:ext uri="{FF2B5EF4-FFF2-40B4-BE49-F238E27FC236}">
+                <a16:creationId xmlns:a16="http://schemas.microsoft.com/office/drawing/2014/main" id="{C19419E8-1D69-C14B-8AFC-9ADD11A50B11}"/>
+              </a:ext>
+            </a:extLst>
+          </p:cNvPr>
+          <p:cNvSpPr txBox="1">
+            <a:spLocks/>
+          </p:cNvSpPr>
+          <p:nvPr/>
+        </p:nvSpPr>
+        <p:spPr>
+          <a:xfrm>
+            <a:off x="8449806" y="5893308"/>
+            <a:ext cx="3022113" cy="550787"/>
+          </a:xfrm>
+          <a:prstGeom prst="rect">
+            <a:avLst/>
+          </a:prstGeom>
+        </p:spPr>
+        <p:txBody>
+          <a:bodyPr vert="horz" lIns="91440" tIns="45720" rIns="91440" bIns="45720" rtlCol="0">
+            <a:normAutofit fontScale="92500"/>
+          </a:bodyPr>
+          <a:lstStyle>
+            <a:lvl1pPr marL="228600" indent="-228600" algn="l" defTabSz="914400" rtl="0" eaLnBrk="1" latinLnBrk="0" hangingPunct="1">
+              <a:lnSpc>
+                <a:spcPct val="100000"/>
+              </a:lnSpc>
+              <a:spcBef>
+                <a:spcPts val="1000"/>
+              </a:spcBef>
+              <a:buClr>
+                <a:schemeClr val="accent2"/>
+              </a:buClr>
+              <a:buFont typeface="Arial" panose="020B0604020202020204" pitchFamily="34" charset="0"/>
+              <a:buChar char="•"/>
+              <a:defRPr sz="1800" kern="1200">
+                <a:solidFill>
+                  <a:schemeClr val="tx1">
+                    <a:lumMod val="85000"/>
+                    <a:lumOff val="15000"/>
+                  </a:schemeClr>
+                </a:solidFill>
+                <a:latin typeface="+mn-lt"/>
+                <a:ea typeface="+mn-ea"/>
+                <a:cs typeface="+mn-cs"/>
+              </a:defRPr>
+            </a:lvl1pPr>
+            <a:lvl2pPr marL="457200" indent="-228600" algn="l" defTabSz="914400" rtl="0" eaLnBrk="1" latinLnBrk="0" hangingPunct="1">
+              <a:lnSpc>
+                <a:spcPct val="100000"/>
+              </a:lnSpc>
+              <a:spcBef>
+                <a:spcPts val="1000"/>
+              </a:spcBef>
+              <a:buClr>
+                <a:schemeClr val="accent2"/>
+              </a:buClr>
+              <a:buFont typeface="Arial" panose="020B0604020202020204" pitchFamily="34" charset="0"/>
+              <a:buChar char="•"/>
+              <a:defRPr sz="1600" kern="1200">
+                <a:solidFill>
+                  <a:schemeClr val="tx1">
+                    <a:lumMod val="85000"/>
+                    <a:lumOff val="15000"/>
+                  </a:schemeClr>
+                </a:solidFill>
+                <a:latin typeface="+mn-lt"/>
+                <a:ea typeface="+mn-ea"/>
+                <a:cs typeface="+mn-cs"/>
+              </a:defRPr>
+            </a:lvl2pPr>
+            <a:lvl3pPr marL="685800" indent="-228600" algn="l" defTabSz="914400" rtl="0" eaLnBrk="1" latinLnBrk="0" hangingPunct="1">
+              <a:lnSpc>
+                <a:spcPct val="100000"/>
+              </a:lnSpc>
+              <a:spcBef>
+                <a:spcPts val="1000"/>
+              </a:spcBef>
+              <a:buClr>
+                <a:schemeClr val="accent2"/>
+              </a:buClr>
+              <a:buFont typeface="Arial" panose="020B0604020202020204" pitchFamily="34" charset="0"/>
+              <a:buChar char="•"/>
+              <a:defRPr sz="1600" kern="1200">
+                <a:solidFill>
+                  <a:schemeClr val="tx1">
+                    <a:lumMod val="85000"/>
+                    <a:lumOff val="15000"/>
+                  </a:schemeClr>
+                </a:solidFill>
+                <a:latin typeface="+mn-lt"/>
+                <a:ea typeface="+mn-ea"/>
+                <a:cs typeface="+mn-cs"/>
+              </a:defRPr>
+            </a:lvl3pPr>
+            <a:lvl4pPr marL="914400" indent="-228600" algn="l" defTabSz="914400" rtl="0" eaLnBrk="1" latinLnBrk="0" hangingPunct="1">
+              <a:lnSpc>
+                <a:spcPct val="100000"/>
+              </a:lnSpc>
+              <a:spcBef>
+                <a:spcPts val="1000"/>
+              </a:spcBef>
+              <a:buClr>
+                <a:schemeClr val="accent2"/>
+              </a:buClr>
+              <a:buFont typeface="Arial" panose="020B0604020202020204" pitchFamily="34" charset="0"/>
+              <a:buChar char="•"/>
+              <a:defRPr sz="1600" kern="1200">
+                <a:solidFill>
+                  <a:schemeClr val="tx1">
+                    <a:lumMod val="85000"/>
+                    <a:lumOff val="15000"/>
+                  </a:schemeClr>
+                </a:solidFill>
+                <a:latin typeface="+mn-lt"/>
+                <a:ea typeface="+mn-ea"/>
+                <a:cs typeface="+mn-cs"/>
+              </a:defRPr>
+            </a:lvl4pPr>
+            <a:lvl5pPr marL="1143000" indent="-228600" algn="l" defTabSz="914400" rtl="0" eaLnBrk="1" latinLnBrk="0" hangingPunct="1">
+              <a:lnSpc>
+                <a:spcPct val="100000"/>
+              </a:lnSpc>
+              <a:spcBef>
+                <a:spcPts val="1000"/>
+              </a:spcBef>
+              <a:buClr>
+                <a:schemeClr val="accent2"/>
+              </a:buClr>
+              <a:buFont typeface="Arial" panose="020B0604020202020204" pitchFamily="34" charset="0"/>
+              <a:buChar char="•"/>
+              <a:defRPr sz="1600" kern="1200">
+                <a:solidFill>
+                  <a:schemeClr val="tx1">
+                    <a:lumMod val="85000"/>
+                    <a:lumOff val="15000"/>
+                  </a:schemeClr>
+                </a:solidFill>
+                <a:latin typeface="+mn-lt"/>
+                <a:ea typeface="+mn-ea"/>
+                <a:cs typeface="+mn-cs"/>
+              </a:defRPr>
+            </a:lvl5pPr>
+            <a:lvl6pPr marL="1312863" indent="-228600" algn="l" defTabSz="914400" rtl="0" eaLnBrk="1" latinLnBrk="0" hangingPunct="1">
+              <a:lnSpc>
+                <a:spcPct val="100000"/>
+              </a:lnSpc>
+              <a:spcBef>
+                <a:spcPts val="1000"/>
+              </a:spcBef>
+              <a:buClr>
+                <a:schemeClr val="accent2"/>
+              </a:buClr>
+              <a:buFont typeface="Arial" panose="020B0604020202020204" pitchFamily="34" charset="0"/>
+              <a:buChar char="•"/>
+              <a:defRPr sz="1600" kern="1200">
+                <a:solidFill>
+                  <a:schemeClr val="tx1"/>
+                </a:solidFill>
+                <a:latin typeface="+mn-lt"/>
+                <a:ea typeface="+mn-ea"/>
+                <a:cs typeface="+mn-cs"/>
+              </a:defRPr>
+            </a:lvl6pPr>
+            <a:lvl7pPr marL="1484313" indent="-228600" algn="l" defTabSz="914400" rtl="0" eaLnBrk="1" latinLnBrk="0" hangingPunct="1">
+              <a:lnSpc>
+                <a:spcPct val="100000"/>
+              </a:lnSpc>
+              <a:spcBef>
+                <a:spcPts val="1000"/>
+              </a:spcBef>
+              <a:buClr>
+                <a:schemeClr val="accent2"/>
+              </a:buClr>
+              <a:buFont typeface="Arial" panose="020B0604020202020204" pitchFamily="34" charset="0"/>
+              <a:buChar char="•"/>
+              <a:defRPr sz="1600" kern="1200">
+                <a:solidFill>
+                  <a:schemeClr val="tx1"/>
+                </a:solidFill>
+                <a:latin typeface="+mn-lt"/>
+                <a:ea typeface="+mn-ea"/>
+                <a:cs typeface="+mn-cs"/>
+              </a:defRPr>
+            </a:lvl7pPr>
+            <a:lvl8pPr marL="1657350" indent="-228600" algn="l" defTabSz="914400" rtl="0" eaLnBrk="1" latinLnBrk="0" hangingPunct="1">
+              <a:lnSpc>
+                <a:spcPct val="100000"/>
+              </a:lnSpc>
+              <a:spcBef>
+                <a:spcPts val="1000"/>
+              </a:spcBef>
+              <a:buClr>
+                <a:schemeClr val="accent2"/>
+              </a:buClr>
+              <a:buFont typeface="Arial" panose="020B0604020202020204" pitchFamily="34" charset="0"/>
+              <a:buChar char="•"/>
+              <a:defRPr sz="1600" kern="1200" baseline="0">
+                <a:solidFill>
+                  <a:schemeClr val="tx1"/>
+                </a:solidFill>
+                <a:latin typeface="+mn-lt"/>
+                <a:ea typeface="+mn-ea"/>
+                <a:cs typeface="+mn-cs"/>
+              </a:defRPr>
+            </a:lvl8pPr>
+            <a:lvl9pPr marL="1882775" indent="-228600" algn="l" defTabSz="914400" rtl="0" eaLnBrk="1" latinLnBrk="0" hangingPunct="1">
+              <a:lnSpc>
+                <a:spcPct val="100000"/>
+              </a:lnSpc>
+              <a:spcBef>
+                <a:spcPts val="1000"/>
+              </a:spcBef>
+              <a:buClr>
+                <a:schemeClr val="accent2"/>
+              </a:buClr>
+              <a:buFont typeface="Arial" panose="020B0604020202020204" pitchFamily="34" charset="0"/>
+              <a:buChar char="•"/>
+              <a:defRPr sz="1600" kern="1200" baseline="0">
+                <a:solidFill>
+                  <a:schemeClr val="tx1"/>
+                </a:solidFill>
+                <a:latin typeface="+mn-lt"/>
+                <a:ea typeface="+mn-ea"/>
+                <a:cs typeface="+mn-cs"/>
+              </a:defRPr>
+            </a:lvl9pPr>
+          </a:lstStyle>
+          <a:p>
+            <a:pPr marL="228600" lvl="1" indent="0">
+              <a:buFont typeface="Arial" panose="020B0604020202020204" pitchFamily="34" charset="0"/>
+              <a:buNone/>
+            </a:pPr>
+            <a:r>
+              <a:rPr lang="en-US" sz="1800" dirty="0"/>
+              <a:t>Party line negative sentiment</a:t>
             </a:r>
           </a:p>
           <a:p>
-            <a:pPr lvl="1"/>
-            <a:r>
-              <a:rPr lang="en-US" dirty="0"/>
-              <a:t>73% negative</a:t>
-            </a:r>
-          </a:p>
-          <a:p>
-            <a:r>
-              <a:rPr lang="en-US" dirty="0"/>
-              <a:t>Remove repetitive usernames</a:t>
-            </a:r>
-          </a:p>
-          <a:p>
-            <a:pPr lvl="1"/>
-            <a:r>
-              <a:rPr lang="en-US" dirty="0"/>
-              <a:t>30,000 users</a:t>
-            </a:r>
-          </a:p>
-          <a:p>
-            <a:pPr lvl="1"/>
-            <a:r>
-              <a:rPr lang="en-US" dirty="0"/>
-              <a:t>Voting method to determine overall sentiment</a:t>
-            </a:r>
-          </a:p>
-          <a:p>
-            <a:pPr lvl="1"/>
-            <a:r>
-              <a:rPr lang="en-US" dirty="0"/>
-              <a:t> 76% negative </a:t>
-            </a:r>
-          </a:p>
-          <a:p>
-            <a:r>
-              <a:rPr lang="en-US" dirty="0"/>
-              <a:t>Partly line sentiments </a:t>
-            </a:r>
-          </a:p>
-          <a:p>
-            <a:pPr lvl="1"/>
-            <a:r>
-              <a:rPr lang="en-US" dirty="0"/>
-              <a:t>87% of tweets at Republicans had a negative sentiment </a:t>
-            </a:r>
-          </a:p>
-          <a:p>
-            <a:pPr lvl="1"/>
-            <a:r>
-              <a:rPr lang="en-US" dirty="0"/>
-              <a:t>72% of tweets at Democrats had a negative sentiment</a:t>
-            </a:r>
-          </a:p>
-          <a:p>
-            <a:pPr lvl="1"/>
-            <a:endParaRPr lang="en-US" dirty="0"/>
+            <a:pPr marL="228600" lvl="1" indent="0">
+              <a:buFont typeface="Arial" panose="020B0604020202020204" pitchFamily="34" charset="0"/>
+              <a:buNone/>
+            </a:pPr>
+            <a:endParaRPr lang="en-US" sz="1800" dirty="0"/>
           </a:p>
           <a:p>
             <a:endParaRPr lang="en-US" dirty="0"/>
@@ -11264,7 +16868,7 @@
             <p:ph idx="1"/>
             <p:extLst>
               <p:ext uri="{D42A27DB-BD31-4B8C-83A1-F6EECF244321}">
-                <p14:modId xmlns:p14="http://schemas.microsoft.com/office/powerpoint/2010/main" val="4126566906"/>
+                <p14:modId xmlns:p14="http://schemas.microsoft.com/office/powerpoint/2010/main" val="3785627616"/>
               </p:ext>
             </p:extLst>
           </p:nvPr>
@@ -11633,4 +17237,299 @@
     </a:ext>
   </a:extLst>
 </a:theme>
+</file>
+
+<file path=ppt/theme/theme2.xml><?xml version="1.0" encoding="utf-8"?>
+<a:theme xmlns:a="http://schemas.openxmlformats.org/drawingml/2006/main" name="Office Theme">
+  <a:themeElements>
+    <a:clrScheme name="Office">
+      <a:dk1>
+        <a:sysClr val="windowText" lastClr="000000"/>
+      </a:dk1>
+      <a:lt1>
+        <a:sysClr val="window" lastClr="FFFFFF"/>
+      </a:lt1>
+      <a:dk2>
+        <a:srgbClr val="44546A"/>
+      </a:dk2>
+      <a:lt2>
+        <a:srgbClr val="E7E6E6"/>
+      </a:lt2>
+      <a:accent1>
+        <a:srgbClr val="4472C4"/>
+      </a:accent1>
+      <a:accent2>
+        <a:srgbClr val="ED7D31"/>
+      </a:accent2>
+      <a:accent3>
+        <a:srgbClr val="A5A5A5"/>
+      </a:accent3>
+      <a:accent4>
+        <a:srgbClr val="FFC000"/>
+      </a:accent4>
+      <a:accent5>
+        <a:srgbClr val="5B9BD5"/>
+      </a:accent5>
+      <a:accent6>
+        <a:srgbClr val="70AD47"/>
+      </a:accent6>
+      <a:hlink>
+        <a:srgbClr val="0563C1"/>
+      </a:hlink>
+      <a:folHlink>
+        <a:srgbClr val="954F72"/>
+      </a:folHlink>
+    </a:clrScheme>
+    <a:fontScheme name="Office">
+      <a:majorFont>
+        <a:latin typeface="Calibri Light" panose="020F0302020204030204"/>
+        <a:ea typeface=""/>
+        <a:cs typeface=""/>
+        <a:font script="Jpan" typeface="游ゴシック Light"/>
+        <a:font script="Hang" typeface="맑은 고딕"/>
+        <a:font script="Hans" typeface="等线 Light"/>
+        <a:font script="Hant" typeface="新細明體"/>
+        <a:font script="Arab" typeface="Times New Roman"/>
+        <a:font script="Hebr" typeface="Times New Roman"/>
+        <a:font script="Thai" typeface="Angsana New"/>
+        <a:font script="Ethi" typeface="Nyala"/>
+        <a:font script="Beng" typeface="Vrinda"/>
+        <a:font script="Gujr" typeface="Shruti"/>
+        <a:font script="Khmr" typeface="MoolBoran"/>
+        <a:font script="Knda" typeface="Tunga"/>
+        <a:font script="Guru" typeface="Raavi"/>
+        <a:font script="Cans" typeface="Euphemia"/>
+        <a:font script="Cher" typeface="Plantagenet Cherokee"/>
+        <a:font script="Yiii" typeface="Microsoft Yi Baiti"/>
+        <a:font script="Tibt" typeface="Microsoft Himalaya"/>
+        <a:font script="Thaa" typeface="MV Boli"/>
+        <a:font script="Deva" typeface="Mangal"/>
+        <a:font script="Telu" typeface="Gautami"/>
+        <a:font script="Taml" typeface="Latha"/>
+        <a:font script="Syrc" typeface="Estrangelo Edessa"/>
+        <a:font script="Orya" typeface="Kalinga"/>
+        <a:font script="Mlym" typeface="Kartika"/>
+        <a:font script="Laoo" typeface="DokChampa"/>
+        <a:font script="Sinh" typeface="Iskoola Pota"/>
+        <a:font script="Mong" typeface="Mongolian Baiti"/>
+        <a:font script="Viet" typeface="Times New Roman"/>
+        <a:font script="Uigh" typeface="Microsoft Uighur"/>
+        <a:font script="Geor" typeface="Sylfaen"/>
+        <a:font script="Armn" typeface="Arial"/>
+        <a:font script="Bugi" typeface="Leelawadee UI"/>
+        <a:font script="Bopo" typeface="Microsoft JhengHei"/>
+        <a:font script="Java" typeface="Javanese Text"/>
+        <a:font script="Lisu" typeface="Segoe UI"/>
+        <a:font script="Mymr" typeface="Myanmar Text"/>
+        <a:font script="Nkoo" typeface="Ebrima"/>
+        <a:font script="Olck" typeface="Nirmala UI"/>
+        <a:font script="Osma" typeface="Ebrima"/>
+        <a:font script="Phag" typeface="Phagspa"/>
+        <a:font script="Syrn" typeface="Estrangelo Edessa"/>
+        <a:font script="Syrj" typeface="Estrangelo Edessa"/>
+        <a:font script="Syre" typeface="Estrangelo Edessa"/>
+        <a:font script="Sora" typeface="Nirmala UI"/>
+        <a:font script="Tale" typeface="Microsoft Tai Le"/>
+        <a:font script="Talu" typeface="Microsoft New Tai Lue"/>
+        <a:font script="Tfng" typeface="Ebrima"/>
+      </a:majorFont>
+      <a:minorFont>
+        <a:latin typeface="Calibri" panose="020F0502020204030204"/>
+        <a:ea typeface=""/>
+        <a:cs typeface=""/>
+        <a:font script="Jpan" typeface="游ゴシック"/>
+        <a:font script="Hang" typeface="맑은 고딕"/>
+        <a:font script="Hans" typeface="等线"/>
+        <a:font script="Hant" typeface="新細明體"/>
+        <a:font script="Arab" typeface="Arial"/>
+        <a:font script="Hebr" typeface="Arial"/>
+        <a:font script="Thai" typeface="Cordia New"/>
+        <a:font script="Ethi" typeface="Nyala"/>
+        <a:font script="Beng" typeface="Vrinda"/>
+        <a:font script="Gujr" typeface="Shruti"/>
+        <a:font script="Khmr" typeface="DaunPenh"/>
+        <a:font script="Knda" typeface="Tunga"/>
+        <a:font script="Guru" typeface="Raavi"/>
+        <a:font script="Cans" typeface="Euphemia"/>
+        <a:font script="Cher" typeface="Plantagenet Cherokee"/>
+        <a:font script="Yiii" typeface="Microsoft Yi Baiti"/>
+        <a:font script="Tibt" typeface="Microsoft Himalaya"/>
+        <a:font script="Thaa" typeface="MV Boli"/>
+        <a:font script="Deva" typeface="Mangal"/>
+        <a:font script="Telu" typeface="Gautami"/>
+        <a:font script="Taml" typeface="Latha"/>
+        <a:font script="Syrc" typeface="Estrangelo Edessa"/>
+        <a:font script="Orya" typeface="Kalinga"/>
+        <a:font script="Mlym" typeface="Kartika"/>
+        <a:font script="Laoo" typeface="DokChampa"/>
+        <a:font script="Sinh" typeface="Iskoola Pota"/>
+        <a:font script="Mong" typeface="Mongolian Baiti"/>
+        <a:font script="Viet" typeface="Arial"/>
+        <a:font script="Uigh" typeface="Microsoft Uighur"/>
+        <a:font script="Geor" typeface="Sylfaen"/>
+        <a:font script="Armn" typeface="Arial"/>
+        <a:font script="Bugi" typeface="Leelawadee UI"/>
+        <a:font script="Bopo" typeface="Microsoft JhengHei"/>
+        <a:font script="Java" typeface="Javanese Text"/>
+        <a:font script="Lisu" typeface="Segoe UI"/>
+        <a:font script="Mymr" typeface="Myanmar Text"/>
+        <a:font script="Nkoo" typeface="Ebrima"/>
+        <a:font script="Olck" typeface="Nirmala UI"/>
+        <a:font script="Osma" typeface="Ebrima"/>
+        <a:font script="Phag" typeface="Phagspa"/>
+        <a:font script="Syrn" typeface="Estrangelo Edessa"/>
+        <a:font script="Syrj" typeface="Estrangelo Edessa"/>
+        <a:font script="Syre" typeface="Estrangelo Edessa"/>
+        <a:font script="Sora" typeface="Nirmala UI"/>
+        <a:font script="Tale" typeface="Microsoft Tai Le"/>
+        <a:font script="Talu" typeface="Microsoft New Tai Lue"/>
+        <a:font script="Tfng" typeface="Ebrima"/>
+      </a:minorFont>
+    </a:fontScheme>
+    <a:fmtScheme name="Office">
+      <a:fillStyleLst>
+        <a:solidFill>
+          <a:schemeClr val="phClr"/>
+        </a:solidFill>
+        <a:gradFill rotWithShape="1">
+          <a:gsLst>
+            <a:gs pos="0">
+              <a:schemeClr val="phClr">
+                <a:lumMod val="110000"/>
+                <a:satMod val="105000"/>
+                <a:tint val="67000"/>
+              </a:schemeClr>
+            </a:gs>
+            <a:gs pos="50000">
+              <a:schemeClr val="phClr">
+                <a:lumMod val="105000"/>
+                <a:satMod val="103000"/>
+                <a:tint val="73000"/>
+              </a:schemeClr>
+            </a:gs>
+            <a:gs pos="100000">
+              <a:schemeClr val="phClr">
+                <a:lumMod val="105000"/>
+                <a:satMod val="109000"/>
+                <a:tint val="81000"/>
+              </a:schemeClr>
+            </a:gs>
+          </a:gsLst>
+          <a:lin ang="5400000" scaled="0"/>
+        </a:gradFill>
+        <a:gradFill rotWithShape="1">
+          <a:gsLst>
+            <a:gs pos="0">
+              <a:schemeClr val="phClr">
+                <a:satMod val="103000"/>
+                <a:lumMod val="102000"/>
+                <a:tint val="94000"/>
+              </a:schemeClr>
+            </a:gs>
+            <a:gs pos="50000">
+              <a:schemeClr val="phClr">
+                <a:satMod val="110000"/>
+                <a:lumMod val="100000"/>
+                <a:shade val="100000"/>
+              </a:schemeClr>
+            </a:gs>
+            <a:gs pos="100000">
+              <a:schemeClr val="phClr">
+                <a:lumMod val="99000"/>
+                <a:satMod val="120000"/>
+                <a:shade val="78000"/>
+              </a:schemeClr>
+            </a:gs>
+          </a:gsLst>
+          <a:lin ang="5400000" scaled="0"/>
+        </a:gradFill>
+      </a:fillStyleLst>
+      <a:lnStyleLst>
+        <a:ln w="6350" cap="flat" cmpd="sng" algn="ctr">
+          <a:solidFill>
+            <a:schemeClr val="phClr"/>
+          </a:solidFill>
+          <a:prstDash val="solid"/>
+          <a:miter lim="800000"/>
+        </a:ln>
+        <a:ln w="12700" cap="flat" cmpd="sng" algn="ctr">
+          <a:solidFill>
+            <a:schemeClr val="phClr"/>
+          </a:solidFill>
+          <a:prstDash val="solid"/>
+          <a:miter lim="800000"/>
+        </a:ln>
+        <a:ln w="19050" cap="flat" cmpd="sng" algn="ctr">
+          <a:solidFill>
+            <a:schemeClr val="phClr"/>
+          </a:solidFill>
+          <a:prstDash val="solid"/>
+          <a:miter lim="800000"/>
+        </a:ln>
+      </a:lnStyleLst>
+      <a:effectStyleLst>
+        <a:effectStyle>
+          <a:effectLst/>
+        </a:effectStyle>
+        <a:effectStyle>
+          <a:effectLst/>
+        </a:effectStyle>
+        <a:effectStyle>
+          <a:effectLst>
+            <a:outerShdw blurRad="57150" dist="19050" dir="5400000" algn="ctr" rotWithShape="0">
+              <a:srgbClr val="000000">
+                <a:alpha val="63000"/>
+              </a:srgbClr>
+            </a:outerShdw>
+          </a:effectLst>
+        </a:effectStyle>
+      </a:effectStyleLst>
+      <a:bgFillStyleLst>
+        <a:solidFill>
+          <a:schemeClr val="phClr"/>
+        </a:solidFill>
+        <a:solidFill>
+          <a:schemeClr val="phClr">
+            <a:tint val="95000"/>
+            <a:satMod val="170000"/>
+          </a:schemeClr>
+        </a:solidFill>
+        <a:gradFill rotWithShape="1">
+          <a:gsLst>
+            <a:gs pos="0">
+              <a:schemeClr val="phClr">
+                <a:tint val="93000"/>
+                <a:satMod val="150000"/>
+                <a:shade val="98000"/>
+                <a:lumMod val="102000"/>
+              </a:schemeClr>
+            </a:gs>
+            <a:gs pos="50000">
+              <a:schemeClr val="phClr">
+                <a:tint val="98000"/>
+                <a:satMod val="130000"/>
+                <a:shade val="90000"/>
+                <a:lumMod val="103000"/>
+              </a:schemeClr>
+            </a:gs>
+            <a:gs pos="100000">
+              <a:schemeClr val="phClr">
+                <a:shade val="63000"/>
+                <a:satMod val="120000"/>
+              </a:schemeClr>
+            </a:gs>
+          </a:gsLst>
+          <a:lin ang="5400000" scaled="0"/>
+        </a:gradFill>
+      </a:bgFillStyleLst>
+    </a:fmtScheme>
+  </a:themeElements>
+  <a:objectDefaults/>
+  <a:extraClrSchemeLst/>
+  <a:extLst>
+    <a:ext uri="{05A4C25C-085E-4340-85A3-A5531E510DB2}">
+      <thm15:themeFamily xmlns:thm15="http://schemas.microsoft.com/office/thememl/2012/main" name="Office Theme" id="{62F939B6-93AF-4DB8-9C6B-D6C7DFDC589F}" vid="{4A3C46E8-61CC-4603-A589-7422A47A8E4A}"/>
+    </a:ext>
+  </a:extLst>
+</a:theme>
 </file>